--- a/presentation/20180713 Gruppe 5 - step2.pptx
+++ b/presentation/20180713 Gruppe 5 - step2.pptx
@@ -178,7 +178,7 @@
   </p:defaultTextStyle>
   <p:extLst>
     <p:ext uri="{EFAFB233-063F-42B5-8137-9DF3F51BA10A}">
-      <p15:sldGuideLst xmlns:p15="http://schemas.microsoft.com/office/powerpoint/2012/main" xmlns="">
+      <p15:sldGuideLst xmlns:p15="http://schemas.microsoft.com/office/powerpoint/2012/main">
         <p15:guide id="1" orient="horz" pos="2160">
           <p15:clr>
             <a:srgbClr val="A4A3A4"/>
@@ -192,7 +192,7 @@
       </p15:sldGuideLst>
     </p:ext>
     <p:ext uri="{2D200454-40CA-4A62-9FC3-DE9A4176ACB9}">
-      <p15:notesGuideLst xmlns:p15="http://schemas.microsoft.com/office/powerpoint/2012/main" xmlns=""/>
+      <p15:notesGuideLst xmlns:p15="http://schemas.microsoft.com/office/powerpoint/2012/main"/>
     </p:ext>
   </p:extLst>
 </p:presentation>
@@ -206,7 +206,7 @@
   <p:cmAuthor id="2" name="Markus Hoehn" initials="MH" lastIdx="3" clrIdx="1">
     <p:extLst>
       <p:ext uri="{19B8F6BF-5375-455C-9EA6-DF929625EA0E}">
-        <p15:presenceInfo xmlns:p15="http://schemas.microsoft.com/office/powerpoint/2012/main" xmlns="" userId="S-1-5-21-74256929-2686928077-3698218826-1125" providerId="AD"/>
+        <p15:presenceInfo xmlns:p15="http://schemas.microsoft.com/office/powerpoint/2012/main" userId="S-1-5-21-74256929-2686928077-3698218826-1125" providerId="AD"/>
       </p:ext>
     </p:extLst>
   </p:cmAuthor>
@@ -220,7 +220,7 @@
     <p:text>early stopping to prevent overfitting, but also for efficiency</p:text>
     <p:extLst>
       <p:ext uri="{C676402C-5697-4E1C-873F-D02D1690AC5C}">
-        <p15:threadingInfo xmlns:p15="http://schemas.microsoft.com/office/powerpoint/2012/main" xmlns="" timeZoneBias="-120"/>
+        <p15:threadingInfo xmlns:p15="http://schemas.microsoft.com/office/powerpoint/2012/main" timeZoneBias="-120"/>
       </p:ext>
     </p:extLst>
   </p:cm>
@@ -230,7 +230,7 @@
 Antiproportional, Precision ist uns wichtiger als Recall (weil SUmmary am ENde gut sein muss), aber recall muss mindestwert haben</p:text>
     <p:extLst>
       <p:ext uri="{C676402C-5697-4E1C-873F-D02D1690AC5C}">
-        <p15:threadingInfo xmlns:p15="http://schemas.microsoft.com/office/powerpoint/2012/main" xmlns="" timeZoneBias="-120"/>
+        <p15:threadingInfo xmlns:p15="http://schemas.microsoft.com/office/powerpoint/2012/main" timeZoneBias="-120"/>
       </p:ext>
     </p:extLst>
   </p:cm>
@@ -248,7 +248,7 @@
 Wir entschieden uns, dass 30 Nuggets ein guter Wert ist</p:text>
     <p:extLst>
       <p:ext uri="{C676402C-5697-4E1C-873F-D02D1690AC5C}">
-        <p15:threadingInfo xmlns:p15="http://schemas.microsoft.com/office/powerpoint/2012/main" xmlns="" timeZoneBias="-120"/>
+        <p15:threadingInfo xmlns:p15="http://schemas.microsoft.com/office/powerpoint/2012/main" timeZoneBias="-120"/>
       </p:ext>
     </p:extLst>
   </p:cm>
@@ -2029,13 +2029,6 @@
         </dgm:presLayoutVars>
       </dgm:prSet>
       <dgm:spPr/>
-      <dgm:t>
-        <a:bodyPr/>
-        <a:lstStyle/>
-        <a:p>
-          <a:endParaRPr lang="de-DE"/>
-        </a:p>
-      </dgm:t>
     </dgm:pt>
     <dgm:pt modelId="{9C1D2CB9-94B3-4BB4-AD6E-339F612D3E51}" type="pres">
       <dgm:prSet presAssocID="{C0E8203B-5169-4CD6-9702-53FE3A38D4B7}" presName="thickLine" presStyleLbl="alignNode1" presStyleIdx="0" presStyleCnt="1"/>
@@ -2048,13 +2041,6 @@
     <dgm:pt modelId="{55250350-E17F-4CB6-83BA-1D4FE4D0BB7B}" type="pres">
       <dgm:prSet presAssocID="{C0E8203B-5169-4CD6-9702-53FE3A38D4B7}" presName="tx1" presStyleLbl="revTx" presStyleIdx="0" presStyleCnt="7"/>
       <dgm:spPr/>
-      <dgm:t>
-        <a:bodyPr/>
-        <a:lstStyle/>
-        <a:p>
-          <a:endParaRPr lang="de-DE"/>
-        </a:p>
-      </dgm:t>
     </dgm:pt>
     <dgm:pt modelId="{C27E513B-71E3-44CB-AFAD-0B7D8730111E}" type="pres">
       <dgm:prSet presAssocID="{C0E8203B-5169-4CD6-9702-53FE3A38D4B7}" presName="vert1" presStyleCnt="0"/>
@@ -2075,13 +2061,6 @@
     <dgm:pt modelId="{A4F65490-42AA-4A0A-9E92-496007A45D48}" type="pres">
       <dgm:prSet presAssocID="{EBAC00E8-AD22-49D1-A406-8557910A263D}" presName="tx2" presStyleLbl="revTx" presStyleIdx="1" presStyleCnt="7"/>
       <dgm:spPr/>
-      <dgm:t>
-        <a:bodyPr/>
-        <a:lstStyle/>
-        <a:p>
-          <a:endParaRPr lang="de-DE"/>
-        </a:p>
-      </dgm:t>
     </dgm:pt>
     <dgm:pt modelId="{D1887BCF-44C5-4017-A6FA-378115C89950}" type="pres">
       <dgm:prSet presAssocID="{EBAC00E8-AD22-49D1-A406-8557910A263D}" presName="vert2" presStyleCnt="0"/>
@@ -2106,13 +2085,6 @@
     <dgm:pt modelId="{B59BED8F-2E92-459B-946F-F8F67E0A26E2}" type="pres">
       <dgm:prSet presAssocID="{FE210EA8-9E36-4661-A004-AD95A93117EF}" presName="tx2" presStyleLbl="revTx" presStyleIdx="2" presStyleCnt="7"/>
       <dgm:spPr/>
-      <dgm:t>
-        <a:bodyPr/>
-        <a:lstStyle/>
-        <a:p>
-          <a:endParaRPr lang="de-DE"/>
-        </a:p>
-      </dgm:t>
     </dgm:pt>
     <dgm:pt modelId="{B057961F-C453-4359-94A1-23AED4D65FA3}" type="pres">
       <dgm:prSet presAssocID="{FE210EA8-9E36-4661-A004-AD95A93117EF}" presName="vert2" presStyleCnt="0"/>
@@ -2137,13 +2109,6 @@
     <dgm:pt modelId="{BFE0CF65-F27D-47F8-9D70-A9026C57CB17}" type="pres">
       <dgm:prSet presAssocID="{D19C3654-EC85-4D17-8A65-476C8BCED155}" presName="tx2" presStyleLbl="revTx" presStyleIdx="3" presStyleCnt="7"/>
       <dgm:spPr/>
-      <dgm:t>
-        <a:bodyPr/>
-        <a:lstStyle/>
-        <a:p>
-          <a:endParaRPr lang="de-DE"/>
-        </a:p>
-      </dgm:t>
     </dgm:pt>
     <dgm:pt modelId="{E88A3061-B083-4367-934A-2905725E1822}" type="pres">
       <dgm:prSet presAssocID="{D19C3654-EC85-4D17-8A65-476C8BCED155}" presName="vert2" presStyleCnt="0"/>
@@ -2168,13 +2133,6 @@
     <dgm:pt modelId="{99DFEC6A-F643-4B07-8618-867DBF955F82}" type="pres">
       <dgm:prSet presAssocID="{2133CF33-4E5C-4D91-A00C-CCB6369CC28D}" presName="tx2" presStyleLbl="revTx" presStyleIdx="4" presStyleCnt="7"/>
       <dgm:spPr/>
-      <dgm:t>
-        <a:bodyPr/>
-        <a:lstStyle/>
-        <a:p>
-          <a:endParaRPr lang="de-DE"/>
-        </a:p>
-      </dgm:t>
     </dgm:pt>
     <dgm:pt modelId="{4600DCBA-8F73-44F7-8F8A-2F71ED11F418}" type="pres">
       <dgm:prSet presAssocID="{2133CF33-4E5C-4D91-A00C-CCB6369CC28D}" presName="vert2" presStyleCnt="0"/>
@@ -2199,13 +2157,6 @@
     <dgm:pt modelId="{1F40FA49-3CA3-4E6F-8033-33616EC3A9A1}" type="pres">
       <dgm:prSet presAssocID="{72E01D4A-CC17-466A-AD45-D5D735EB8271}" presName="tx2" presStyleLbl="revTx" presStyleIdx="5" presStyleCnt="7"/>
       <dgm:spPr/>
-      <dgm:t>
-        <a:bodyPr/>
-        <a:lstStyle/>
-        <a:p>
-          <a:endParaRPr lang="de-DE"/>
-        </a:p>
-      </dgm:t>
     </dgm:pt>
     <dgm:pt modelId="{C32D0722-6556-4E98-93DF-831A82A45078}" type="pres">
       <dgm:prSet presAssocID="{72E01D4A-CC17-466A-AD45-D5D735EB8271}" presName="vert2" presStyleCnt="0"/>
@@ -2230,13 +2181,6 @@
     <dgm:pt modelId="{59E07A22-84B7-47CE-803B-AD1E4127ABD0}" type="pres">
       <dgm:prSet presAssocID="{D04B8673-CF3C-4249-8FC0-37430591706B}" presName="tx2" presStyleLbl="revTx" presStyleIdx="6" presStyleCnt="7"/>
       <dgm:spPr/>
-      <dgm:t>
-        <a:bodyPr/>
-        <a:lstStyle/>
-        <a:p>
-          <a:endParaRPr lang="de-DE"/>
-        </a:p>
-      </dgm:t>
     </dgm:pt>
     <dgm:pt modelId="{2133767D-27FC-4287-AC84-7C6EA5286D3E}" type="pres">
       <dgm:prSet presAssocID="{D04B8673-CF3C-4249-8FC0-37430591706B}" presName="vert2" presStyleCnt="0"/>
@@ -2252,21 +2196,21 @@
     </dgm:pt>
   </dgm:ptLst>
   <dgm:cxnLst>
+    <dgm:cxn modelId="{4D15FD03-2980-4536-85E0-A4B5F951E9D3}" type="presOf" srcId="{D19C3654-EC85-4D17-8A65-476C8BCED155}" destId="{BFE0CF65-F27D-47F8-9D70-A9026C57CB17}" srcOrd="0" destOrd="0" presId="urn:microsoft.com/office/officeart/2008/layout/LinedList"/>
+    <dgm:cxn modelId="{E8BB7D19-2D6A-40DA-84F8-B5D6D86E4356}" srcId="{C0E8203B-5169-4CD6-9702-53FE3A38D4B7}" destId="{D19C3654-EC85-4D17-8A65-476C8BCED155}" srcOrd="2" destOrd="0" parTransId="{8E751289-9790-49EB-8039-CA4E92FB1665}" sibTransId="{67D87B0F-7D65-41BE-9F23-1E80F104C8AA}"/>
+    <dgm:cxn modelId="{FE9C151E-542E-4BAC-8771-AE334A43F846}" type="presOf" srcId="{EBAC00E8-AD22-49D1-A406-8557910A263D}" destId="{A4F65490-42AA-4A0A-9E92-496007A45D48}" srcOrd="0" destOrd="0" presId="urn:microsoft.com/office/officeart/2008/layout/LinedList"/>
+    <dgm:cxn modelId="{7B3DC829-8965-4F76-AECF-2D49CE626B61}" srcId="{C0E8203B-5169-4CD6-9702-53FE3A38D4B7}" destId="{EBAC00E8-AD22-49D1-A406-8557910A263D}" srcOrd="0" destOrd="0" parTransId="{C995157E-B4AB-4871-B74C-615D6B76C504}" sibTransId="{BE83C256-8C93-401C-901D-4ADDB015BA2A}"/>
+    <dgm:cxn modelId="{E148CD2D-7C89-45E8-9322-F62594E1D71A}" type="presOf" srcId="{C0E8203B-5169-4CD6-9702-53FE3A38D4B7}" destId="{55250350-E17F-4CB6-83BA-1D4FE4D0BB7B}" srcOrd="0" destOrd="0" presId="urn:microsoft.com/office/officeart/2008/layout/LinedList"/>
+    <dgm:cxn modelId="{EB9CC432-DA39-4291-AB50-78FBF72479CA}" type="presOf" srcId="{FE210EA8-9E36-4661-A004-AD95A93117EF}" destId="{B59BED8F-2E92-459B-946F-F8F67E0A26E2}" srcOrd="0" destOrd="0" presId="urn:microsoft.com/office/officeart/2008/layout/LinedList"/>
+    <dgm:cxn modelId="{EA48023D-6DF6-4BFE-A9E1-89EE821FE651}" srcId="{C0E8203B-5169-4CD6-9702-53FE3A38D4B7}" destId="{72E01D4A-CC17-466A-AD45-D5D735EB8271}" srcOrd="4" destOrd="0" parTransId="{781495FD-B9D5-4FB9-B8EB-140BA60FE3A7}" sibTransId="{E63E57BD-5A7C-4D12-8A39-98F806CDABCA}"/>
+    <dgm:cxn modelId="{2732C65E-EBE0-429A-B44E-32A3D0242CB8}" srcId="{C0E8203B-5169-4CD6-9702-53FE3A38D4B7}" destId="{FE210EA8-9E36-4661-A004-AD95A93117EF}" srcOrd="1" destOrd="0" parTransId="{0F3A3B59-86B4-454E-A1AA-459B903C5A6E}" sibTransId="{CCD9615C-3035-460A-A4F3-54D8AA770FA2}"/>
+    <dgm:cxn modelId="{1401745F-0965-48CD-85E8-3D578D914F4B}" type="presOf" srcId="{2133CF33-4E5C-4D91-A00C-CCB6369CC28D}" destId="{99DFEC6A-F643-4B07-8618-867DBF955F82}" srcOrd="0" destOrd="0" presId="urn:microsoft.com/office/officeart/2008/layout/LinedList"/>
+    <dgm:cxn modelId="{4704D666-A624-430D-89C9-99FA2F41F4CC}" srcId="{C0E8203B-5169-4CD6-9702-53FE3A38D4B7}" destId="{2133CF33-4E5C-4D91-A00C-CCB6369CC28D}" srcOrd="3" destOrd="0" parTransId="{7EBDF186-8A9C-47EC-B82A-4AB55E36C37B}" sibTransId="{638DB0BF-FEBB-4515-97C0-0154376529D8}"/>
     <dgm:cxn modelId="{9CBCB46E-ED88-4C20-852C-D8FDF6CAB28E}" srcId="{C0E8203B-5169-4CD6-9702-53FE3A38D4B7}" destId="{D04B8673-CF3C-4249-8FC0-37430591706B}" srcOrd="5" destOrd="0" parTransId="{AD28C86C-54AE-47C8-A0F9-5BCFA576A240}" sibTransId="{8038754E-B726-4859-9C89-A6BEC7CE1930}"/>
-    <dgm:cxn modelId="{7B3DC829-8965-4F76-AECF-2D49CE626B61}" srcId="{C0E8203B-5169-4CD6-9702-53FE3A38D4B7}" destId="{EBAC00E8-AD22-49D1-A406-8557910A263D}" srcOrd="0" destOrd="0" parTransId="{C995157E-B4AB-4871-B74C-615D6B76C504}" sibTransId="{BE83C256-8C93-401C-901D-4ADDB015BA2A}"/>
     <dgm:cxn modelId="{5E364358-14E0-4092-8929-4F3402F69850}" type="presOf" srcId="{72E01D4A-CC17-466A-AD45-D5D735EB8271}" destId="{1F40FA49-3CA3-4E6F-8033-33616EC3A9A1}" srcOrd="0" destOrd="0" presId="urn:microsoft.com/office/officeart/2008/layout/LinedList"/>
+    <dgm:cxn modelId="{B107EB98-0D15-4C3E-BCD9-74B999BB9B5B}" type="presOf" srcId="{D04B8673-CF3C-4249-8FC0-37430591706B}" destId="{59E07A22-84B7-47CE-803B-AD1E4127ABD0}" srcOrd="0" destOrd="0" presId="urn:microsoft.com/office/officeart/2008/layout/LinedList"/>
+    <dgm:cxn modelId="{275AB8D9-6619-4ED2-90D6-FCBDF3928AF1}" type="presOf" srcId="{04A85023-219B-4479-836B-DCFBBAF58EB0}" destId="{B744569E-E8A0-4E64-B94C-6B504028F814}" srcOrd="0" destOrd="0" presId="urn:microsoft.com/office/officeart/2008/layout/LinedList"/>
     <dgm:cxn modelId="{59CC2AF2-9600-4719-9E87-65990007BF3B}" srcId="{04A85023-219B-4479-836B-DCFBBAF58EB0}" destId="{C0E8203B-5169-4CD6-9702-53FE3A38D4B7}" srcOrd="0" destOrd="0" parTransId="{8770659B-25EF-42F8-BE17-875FAC9CE592}" sibTransId="{CDBEC1E2-C9D1-414C-B88A-41059C37FCC9}"/>
-    <dgm:cxn modelId="{E8BB7D19-2D6A-40DA-84F8-B5D6D86E4356}" srcId="{C0E8203B-5169-4CD6-9702-53FE3A38D4B7}" destId="{D19C3654-EC85-4D17-8A65-476C8BCED155}" srcOrd="2" destOrd="0" parTransId="{8E751289-9790-49EB-8039-CA4E92FB1665}" sibTransId="{67D87B0F-7D65-41BE-9F23-1E80F104C8AA}"/>
-    <dgm:cxn modelId="{EB9CC432-DA39-4291-AB50-78FBF72479CA}" type="presOf" srcId="{FE210EA8-9E36-4661-A004-AD95A93117EF}" destId="{B59BED8F-2E92-459B-946F-F8F67E0A26E2}" srcOrd="0" destOrd="0" presId="urn:microsoft.com/office/officeart/2008/layout/LinedList"/>
-    <dgm:cxn modelId="{275AB8D9-6619-4ED2-90D6-FCBDF3928AF1}" type="presOf" srcId="{04A85023-219B-4479-836B-DCFBBAF58EB0}" destId="{B744569E-E8A0-4E64-B94C-6B504028F814}" srcOrd="0" destOrd="0" presId="urn:microsoft.com/office/officeart/2008/layout/LinedList"/>
-    <dgm:cxn modelId="{4704D666-A624-430D-89C9-99FA2F41F4CC}" srcId="{C0E8203B-5169-4CD6-9702-53FE3A38D4B7}" destId="{2133CF33-4E5C-4D91-A00C-CCB6369CC28D}" srcOrd="3" destOrd="0" parTransId="{7EBDF186-8A9C-47EC-B82A-4AB55E36C37B}" sibTransId="{638DB0BF-FEBB-4515-97C0-0154376529D8}"/>
-    <dgm:cxn modelId="{1401745F-0965-48CD-85E8-3D578D914F4B}" type="presOf" srcId="{2133CF33-4E5C-4D91-A00C-CCB6369CC28D}" destId="{99DFEC6A-F643-4B07-8618-867DBF955F82}" srcOrd="0" destOrd="0" presId="urn:microsoft.com/office/officeart/2008/layout/LinedList"/>
-    <dgm:cxn modelId="{EA48023D-6DF6-4BFE-A9E1-89EE821FE651}" srcId="{C0E8203B-5169-4CD6-9702-53FE3A38D4B7}" destId="{72E01D4A-CC17-466A-AD45-D5D735EB8271}" srcOrd="4" destOrd="0" parTransId="{781495FD-B9D5-4FB9-B8EB-140BA60FE3A7}" sibTransId="{E63E57BD-5A7C-4D12-8A39-98F806CDABCA}"/>
-    <dgm:cxn modelId="{B107EB98-0D15-4C3E-BCD9-74B999BB9B5B}" type="presOf" srcId="{D04B8673-CF3C-4249-8FC0-37430591706B}" destId="{59E07A22-84B7-47CE-803B-AD1E4127ABD0}" srcOrd="0" destOrd="0" presId="urn:microsoft.com/office/officeart/2008/layout/LinedList"/>
-    <dgm:cxn modelId="{2732C65E-EBE0-429A-B44E-32A3D0242CB8}" srcId="{C0E8203B-5169-4CD6-9702-53FE3A38D4B7}" destId="{FE210EA8-9E36-4661-A004-AD95A93117EF}" srcOrd="1" destOrd="0" parTransId="{0F3A3B59-86B4-454E-A1AA-459B903C5A6E}" sibTransId="{CCD9615C-3035-460A-A4F3-54D8AA770FA2}"/>
-    <dgm:cxn modelId="{4D15FD03-2980-4536-85E0-A4B5F951E9D3}" type="presOf" srcId="{D19C3654-EC85-4D17-8A65-476C8BCED155}" destId="{BFE0CF65-F27D-47F8-9D70-A9026C57CB17}" srcOrd="0" destOrd="0" presId="urn:microsoft.com/office/officeart/2008/layout/LinedList"/>
-    <dgm:cxn modelId="{E148CD2D-7C89-45E8-9322-F62594E1D71A}" type="presOf" srcId="{C0E8203B-5169-4CD6-9702-53FE3A38D4B7}" destId="{55250350-E17F-4CB6-83BA-1D4FE4D0BB7B}" srcOrd="0" destOrd="0" presId="urn:microsoft.com/office/officeart/2008/layout/LinedList"/>
-    <dgm:cxn modelId="{FE9C151E-542E-4BAC-8771-AE334A43F846}" type="presOf" srcId="{EBAC00E8-AD22-49D1-A406-8557910A263D}" destId="{A4F65490-42AA-4A0A-9E92-496007A45D48}" srcOrd="0" destOrd="0" presId="urn:microsoft.com/office/officeart/2008/layout/LinedList"/>
     <dgm:cxn modelId="{DD60E0E0-85F3-47CC-96CB-12BDD19A49A9}" type="presParOf" srcId="{B744569E-E8A0-4E64-B94C-6B504028F814}" destId="{9C1D2CB9-94B3-4BB4-AD6E-339F612D3E51}" srcOrd="0" destOrd="0" presId="urn:microsoft.com/office/officeart/2008/layout/LinedList"/>
     <dgm:cxn modelId="{6DE242E6-B0A4-4FF3-82A3-9156D4B0F723}" type="presParOf" srcId="{B744569E-E8A0-4E64-B94C-6B504028F814}" destId="{2B4DD2A1-FF06-4C7F-A2B7-CD5206942EC1}" srcOrd="1" destOrd="0" presId="urn:microsoft.com/office/officeart/2008/layout/LinedList"/>
     <dgm:cxn modelId="{CFDCCB83-288B-4E3B-9B1C-A9BE9888EBE2}" type="presParOf" srcId="{2B4DD2A1-FF06-4C7F-A2B7-CD5206942EC1}" destId="{55250350-E17F-4CB6-83BA-1D4FE4D0BB7B}" srcOrd="0" destOrd="0" presId="urn:microsoft.com/office/officeart/2008/layout/LinedList"/>
@@ -2313,7 +2257,7 @@
   <dgm:whole/>
   <dgm:extLst>
     <a:ext uri="http://schemas.microsoft.com/office/drawing/2008/diagram">
-      <dsp:dataModelExt xmlns:dsp="http://schemas.microsoft.com/office/drawing/2008/diagram" xmlns="" relId="rId6" minVer="http://schemas.openxmlformats.org/drawingml/2006/diagram"/>
+      <dsp:dataModelExt xmlns:dsp="http://schemas.microsoft.com/office/drawing/2008/diagram" relId="rId6" minVer="http://schemas.openxmlformats.org/drawingml/2006/diagram"/>
     </a:ext>
   </dgm:extLst>
 </dgm:dataModel>
@@ -2535,13 +2479,6 @@
         </dgm:presLayoutVars>
       </dgm:prSet>
       <dgm:spPr/>
-      <dgm:t>
-        <a:bodyPr/>
-        <a:lstStyle/>
-        <a:p>
-          <a:endParaRPr lang="de-DE"/>
-        </a:p>
-      </dgm:t>
     </dgm:pt>
     <dgm:pt modelId="{87B7C387-3A56-4349-9EE0-D15265E7957D}" type="pres">
       <dgm:prSet presAssocID="{CC21F494-BAA2-47FE-B6A1-19AB0C0C95ED}" presName="thickLine" presStyleLbl="alignNode1" presStyleIdx="0" presStyleCnt="1"/>
@@ -2554,13 +2491,6 @@
     <dgm:pt modelId="{0FD6BB48-29D0-498E-BAB0-9759B4FDBA26}" type="pres">
       <dgm:prSet presAssocID="{CC21F494-BAA2-47FE-B6A1-19AB0C0C95ED}" presName="tx1" presStyleLbl="revTx" presStyleIdx="0" presStyleCnt="5"/>
       <dgm:spPr/>
-      <dgm:t>
-        <a:bodyPr/>
-        <a:lstStyle/>
-        <a:p>
-          <a:endParaRPr lang="de-DE"/>
-        </a:p>
-      </dgm:t>
     </dgm:pt>
     <dgm:pt modelId="{07E10C9D-1B5C-45BC-9F8F-081DF2E7CA90}" type="pres">
       <dgm:prSet presAssocID="{CC21F494-BAA2-47FE-B6A1-19AB0C0C95ED}" presName="vert1" presStyleCnt="0"/>
@@ -2581,13 +2511,6 @@
     <dgm:pt modelId="{2748B678-8B77-4486-9221-D7AD8CD82137}" type="pres">
       <dgm:prSet presAssocID="{9695DA26-C5CE-4563-AA4D-1933F040E226}" presName="tx2" presStyleLbl="revTx" presStyleIdx="1" presStyleCnt="5"/>
       <dgm:spPr/>
-      <dgm:t>
-        <a:bodyPr/>
-        <a:lstStyle/>
-        <a:p>
-          <a:endParaRPr lang="de-DE"/>
-        </a:p>
-      </dgm:t>
     </dgm:pt>
     <dgm:pt modelId="{DF02CF00-2657-4208-B8EB-9989F59FDCAC}" type="pres">
       <dgm:prSet presAssocID="{9695DA26-C5CE-4563-AA4D-1933F040E226}" presName="vert2" presStyleCnt="0"/>
@@ -2612,13 +2535,6 @@
     <dgm:pt modelId="{9E044F2B-C117-4322-B20F-1D7277F2451D}" type="pres">
       <dgm:prSet presAssocID="{BC354689-7573-41A5-99A7-FB220FD47960}" presName="tx2" presStyleLbl="revTx" presStyleIdx="2" presStyleCnt="5"/>
       <dgm:spPr/>
-      <dgm:t>
-        <a:bodyPr/>
-        <a:lstStyle/>
-        <a:p>
-          <a:endParaRPr lang="de-DE"/>
-        </a:p>
-      </dgm:t>
     </dgm:pt>
     <dgm:pt modelId="{BCAAC597-CED9-46FD-AC59-C25586E29413}" type="pres">
       <dgm:prSet presAssocID="{BC354689-7573-41A5-99A7-FB220FD47960}" presName="vert2" presStyleCnt="0"/>
@@ -2643,13 +2559,6 @@
     <dgm:pt modelId="{2135EF6E-EFA6-41B5-979F-9A2D3CB1FD26}" type="pres">
       <dgm:prSet presAssocID="{12966170-2A97-4B94-A4A8-4FBFC521FF80}" presName="tx2" presStyleLbl="revTx" presStyleIdx="3" presStyleCnt="5"/>
       <dgm:spPr/>
-      <dgm:t>
-        <a:bodyPr/>
-        <a:lstStyle/>
-        <a:p>
-          <a:endParaRPr lang="de-DE"/>
-        </a:p>
-      </dgm:t>
     </dgm:pt>
     <dgm:pt modelId="{9B83E98C-DAFF-4783-B1D1-126D1FCE5AE0}" type="pres">
       <dgm:prSet presAssocID="{12966170-2A97-4B94-A4A8-4FBFC521FF80}" presName="vert2" presStyleCnt="0"/>
@@ -2674,13 +2583,6 @@
     <dgm:pt modelId="{99B4E6DD-6B66-4412-89C6-9350E2D1D32C}" type="pres">
       <dgm:prSet presAssocID="{C6E2C73E-E40C-447D-8663-EAB5B9C40124}" presName="tx2" presStyleLbl="revTx" presStyleIdx="4" presStyleCnt="5"/>
       <dgm:spPr/>
-      <dgm:t>
-        <a:bodyPr/>
-        <a:lstStyle/>
-        <a:p>
-          <a:endParaRPr lang="de-DE"/>
-        </a:p>
-      </dgm:t>
     </dgm:pt>
     <dgm:pt modelId="{8D0BDB98-1B5C-4A58-8B76-A4D5D5818353}" type="pres">
       <dgm:prSet presAssocID="{C6E2C73E-E40C-447D-8663-EAB5B9C40124}" presName="vert2" presStyleCnt="0"/>
@@ -2696,17 +2598,17 @@
     </dgm:pt>
   </dgm:ptLst>
   <dgm:cxnLst>
-    <dgm:cxn modelId="{694C24C9-293F-44AC-8D46-C0C63198B23F}" type="presOf" srcId="{CF9D0527-0BA1-4294-9D0E-5E87E70E9558}" destId="{4021A4CB-A016-4309-8003-441B4765E50D}" srcOrd="0" destOrd="0" presId="urn:microsoft.com/office/officeart/2008/layout/LinedList"/>
-    <dgm:cxn modelId="{7C802E8D-933B-41A8-BCE0-61BE606423AD}" srcId="{CC21F494-BAA2-47FE-B6A1-19AB0C0C95ED}" destId="{C6E2C73E-E40C-447D-8663-EAB5B9C40124}" srcOrd="3" destOrd="0" parTransId="{EDC914D5-FC8E-4C9F-B6F4-B88EDF977117}" sibTransId="{BFFC85B7-D0EA-4AB1-9549-23491F0E1572}"/>
-    <dgm:cxn modelId="{5465E1B3-ADD6-43DD-A61B-79058F09657E}" type="presOf" srcId="{C6E2C73E-E40C-447D-8663-EAB5B9C40124}" destId="{99B4E6DD-6B66-4412-89C6-9350E2D1D32C}" srcOrd="0" destOrd="0" presId="urn:microsoft.com/office/officeart/2008/layout/LinedList"/>
-    <dgm:cxn modelId="{6BF77972-60CB-4A1A-A027-B30AB9D5C9BD}" srcId="{CC21F494-BAA2-47FE-B6A1-19AB0C0C95ED}" destId="{12966170-2A97-4B94-A4A8-4FBFC521FF80}" srcOrd="2" destOrd="0" parTransId="{C7A5748F-D124-47B1-91B4-510BC09651AE}" sibTransId="{296ED114-D69C-48FA-A452-A8BFB2FCDEC2}"/>
-    <dgm:cxn modelId="{8B63603B-F12D-4664-8E61-20141215B6FF}" type="presOf" srcId="{CC21F494-BAA2-47FE-B6A1-19AB0C0C95ED}" destId="{0FD6BB48-29D0-498E-BAB0-9759B4FDBA26}" srcOrd="0" destOrd="0" presId="urn:microsoft.com/office/officeart/2008/layout/LinedList"/>
-    <dgm:cxn modelId="{8E431D6E-A647-4F19-BEC2-FCED9BA8D043}" type="presOf" srcId="{BC354689-7573-41A5-99A7-FB220FD47960}" destId="{9E044F2B-C117-4322-B20F-1D7277F2451D}" srcOrd="0" destOrd="0" presId="urn:microsoft.com/office/officeart/2008/layout/LinedList"/>
+    <dgm:cxn modelId="{9A6F8306-535B-48F8-B6DE-774CE0A263BC}" type="presOf" srcId="{12966170-2A97-4B94-A4A8-4FBFC521FF80}" destId="{2135EF6E-EFA6-41B5-979F-9A2D3CB1FD26}" srcOrd="0" destOrd="0" presId="urn:microsoft.com/office/officeart/2008/layout/LinedList"/>
     <dgm:cxn modelId="{B9A0A92A-6332-41A1-958E-AF86BA2A641C}" srcId="{CF9D0527-0BA1-4294-9D0E-5E87E70E9558}" destId="{CC21F494-BAA2-47FE-B6A1-19AB0C0C95ED}" srcOrd="0" destOrd="0" parTransId="{C0166FF6-D35A-4AD5-935A-F5E6D4E80BEF}" sibTransId="{28D9E21F-8714-45DE-B8A4-DF9BAA0CE5F6}"/>
     <dgm:cxn modelId="{9A1F7A3A-4E51-437F-BF7F-179C7C940B99}" srcId="{CC21F494-BAA2-47FE-B6A1-19AB0C0C95ED}" destId="{9695DA26-C5CE-4563-AA4D-1933F040E226}" srcOrd="0" destOrd="0" parTransId="{FABE37EB-A981-4F3D-98EF-DBF3933E5E49}" sibTransId="{5B3DBAC2-87C4-4A2F-8841-E177241B909E}"/>
+    <dgm:cxn modelId="{8B63603B-F12D-4664-8E61-20141215B6FF}" type="presOf" srcId="{CC21F494-BAA2-47FE-B6A1-19AB0C0C95ED}" destId="{0FD6BB48-29D0-498E-BAB0-9759B4FDBA26}" srcOrd="0" destOrd="0" presId="urn:microsoft.com/office/officeart/2008/layout/LinedList"/>
+    <dgm:cxn modelId="{D55D0F61-7E12-4645-8DF1-9B29A1EAA879}" type="presOf" srcId="{9695DA26-C5CE-4563-AA4D-1933F040E226}" destId="{2748B678-8B77-4486-9221-D7AD8CD82137}" srcOrd="0" destOrd="0" presId="urn:microsoft.com/office/officeart/2008/layout/LinedList"/>
+    <dgm:cxn modelId="{8E431D6E-A647-4F19-BEC2-FCED9BA8D043}" type="presOf" srcId="{BC354689-7573-41A5-99A7-FB220FD47960}" destId="{9E044F2B-C117-4322-B20F-1D7277F2451D}" srcOrd="0" destOrd="0" presId="urn:microsoft.com/office/officeart/2008/layout/LinedList"/>
+    <dgm:cxn modelId="{6BF77972-60CB-4A1A-A027-B30AB9D5C9BD}" srcId="{CC21F494-BAA2-47FE-B6A1-19AB0C0C95ED}" destId="{12966170-2A97-4B94-A4A8-4FBFC521FF80}" srcOrd="2" destOrd="0" parTransId="{C7A5748F-D124-47B1-91B4-510BC09651AE}" sibTransId="{296ED114-D69C-48FA-A452-A8BFB2FCDEC2}"/>
+    <dgm:cxn modelId="{7C802E8D-933B-41A8-BCE0-61BE606423AD}" srcId="{CC21F494-BAA2-47FE-B6A1-19AB0C0C95ED}" destId="{C6E2C73E-E40C-447D-8663-EAB5B9C40124}" srcOrd="3" destOrd="0" parTransId="{EDC914D5-FC8E-4C9F-B6F4-B88EDF977117}" sibTransId="{BFFC85B7-D0EA-4AB1-9549-23491F0E1572}"/>
     <dgm:cxn modelId="{61F6D0B1-DF69-4F7D-8767-7539A800AAA1}" srcId="{CC21F494-BAA2-47FE-B6A1-19AB0C0C95ED}" destId="{BC354689-7573-41A5-99A7-FB220FD47960}" srcOrd="1" destOrd="0" parTransId="{DC74516C-AF05-49B6-ACB8-D5EBB2DA2FC3}" sibTransId="{A31DBC45-B7DF-4375-A782-EE39AB23EC79}"/>
-    <dgm:cxn modelId="{9A6F8306-535B-48F8-B6DE-774CE0A263BC}" type="presOf" srcId="{12966170-2A97-4B94-A4A8-4FBFC521FF80}" destId="{2135EF6E-EFA6-41B5-979F-9A2D3CB1FD26}" srcOrd="0" destOrd="0" presId="urn:microsoft.com/office/officeart/2008/layout/LinedList"/>
-    <dgm:cxn modelId="{D55D0F61-7E12-4645-8DF1-9B29A1EAA879}" type="presOf" srcId="{9695DA26-C5CE-4563-AA4D-1933F040E226}" destId="{2748B678-8B77-4486-9221-D7AD8CD82137}" srcOrd="0" destOrd="0" presId="urn:microsoft.com/office/officeart/2008/layout/LinedList"/>
+    <dgm:cxn modelId="{5465E1B3-ADD6-43DD-A61B-79058F09657E}" type="presOf" srcId="{C6E2C73E-E40C-447D-8663-EAB5B9C40124}" destId="{99B4E6DD-6B66-4412-89C6-9350E2D1D32C}" srcOrd="0" destOrd="0" presId="urn:microsoft.com/office/officeart/2008/layout/LinedList"/>
+    <dgm:cxn modelId="{694C24C9-293F-44AC-8D46-C0C63198B23F}" type="presOf" srcId="{CF9D0527-0BA1-4294-9D0E-5E87E70E9558}" destId="{4021A4CB-A016-4309-8003-441B4765E50D}" srcOrd="0" destOrd="0" presId="urn:microsoft.com/office/officeart/2008/layout/LinedList"/>
     <dgm:cxn modelId="{6E554199-CF4F-4A56-AA4E-BD37105C5ECF}" type="presParOf" srcId="{4021A4CB-A016-4309-8003-441B4765E50D}" destId="{87B7C387-3A56-4349-9EE0-D15265E7957D}" srcOrd="0" destOrd="0" presId="urn:microsoft.com/office/officeart/2008/layout/LinedList"/>
     <dgm:cxn modelId="{A73F0C02-1F3C-4AB3-913F-91C809EF5D5A}" type="presParOf" srcId="{4021A4CB-A016-4309-8003-441B4765E50D}" destId="{99634468-7D2F-4032-97A6-1EC37ECEEF49}" srcOrd="1" destOrd="0" presId="urn:microsoft.com/office/officeart/2008/layout/LinedList"/>
     <dgm:cxn modelId="{5F416445-C114-474B-A6F3-6C42262474EA}" type="presParOf" srcId="{99634468-7D2F-4032-97A6-1EC37ECEEF49}" destId="{0FD6BB48-29D0-498E-BAB0-9759B4FDBA26}" srcOrd="0" destOrd="0" presId="urn:microsoft.com/office/officeart/2008/layout/LinedList"/>
@@ -2741,7 +2643,7 @@
   <dgm:whole/>
   <dgm:extLst>
     <a:ext uri="http://schemas.microsoft.com/office/drawing/2008/diagram">
-      <dsp:dataModelExt xmlns:dsp="http://schemas.microsoft.com/office/drawing/2008/diagram" xmlns="" relId="rId6" minVer="http://schemas.openxmlformats.org/drawingml/2006/diagram"/>
+      <dsp:dataModelExt xmlns:dsp="http://schemas.microsoft.com/office/drawing/2008/diagram" relId="rId6" minVer="http://schemas.openxmlformats.org/drawingml/2006/diagram"/>
     </a:ext>
   </dgm:extLst>
 </dgm:dataModel>
@@ -7306,7 +7208,7 @@
             <a:fld id="{C7CC2173-B0D1-45F1-9D54-E33B7353DA19}" type="slidenum">
               <a:rPr lang="de-DE"/>
               <a:pPr/>
-              <a:t>‹#›</a:t>
+              <a:t>‹Nr.›</a:t>
             </a:fld>
             <a:endParaRPr lang="de-DE"/>
           </a:p>
@@ -7481,7 +7383,7 @@
     </p:spTree>
     <p:extLst>
       <p:ext uri="{BB962C8B-B14F-4D97-AF65-F5344CB8AC3E}">
-        <p14:creationId xmlns:p14="http://schemas.microsoft.com/office/powerpoint/2010/main" xmlns="" val="3345007041"/>
+        <p14:creationId xmlns:p14="http://schemas.microsoft.com/office/powerpoint/2010/main" val="3345007041"/>
       </p:ext>
     </p:extLst>
   </p:cSld>
@@ -7796,7 +7698,7 @@
             <a:fld id="{C36AA9A4-5D0B-4134-89A6-D8B9DAA4F25C}" type="slidenum">
               <a:rPr lang="de-DE"/>
               <a:pPr/>
-              <a:t>‹#›</a:t>
+              <a:t>‹Nr.›</a:t>
             </a:fld>
             <a:endParaRPr lang="de-DE"/>
           </a:p>
@@ -8020,7 +7922,7 @@
     </p:spTree>
     <p:extLst>
       <p:ext uri="{BB962C8B-B14F-4D97-AF65-F5344CB8AC3E}">
-        <p14:creationId xmlns:p14="http://schemas.microsoft.com/office/powerpoint/2010/main" xmlns="" val="516787406"/>
+        <p14:creationId xmlns:p14="http://schemas.microsoft.com/office/powerpoint/2010/main" val="516787406"/>
       </p:ext>
     </p:extLst>
   </p:cSld>
@@ -8418,7 +8320,7 @@
     </p:spTree>
     <p:extLst>
       <p:ext uri="{BB962C8B-B14F-4D97-AF65-F5344CB8AC3E}">
-        <p14:creationId xmlns:p14="http://schemas.microsoft.com/office/powerpoint/2010/main" xmlns="" val="711907682"/>
+        <p14:creationId xmlns:p14="http://schemas.microsoft.com/office/powerpoint/2010/main" val="711907682"/>
       </p:ext>
     </p:extLst>
   </p:cSld>
@@ -8558,7 +8460,7 @@
     </p:spTree>
     <p:extLst>
       <p:ext uri="{BB962C8B-B14F-4D97-AF65-F5344CB8AC3E}">
-        <p14:creationId xmlns:p14="http://schemas.microsoft.com/office/powerpoint/2010/main" xmlns="" val="2160760500"/>
+        <p14:creationId xmlns:p14="http://schemas.microsoft.com/office/powerpoint/2010/main" val="2160760500"/>
       </p:ext>
     </p:extLst>
   </p:cSld>
@@ -8730,7 +8632,7 @@
     </p:spTree>
     <p:extLst>
       <p:ext uri="{BB962C8B-B14F-4D97-AF65-F5344CB8AC3E}">
-        <p14:creationId xmlns:p14="http://schemas.microsoft.com/office/powerpoint/2010/main" xmlns="" val="2200117069"/>
+        <p14:creationId xmlns:p14="http://schemas.microsoft.com/office/powerpoint/2010/main" val="2200117069"/>
       </p:ext>
     </p:extLst>
   </p:cSld>
@@ -9037,7 +8939,7 @@
     </p:spTree>
     <p:extLst>
       <p:ext uri="{BB962C8B-B14F-4D97-AF65-F5344CB8AC3E}">
-        <p14:creationId xmlns:p14="http://schemas.microsoft.com/office/powerpoint/2010/main" xmlns="" val="2200117069"/>
+        <p14:creationId xmlns:p14="http://schemas.microsoft.com/office/powerpoint/2010/main" val="2200117069"/>
       </p:ext>
     </p:extLst>
   </p:cSld>
@@ -9177,7 +9079,7 @@
     </p:spTree>
     <p:extLst>
       <p:ext uri="{BB962C8B-B14F-4D97-AF65-F5344CB8AC3E}">
-        <p14:creationId xmlns:p14="http://schemas.microsoft.com/office/powerpoint/2010/main" xmlns="" val="2200117069"/>
+        <p14:creationId xmlns:p14="http://schemas.microsoft.com/office/powerpoint/2010/main" val="2200117069"/>
       </p:ext>
     </p:extLst>
   </p:cSld>
@@ -9497,7 +9399,7 @@
     </p:spTree>
     <p:extLst>
       <p:ext uri="{BB962C8B-B14F-4D97-AF65-F5344CB8AC3E}">
-        <p14:creationId xmlns:p14="http://schemas.microsoft.com/office/powerpoint/2010/main" xmlns="" val="2200117069"/>
+        <p14:creationId xmlns:p14="http://schemas.microsoft.com/office/powerpoint/2010/main" val="2200117069"/>
       </p:ext>
     </p:extLst>
   </p:cSld>
@@ -9637,7 +9539,7 @@
     </p:spTree>
     <p:extLst>
       <p:ext uri="{BB962C8B-B14F-4D97-AF65-F5344CB8AC3E}">
-        <p14:creationId xmlns:p14="http://schemas.microsoft.com/office/powerpoint/2010/main" xmlns="" val="2200117069"/>
+        <p14:creationId xmlns:p14="http://schemas.microsoft.com/office/powerpoint/2010/main" val="2200117069"/>
       </p:ext>
     </p:extLst>
   </p:cSld>
@@ -9777,7 +9679,7 @@
     </p:spTree>
     <p:extLst>
       <p:ext uri="{BB962C8B-B14F-4D97-AF65-F5344CB8AC3E}">
-        <p14:creationId xmlns:p14="http://schemas.microsoft.com/office/powerpoint/2010/main" xmlns="" val="2120057942"/>
+        <p14:creationId xmlns:p14="http://schemas.microsoft.com/office/powerpoint/2010/main" val="2120057942"/>
       </p:ext>
     </p:extLst>
   </p:cSld>
@@ -9917,7 +9819,7 @@
     </p:spTree>
     <p:extLst>
       <p:ext uri="{BB962C8B-B14F-4D97-AF65-F5344CB8AC3E}">
-        <p14:creationId xmlns:p14="http://schemas.microsoft.com/office/powerpoint/2010/main" xmlns="" val="3697177154"/>
+        <p14:creationId xmlns:p14="http://schemas.microsoft.com/office/powerpoint/2010/main" val="3697177154"/>
       </p:ext>
     </p:extLst>
   </p:cSld>
@@ -10374,7 +10276,7 @@
                 <a:tabLst/>
                 <a:defRPr/>
               </a:pPr>
-              <a:t>‹#›</a:t>
+              <a:t>‹Nr.›</a:t>
             </a:fld>
             <a:endParaRPr kumimoji="0" lang="de-DE" sz="1000" b="0" i="0" u="none" strike="noStrike" kern="1200" cap="none" spc="0" normalizeH="0" baseline="0" noProof="0" dirty="0">
               <a:ln>
@@ -10398,7 +10300,7 @@
           <p:cNvPr id="13" name="Picture 2" descr="small ke-icon">
             <a:extLst>
               <a:ext uri="{FF2B5EF4-FFF2-40B4-BE49-F238E27FC236}">
-                <a16:creationId xmlns:a16="http://schemas.microsoft.com/office/drawing/2014/main" xmlns="" id="{83854E58-1482-478C-955E-C8509C8684B6}"/>
+                <a16:creationId xmlns:a16="http://schemas.microsoft.com/office/drawing/2014/main" id="{83854E58-1482-478C-955E-C8509C8684B6}"/>
               </a:ext>
             </a:extLst>
           </p:cNvPr>
@@ -10411,7 +10313,7 @@
           <a:blip r:embed="rId3" cstate="print">
             <a:extLst>
               <a:ext uri="{28A0092B-C50C-407E-A947-70E740481C1C}">
-                <a14:useLocalDpi xmlns:a14="http://schemas.microsoft.com/office/drawing/2010/main" xmlns="" val="0"/>
+                <a14:useLocalDpi xmlns:a14="http://schemas.microsoft.com/office/drawing/2010/main" val="0"/>
               </a:ext>
             </a:extLst>
           </a:blip>
@@ -10431,7 +10333,7 @@
           <a:noFill/>
           <a:extLst>
             <a:ext uri="{909E8E84-426E-40DD-AFC4-6F175D3DCCD1}">
-              <a14:hiddenFill xmlns:a14="http://schemas.microsoft.com/office/drawing/2010/main" xmlns="">
+              <a14:hiddenFill xmlns:a14="http://schemas.microsoft.com/office/drawing/2010/main">
                 <a:solidFill>
                   <a:srgbClr val="FFFFFF"/>
                 </a:solidFill>
@@ -11855,7 +11757,7 @@
                 <a:tabLst/>
                 <a:defRPr/>
               </a:pPr>
-              <a:t>‹#›</a:t>
+              <a:t>‹Nr.›</a:t>
             </a:fld>
             <a:endParaRPr kumimoji="0" lang="de-DE" sz="1000" b="0" i="0" u="none" strike="noStrike" kern="1200" cap="none" spc="0" normalizeH="0" baseline="0" noProof="0" dirty="0">
               <a:ln>
@@ -11912,7 +11814,7 @@
           <p:cNvPr id="2" name="Picture 2" descr="small ke-icon">
             <a:extLst>
               <a:ext uri="{FF2B5EF4-FFF2-40B4-BE49-F238E27FC236}">
-                <a16:creationId xmlns:a16="http://schemas.microsoft.com/office/drawing/2014/main" xmlns="" id="{2CEB455C-E142-47B5-A2EA-F103D223A10D}"/>
+                <a16:creationId xmlns:a16="http://schemas.microsoft.com/office/drawing/2014/main" id="{2CEB455C-E142-47B5-A2EA-F103D223A10D}"/>
               </a:ext>
             </a:extLst>
           </p:cNvPr>
@@ -11925,7 +11827,7 @@
           <a:blip r:embed="rId11" cstate="print">
             <a:extLst>
               <a:ext uri="{28A0092B-C50C-407E-A947-70E740481C1C}">
-                <a14:useLocalDpi xmlns:a14="http://schemas.microsoft.com/office/drawing/2010/main" xmlns="" val="0"/>
+                <a14:useLocalDpi xmlns:a14="http://schemas.microsoft.com/office/drawing/2010/main" val="0"/>
               </a:ext>
             </a:extLst>
           </a:blip>
@@ -11945,7 +11847,7 @@
           <a:noFill/>
           <a:extLst>
             <a:ext uri="{909E8E84-426E-40DD-AFC4-6F175D3DCCD1}">
-              <a14:hiddenFill xmlns:a14="http://schemas.microsoft.com/office/drawing/2010/main" xmlns="">
+              <a14:hiddenFill xmlns:a14="http://schemas.microsoft.com/office/drawing/2010/main">
                 <a:solidFill>
                   <a:srgbClr val="FFFFFF"/>
                 </a:solidFill>
@@ -12447,7 +12349,7 @@
           <p:cNvPr id="2052" name="Picture 4" descr="http://www.ke.tu-darmstadt.de/ke_site_header.jpg">
             <a:extLst>
               <a:ext uri="{FF2B5EF4-FFF2-40B4-BE49-F238E27FC236}">
-                <a16:creationId xmlns:a16="http://schemas.microsoft.com/office/drawing/2014/main" xmlns="" id="{A4296F2A-DF52-4654-B393-FD38D561FC7C}"/>
+                <a16:creationId xmlns:a16="http://schemas.microsoft.com/office/drawing/2014/main" id="{A4296F2A-DF52-4654-B393-FD38D561FC7C}"/>
               </a:ext>
             </a:extLst>
           </p:cNvPr>
@@ -12460,7 +12362,7 @@
           <a:blip r:embed="rId3" cstate="print">
             <a:extLst>
               <a:ext uri="{28A0092B-C50C-407E-A947-70E740481C1C}">
-                <a14:useLocalDpi xmlns:a14="http://schemas.microsoft.com/office/drawing/2010/main" xmlns="" val="0"/>
+                <a14:useLocalDpi xmlns:a14="http://schemas.microsoft.com/office/drawing/2010/main" val="0"/>
               </a:ext>
             </a:extLst>
           </a:blip>
@@ -12480,7 +12382,7 @@
           <a:noFill/>
           <a:extLst>
             <a:ext uri="{909E8E84-426E-40DD-AFC4-6F175D3DCCD1}">
-              <a14:hiddenFill xmlns:a14="http://schemas.microsoft.com/office/drawing/2010/main" xmlns="">
+              <a14:hiddenFill xmlns:a14="http://schemas.microsoft.com/office/drawing/2010/main">
                 <a:solidFill>
                   <a:srgbClr val="FFFFFF"/>
                 </a:solidFill>
@@ -12519,7 +12421,7 @@
           <p:cNvPr id="2" name="Titel 1">
             <a:extLst>
               <a:ext uri="{FF2B5EF4-FFF2-40B4-BE49-F238E27FC236}">
-                <a16:creationId xmlns:a16="http://schemas.microsoft.com/office/drawing/2014/main" xmlns="" id="{594F37A0-8FD9-42A4-A80F-4C479182787E}"/>
+                <a16:creationId xmlns:a16="http://schemas.microsoft.com/office/drawing/2014/main" id="{594F37A0-8FD9-42A4-A80F-4C479182787E}"/>
               </a:ext>
             </a:extLst>
           </p:cNvPr>
@@ -12547,10 +12449,6 @@
               <a:rPr lang="de-DE" dirty="0" err="1"/>
               <a:t>Selection</a:t>
             </a:r>
-            <a:r>
-              <a:rPr lang="de-DE" dirty="0"/>
-              <a:t/>
-            </a:r>
             <a:br>
               <a:rPr lang="de-DE" dirty="0"/>
             </a:br>
@@ -12583,7 +12481,7 @@
             <p:ph idx="1"/>
             <p:extLst>
               <p:ext uri="{D42A27DB-BD31-4B8C-83A1-F6EECF244321}">
-                <p14:modId xmlns:p14="http://schemas.microsoft.com/office/powerpoint/2010/main" xmlns="" val="381636655"/>
+                <p14:modId xmlns:p14="http://schemas.microsoft.com/office/powerpoint/2010/main" val="381636655"/>
               </p:ext>
             </p:extLst>
           </p:nvPr>
@@ -12602,21 +12500,21 @@
                 <a:gridCol w="3600400">
                   <a:extLst>
                     <a:ext uri="{9D8B030D-6E8A-4147-A177-3AD203B41FA5}">
-                      <a16:colId xmlns:a16="http://schemas.microsoft.com/office/drawing/2014/main" xmlns="" val="20000"/>
+                      <a16:colId xmlns:a16="http://schemas.microsoft.com/office/drawing/2014/main" val="20000"/>
                     </a:ext>
                   </a:extLst>
                 </a:gridCol>
                 <a:gridCol w="2520280">
                   <a:extLst>
                     <a:ext uri="{9D8B030D-6E8A-4147-A177-3AD203B41FA5}">
-                      <a16:colId xmlns:a16="http://schemas.microsoft.com/office/drawing/2014/main" xmlns="" val="20001"/>
+                      <a16:colId xmlns:a16="http://schemas.microsoft.com/office/drawing/2014/main" val="20001"/>
                     </a:ext>
                   </a:extLst>
                 </a:gridCol>
                 <a:gridCol w="2520280">
                   <a:extLst>
                     <a:ext uri="{9D8B030D-6E8A-4147-A177-3AD203B41FA5}">
-                      <a16:colId xmlns:a16="http://schemas.microsoft.com/office/drawing/2014/main" xmlns="" val="20002"/>
+                      <a16:colId xmlns:a16="http://schemas.microsoft.com/office/drawing/2014/main" val="20002"/>
                     </a:ext>
                   </a:extLst>
                 </a:gridCol>
@@ -12718,7 +12616,7 @@
                 </a:tc>
                 <a:extLst>
                   <a:ext uri="{0D108BD9-81ED-4DB2-BD59-A6C34878D82A}">
-                    <a16:rowId xmlns:a16="http://schemas.microsoft.com/office/drawing/2014/main" xmlns="" val="10000"/>
+                    <a16:rowId xmlns:a16="http://schemas.microsoft.com/office/drawing/2014/main" val="10000"/>
                   </a:ext>
                 </a:extLst>
               </a:tr>
@@ -12787,7 +12685,7 @@
                 </a:tc>
                 <a:extLst>
                   <a:ext uri="{0D108BD9-81ED-4DB2-BD59-A6C34878D82A}">
-                    <a16:rowId xmlns:a16="http://schemas.microsoft.com/office/drawing/2014/main" xmlns="" val="10001"/>
+                    <a16:rowId xmlns:a16="http://schemas.microsoft.com/office/drawing/2014/main" val="10001"/>
                   </a:ext>
                 </a:extLst>
               </a:tr>
@@ -12872,7 +12770,7 @@
                 </a:tc>
                 <a:extLst>
                   <a:ext uri="{0D108BD9-81ED-4DB2-BD59-A6C34878D82A}">
-                    <a16:rowId xmlns:a16="http://schemas.microsoft.com/office/drawing/2014/main" xmlns="" val="10002"/>
+                    <a16:rowId xmlns:a16="http://schemas.microsoft.com/office/drawing/2014/main" val="10002"/>
                   </a:ext>
                 </a:extLst>
               </a:tr>
@@ -12952,7 +12850,7 @@
                 </a:tc>
                 <a:extLst>
                   <a:ext uri="{0D108BD9-81ED-4DB2-BD59-A6C34878D82A}">
-                    <a16:rowId xmlns:a16="http://schemas.microsoft.com/office/drawing/2014/main" xmlns="" val="10003"/>
+                    <a16:rowId xmlns:a16="http://schemas.microsoft.com/office/drawing/2014/main" val="10003"/>
                   </a:ext>
                 </a:extLst>
               </a:tr>
@@ -13037,7 +12935,7 @@
                 </a:tc>
                 <a:extLst>
                   <a:ext uri="{0D108BD9-81ED-4DB2-BD59-A6C34878D82A}">
-                    <a16:rowId xmlns:a16="http://schemas.microsoft.com/office/drawing/2014/main" xmlns="" val="10004"/>
+                    <a16:rowId xmlns:a16="http://schemas.microsoft.com/office/drawing/2014/main" val="10004"/>
                   </a:ext>
                 </a:extLst>
               </a:tr>
@@ -13139,7 +13037,7 @@
                 </a:tc>
                 <a:extLst>
                   <a:ext uri="{0D108BD9-81ED-4DB2-BD59-A6C34878D82A}">
-                    <a16:rowId xmlns:a16="http://schemas.microsoft.com/office/drawing/2014/main" xmlns="" val="10005"/>
+                    <a16:rowId xmlns:a16="http://schemas.microsoft.com/office/drawing/2014/main" val="10005"/>
                   </a:ext>
                 </a:extLst>
               </a:tr>
@@ -13152,7 +13050,7 @@
           <p:cNvPr id="9" name="Pfeil: Chevron 8">
             <a:extLst>
               <a:ext uri="{FF2B5EF4-FFF2-40B4-BE49-F238E27FC236}">
-                <a16:creationId xmlns:a16="http://schemas.microsoft.com/office/drawing/2014/main" xmlns="" id="{1F34EC54-7B5B-4BE9-B492-B676E949A695}"/>
+                <a16:creationId xmlns:a16="http://schemas.microsoft.com/office/drawing/2014/main" id="{1F34EC54-7B5B-4BE9-B492-B676E949A695}"/>
               </a:ext>
             </a:extLst>
           </p:cNvPr>
@@ -13217,7 +13115,7 @@
           <p:cNvPr id="10" name="Pfeil: Chevron 9">
             <a:extLst>
               <a:ext uri="{FF2B5EF4-FFF2-40B4-BE49-F238E27FC236}">
-                <a16:creationId xmlns:a16="http://schemas.microsoft.com/office/drawing/2014/main" xmlns="" id="{CB93A66C-A5C0-4395-9555-0A53E45B8808}"/>
+                <a16:creationId xmlns:a16="http://schemas.microsoft.com/office/drawing/2014/main" id="{CB93A66C-A5C0-4395-9555-0A53E45B8808}"/>
               </a:ext>
             </a:extLst>
           </p:cNvPr>
@@ -13285,7 +13183,7 @@
           <p:cNvPr id="11" name="Pfeil: Chevron 10">
             <a:extLst>
               <a:ext uri="{FF2B5EF4-FFF2-40B4-BE49-F238E27FC236}">
-                <a16:creationId xmlns:a16="http://schemas.microsoft.com/office/drawing/2014/main" xmlns="" id="{17A8ED5A-44E0-4890-95E7-0E008C51BD58}"/>
+                <a16:creationId xmlns:a16="http://schemas.microsoft.com/office/drawing/2014/main" id="{17A8ED5A-44E0-4890-95E7-0E008C51BD58}"/>
               </a:ext>
             </a:extLst>
           </p:cNvPr>
@@ -13353,7 +13251,7 @@
     </p:spTree>
     <p:extLst>
       <p:ext uri="{BB962C8B-B14F-4D97-AF65-F5344CB8AC3E}">
-        <p14:creationId xmlns:p14="http://schemas.microsoft.com/office/powerpoint/2010/main" xmlns="" val="1053902206"/>
+        <p14:creationId xmlns:p14="http://schemas.microsoft.com/office/powerpoint/2010/main" val="1053902206"/>
       </p:ext>
     </p:extLst>
   </p:cSld>
@@ -13385,7 +13283,7 @@
           <p:cNvPr id="2" name="Titel 1">
             <a:extLst>
               <a:ext uri="{FF2B5EF4-FFF2-40B4-BE49-F238E27FC236}">
-                <a16:creationId xmlns:a16="http://schemas.microsoft.com/office/drawing/2014/main" xmlns="" id="{594F37A0-8FD9-42A4-A80F-4C479182787E}"/>
+                <a16:creationId xmlns:a16="http://schemas.microsoft.com/office/drawing/2014/main" id="{594F37A0-8FD9-42A4-A80F-4C479182787E}"/>
               </a:ext>
             </a:extLst>
           </p:cNvPr>
@@ -13412,10 +13310,6 @@
             <a:r>
               <a:rPr lang="de-DE" dirty="0" err="1"/>
               <a:t>Selection</a:t>
-            </a:r>
-            <a:r>
-              <a:rPr lang="de-DE" dirty="0"/>
-              <a:t/>
             </a:r>
             <a:br>
               <a:rPr lang="de-DE" dirty="0"/>
@@ -13639,7 +13533,7 @@
           <p:cNvPr id="9" name="Pfeil: Chevron 8">
             <a:extLst>
               <a:ext uri="{FF2B5EF4-FFF2-40B4-BE49-F238E27FC236}">
-                <a16:creationId xmlns:a16="http://schemas.microsoft.com/office/drawing/2014/main" xmlns="" id="{8CA7196F-D05C-427F-80BF-E5AC89A9A93D}"/>
+                <a16:creationId xmlns:a16="http://schemas.microsoft.com/office/drawing/2014/main" id="{8CA7196F-D05C-427F-80BF-E5AC89A9A93D}"/>
               </a:ext>
             </a:extLst>
           </p:cNvPr>
@@ -13704,7 +13598,7 @@
           <p:cNvPr id="10" name="Pfeil: Chevron 9">
             <a:extLst>
               <a:ext uri="{FF2B5EF4-FFF2-40B4-BE49-F238E27FC236}">
-                <a16:creationId xmlns:a16="http://schemas.microsoft.com/office/drawing/2014/main" xmlns="" id="{30DB099B-CB77-4A8C-9D9C-8FE75EB377B3}"/>
+                <a16:creationId xmlns:a16="http://schemas.microsoft.com/office/drawing/2014/main" id="{30DB099B-CB77-4A8C-9D9C-8FE75EB377B3}"/>
               </a:ext>
             </a:extLst>
           </p:cNvPr>
@@ -13772,7 +13666,7 @@
           <p:cNvPr id="11" name="Pfeil: Chevron 10">
             <a:extLst>
               <a:ext uri="{FF2B5EF4-FFF2-40B4-BE49-F238E27FC236}">
-                <a16:creationId xmlns:a16="http://schemas.microsoft.com/office/drawing/2014/main" xmlns="" id="{104B3773-1C5D-44AF-A938-319AB53CFD8F}"/>
+                <a16:creationId xmlns:a16="http://schemas.microsoft.com/office/drawing/2014/main" id="{104B3773-1C5D-44AF-A938-319AB53CFD8F}"/>
               </a:ext>
             </a:extLst>
           </p:cNvPr>
@@ -13840,7 +13734,7 @@
     </p:spTree>
     <p:extLst>
       <p:ext uri="{BB962C8B-B14F-4D97-AF65-F5344CB8AC3E}">
-        <p14:creationId xmlns:p14="http://schemas.microsoft.com/office/powerpoint/2010/main" xmlns="" val="2830653720"/>
+        <p14:creationId xmlns:p14="http://schemas.microsoft.com/office/powerpoint/2010/main" val="2830653720"/>
       </p:ext>
     </p:extLst>
   </p:cSld>
@@ -13872,7 +13766,7 @@
           <p:cNvPr id="2" name="Titel 1">
             <a:extLst>
               <a:ext uri="{FF2B5EF4-FFF2-40B4-BE49-F238E27FC236}">
-                <a16:creationId xmlns:a16="http://schemas.microsoft.com/office/drawing/2014/main" xmlns="" id="{594F37A0-8FD9-42A4-A80F-4C479182787E}"/>
+                <a16:creationId xmlns:a16="http://schemas.microsoft.com/office/drawing/2014/main" id="{594F37A0-8FD9-42A4-A80F-4C479182787E}"/>
               </a:ext>
             </a:extLst>
           </p:cNvPr>
@@ -13908,10 +13802,6 @@
               <a:rPr lang="de-DE" dirty="0" err="1"/>
               <a:t>Hierachies</a:t>
             </a:r>
-            <a:r>
-              <a:rPr lang="de-DE" dirty="0"/>
-              <a:t/>
-            </a:r>
             <a:br>
               <a:rPr lang="de-DE" dirty="0"/>
             </a:br>
@@ -13944,7 +13834,7 @@
           <p:cNvPr id="3" name="Inhaltsplatzhalter 2">
             <a:extLst>
               <a:ext uri="{FF2B5EF4-FFF2-40B4-BE49-F238E27FC236}">
-                <a16:creationId xmlns:a16="http://schemas.microsoft.com/office/drawing/2014/main" xmlns="" id="{B201CE33-F1D7-423B-B373-1D449812B3D5}"/>
+                <a16:creationId xmlns:a16="http://schemas.microsoft.com/office/drawing/2014/main" id="{B201CE33-F1D7-423B-B373-1D449812B3D5}"/>
               </a:ext>
             </a:extLst>
           </p:cNvPr>
@@ -14000,14 +13890,9 @@
               <a:buChar char="•"/>
             </a:pPr>
             <a:r>
-              <a:rPr lang="de-DE" dirty="0" smtClean="0"/>
-              <a:t>Insert one Nuggets after </a:t>
-            </a:r>
-            <a:r>
-              <a:rPr lang="de-DE" dirty="0" smtClean="0"/>
-              <a:t>another</a:t>
-            </a:r>
-            <a:endParaRPr lang="de-DE" dirty="0" smtClean="0"/>
+              <a:rPr lang="de-DE" dirty="0"/>
+              <a:t>Insert one Nuggets after another</a:t>
+            </a:r>
           </a:p>
           <a:p>
             <a:pPr marL="342900" indent="-342900">
@@ -14015,10 +13900,9 @@
               <a:buChar char="•"/>
             </a:pPr>
             <a:r>
-              <a:rPr lang="de-DE" dirty="0" smtClean="0"/>
+              <a:rPr lang="de-DE" dirty="0"/>
               <a:t>compare Nuggets (similarity =/= general/specific)</a:t>
             </a:r>
-            <a:endParaRPr lang="de-DE" dirty="0"/>
           </a:p>
           <a:p>
             <a:pPr marL="342900" indent="-342900">
@@ -14026,18 +13910,9 @@
               <a:buChar char="•"/>
             </a:pPr>
             <a:r>
-              <a:rPr lang="de-DE" dirty="0" smtClean="0"/>
-              <a:t>find </a:t>
-            </a:r>
-            <a:r>
               <a:rPr lang="de-DE" dirty="0"/>
-              <a:t>right Bubbles for </a:t>
-            </a:r>
-            <a:r>
-              <a:rPr lang="de-DE" dirty="0" smtClean="0"/>
-              <a:t>Nuggets (similar topics)</a:t>
-            </a:r>
-            <a:endParaRPr lang="de-DE" dirty="0"/>
+              <a:t>find right Bubbles for Nuggets (similar topics)</a:t>
+            </a:r>
           </a:p>
           <a:p>
             <a:pPr marL="342900" indent="-342900">
@@ -14062,30 +13937,9 @@
               <a:buChar char="•"/>
             </a:pPr>
             <a:r>
-              <a:rPr lang="de-DE" dirty="0" smtClean="0"/>
-              <a:t>removed </a:t>
-            </a:r>
-            <a:r>
               <a:rPr lang="de-DE" dirty="0"/>
-              <a:t>Stopwords, </a:t>
-            </a:r>
-            <a:r>
-              <a:rPr lang="de-DE" dirty="0" smtClean="0"/>
-              <a:t>removed </a:t>
-            </a:r>
-            <a:r>
-              <a:rPr lang="de-DE" dirty="0" smtClean="0"/>
-              <a:t>words </a:t>
-            </a:r>
-            <a:r>
-              <a:rPr lang="de-DE" dirty="0" smtClean="0"/>
-              <a:t>less then 2 </a:t>
-            </a:r>
-            <a:r>
-              <a:rPr lang="de-DE" dirty="0" smtClean="0"/>
-              <a:t>characters, Stemming</a:t>
-            </a:r>
-            <a:endParaRPr lang="de-DE" dirty="0"/>
+              <a:t>removed Stopwords, removed words less then 2 characters, Stemming</a:t>
+            </a:r>
           </a:p>
           <a:p>
             <a:pPr marL="342900" indent="-342900">
@@ -14101,7 +13955,7 @@
           <p:cNvPr id="9" name="Pfeil: Chevron 8">
             <a:extLst>
               <a:ext uri="{FF2B5EF4-FFF2-40B4-BE49-F238E27FC236}">
-                <a16:creationId xmlns:a16="http://schemas.microsoft.com/office/drawing/2014/main" xmlns="" id="{11B2ABC0-FB87-4519-910C-E5539A398028}"/>
+                <a16:creationId xmlns:a16="http://schemas.microsoft.com/office/drawing/2014/main" id="{11B2ABC0-FB87-4519-910C-E5539A398028}"/>
               </a:ext>
             </a:extLst>
           </p:cNvPr>
@@ -14166,7 +14020,7 @@
           <p:cNvPr id="10" name="Pfeil: Chevron 9">
             <a:extLst>
               <a:ext uri="{FF2B5EF4-FFF2-40B4-BE49-F238E27FC236}">
-                <a16:creationId xmlns:a16="http://schemas.microsoft.com/office/drawing/2014/main" xmlns="" id="{DB674540-AF0C-4577-BB78-061280DAF6DB}"/>
+                <a16:creationId xmlns:a16="http://schemas.microsoft.com/office/drawing/2014/main" id="{DB674540-AF0C-4577-BB78-061280DAF6DB}"/>
               </a:ext>
             </a:extLst>
           </p:cNvPr>
@@ -14234,7 +14088,7 @@
           <p:cNvPr id="11" name="Pfeil: Chevron 10">
             <a:extLst>
               <a:ext uri="{FF2B5EF4-FFF2-40B4-BE49-F238E27FC236}">
-                <a16:creationId xmlns:a16="http://schemas.microsoft.com/office/drawing/2014/main" xmlns="" id="{CBD60D42-3029-43D8-B7BA-13F7A6844023}"/>
+                <a16:creationId xmlns:a16="http://schemas.microsoft.com/office/drawing/2014/main" id="{CBD60D42-3029-43D8-B7BA-13F7A6844023}"/>
               </a:ext>
             </a:extLst>
           </p:cNvPr>
@@ -14302,7 +14156,7 @@
     </p:spTree>
     <p:extLst>
       <p:ext uri="{BB962C8B-B14F-4D97-AF65-F5344CB8AC3E}">
-        <p14:creationId xmlns:p14="http://schemas.microsoft.com/office/powerpoint/2010/main" xmlns="" val="2315418219"/>
+        <p14:creationId xmlns:p14="http://schemas.microsoft.com/office/powerpoint/2010/main" val="2315418219"/>
       </p:ext>
     </p:extLst>
   </p:cSld>
@@ -14334,7 +14188,7 @@
           <p:cNvPr id="2" name="Titel 1">
             <a:extLst>
               <a:ext uri="{FF2B5EF4-FFF2-40B4-BE49-F238E27FC236}">
-                <a16:creationId xmlns:a16="http://schemas.microsoft.com/office/drawing/2014/main" xmlns="" id="{594F37A0-8FD9-42A4-A80F-4C479182787E}"/>
+                <a16:creationId xmlns:a16="http://schemas.microsoft.com/office/drawing/2014/main" id="{594F37A0-8FD9-42A4-A80F-4C479182787E}"/>
               </a:ext>
             </a:extLst>
           </p:cNvPr>
@@ -14370,10 +14224,6 @@
               <a:rPr lang="de-DE" dirty="0" err="1"/>
               <a:t>Hierachies</a:t>
             </a:r>
-            <a:r>
-              <a:rPr lang="de-DE" dirty="0"/>
-              <a:t/>
-            </a:r>
             <a:br>
               <a:rPr lang="de-DE" dirty="0"/>
             </a:br>
@@ -14404,7 +14254,7 @@
           <p:cNvPr id="15" name="Rechteck 14">
             <a:extLst>
               <a:ext uri="{FF2B5EF4-FFF2-40B4-BE49-F238E27FC236}">
-                <a16:creationId xmlns:a16="http://schemas.microsoft.com/office/drawing/2014/main" xmlns="" id="{12090F8B-0EE1-49C0-8557-731AE5DB00E1}"/>
+                <a16:creationId xmlns:a16="http://schemas.microsoft.com/office/drawing/2014/main" id="{12090F8B-0EE1-49C0-8557-731AE5DB00E1}"/>
               </a:ext>
             </a:extLst>
           </p:cNvPr>
@@ -14461,7 +14311,7 @@
           <p:cNvPr id="114" name="Gruppieren 113">
             <a:extLst>
               <a:ext uri="{FF2B5EF4-FFF2-40B4-BE49-F238E27FC236}">
-                <a16:creationId xmlns:a16="http://schemas.microsoft.com/office/drawing/2014/main" xmlns="" id="{E6ABE55B-B737-45A5-9001-1C156E9900C9}"/>
+                <a16:creationId xmlns:a16="http://schemas.microsoft.com/office/drawing/2014/main" id="{E6ABE55B-B737-45A5-9001-1C156E9900C9}"/>
               </a:ext>
             </a:extLst>
           </p:cNvPr>
@@ -14481,7 +14331,7 @@
             <p:cNvPr id="4" name="Ellipse 3">
               <a:extLst>
                 <a:ext uri="{FF2B5EF4-FFF2-40B4-BE49-F238E27FC236}">
-                  <a16:creationId xmlns:a16="http://schemas.microsoft.com/office/drawing/2014/main" xmlns="" id="{F0E964B3-6D49-469E-9C44-5D8C1D2F9E5C}"/>
+                  <a16:creationId xmlns:a16="http://schemas.microsoft.com/office/drawing/2014/main" id="{F0E964B3-6D49-469E-9C44-5D8C1D2F9E5C}"/>
                 </a:ext>
               </a:extLst>
             </p:cNvPr>
@@ -14535,7 +14385,7 @@
             <p:cNvPr id="9" name="Ellipse 8">
               <a:extLst>
                 <a:ext uri="{FF2B5EF4-FFF2-40B4-BE49-F238E27FC236}">
-                  <a16:creationId xmlns:a16="http://schemas.microsoft.com/office/drawing/2014/main" xmlns="" id="{ADFDBF9F-C58C-4E59-8263-6B2AFBB59D68}"/>
+                  <a16:creationId xmlns:a16="http://schemas.microsoft.com/office/drawing/2014/main" id="{ADFDBF9F-C58C-4E59-8263-6B2AFBB59D68}"/>
                 </a:ext>
               </a:extLst>
             </p:cNvPr>
@@ -14594,7 +14444,7 @@
             <p:cNvPr id="10" name="Ellipse 9">
               <a:extLst>
                 <a:ext uri="{FF2B5EF4-FFF2-40B4-BE49-F238E27FC236}">
-                  <a16:creationId xmlns:a16="http://schemas.microsoft.com/office/drawing/2014/main" xmlns="" id="{6E82B9C2-2F86-4A8F-9ABA-1526C833BC56}"/>
+                  <a16:creationId xmlns:a16="http://schemas.microsoft.com/office/drawing/2014/main" id="{6E82B9C2-2F86-4A8F-9ABA-1526C833BC56}"/>
                 </a:ext>
               </a:extLst>
             </p:cNvPr>
@@ -14653,7 +14503,7 @@
             <p:cNvPr id="11" name="Rechteck 10">
               <a:extLst>
                 <a:ext uri="{FF2B5EF4-FFF2-40B4-BE49-F238E27FC236}">
-                  <a16:creationId xmlns:a16="http://schemas.microsoft.com/office/drawing/2014/main" xmlns="" id="{39F4554A-C759-4B45-BA17-E3D0CC30F7A4}"/>
+                  <a16:creationId xmlns:a16="http://schemas.microsoft.com/office/drawing/2014/main" id="{39F4554A-C759-4B45-BA17-E3D0CC30F7A4}"/>
                 </a:ext>
               </a:extLst>
             </p:cNvPr>
@@ -14707,7 +14557,7 @@
             <p:cNvPr id="12" name="Rechteck 11">
               <a:extLst>
                 <a:ext uri="{FF2B5EF4-FFF2-40B4-BE49-F238E27FC236}">
-                  <a16:creationId xmlns:a16="http://schemas.microsoft.com/office/drawing/2014/main" xmlns="" id="{83682C4F-3C3C-4F89-8DD4-F0F006A9E86B}"/>
+                  <a16:creationId xmlns:a16="http://schemas.microsoft.com/office/drawing/2014/main" id="{83682C4F-3C3C-4F89-8DD4-F0F006A9E86B}"/>
                 </a:ext>
               </a:extLst>
             </p:cNvPr>
@@ -14761,7 +14611,7 @@
             <p:cNvPr id="13" name="Rechteck 12">
               <a:extLst>
                 <a:ext uri="{FF2B5EF4-FFF2-40B4-BE49-F238E27FC236}">
-                  <a16:creationId xmlns:a16="http://schemas.microsoft.com/office/drawing/2014/main" xmlns="" id="{4991D9FD-ADB5-463B-857D-54D2BE5F4444}"/>
+                  <a16:creationId xmlns:a16="http://schemas.microsoft.com/office/drawing/2014/main" id="{4991D9FD-ADB5-463B-857D-54D2BE5F4444}"/>
                 </a:ext>
               </a:extLst>
             </p:cNvPr>
@@ -14815,7 +14665,7 @@
             <p:cNvPr id="22" name="Gerader Verbinder 21">
               <a:extLst>
                 <a:ext uri="{FF2B5EF4-FFF2-40B4-BE49-F238E27FC236}">
-                  <a16:creationId xmlns:a16="http://schemas.microsoft.com/office/drawing/2014/main" xmlns="" id="{89C5445D-AE0B-4065-B5C2-C4BA4D894B33}"/>
+                  <a16:creationId xmlns:a16="http://schemas.microsoft.com/office/drawing/2014/main" id="{89C5445D-AE0B-4065-B5C2-C4BA4D894B33}"/>
                 </a:ext>
               </a:extLst>
             </p:cNvPr>
@@ -14860,7 +14710,7 @@
             <p:cNvPr id="25" name="Gerader Verbinder 24">
               <a:extLst>
                 <a:ext uri="{FF2B5EF4-FFF2-40B4-BE49-F238E27FC236}">
-                  <a16:creationId xmlns:a16="http://schemas.microsoft.com/office/drawing/2014/main" xmlns="" id="{0AC5CD99-8C18-4714-86BA-1DABD14BEEB1}"/>
+                  <a16:creationId xmlns:a16="http://schemas.microsoft.com/office/drawing/2014/main" id="{0AC5CD99-8C18-4714-86BA-1DABD14BEEB1}"/>
                 </a:ext>
               </a:extLst>
             </p:cNvPr>
@@ -14905,7 +14755,7 @@
             <p:cNvPr id="27" name="Gerader Verbinder 26">
               <a:extLst>
                 <a:ext uri="{FF2B5EF4-FFF2-40B4-BE49-F238E27FC236}">
-                  <a16:creationId xmlns:a16="http://schemas.microsoft.com/office/drawing/2014/main" xmlns="" id="{372D202C-DBE8-4CD3-B126-8EC7F0EED127}"/>
+                  <a16:creationId xmlns:a16="http://schemas.microsoft.com/office/drawing/2014/main" id="{372D202C-DBE8-4CD3-B126-8EC7F0EED127}"/>
                 </a:ext>
               </a:extLst>
             </p:cNvPr>
@@ -14949,7 +14799,7 @@
             <p:cNvPr id="44" name="Rechteck 43">
               <a:extLst>
                 <a:ext uri="{FF2B5EF4-FFF2-40B4-BE49-F238E27FC236}">
-                  <a16:creationId xmlns:a16="http://schemas.microsoft.com/office/drawing/2014/main" xmlns="" id="{E9A62879-336C-4C6A-8645-8EA91AEDC01B}"/>
+                  <a16:creationId xmlns:a16="http://schemas.microsoft.com/office/drawing/2014/main" id="{E9A62879-336C-4C6A-8645-8EA91AEDC01B}"/>
                 </a:ext>
               </a:extLst>
             </p:cNvPr>
@@ -15003,7 +14853,7 @@
             <p:cNvPr id="47" name="Gerader Verbinder 46">
               <a:extLst>
                 <a:ext uri="{FF2B5EF4-FFF2-40B4-BE49-F238E27FC236}">
-                  <a16:creationId xmlns:a16="http://schemas.microsoft.com/office/drawing/2014/main" xmlns="" id="{38733F2E-2EFE-4A11-9767-E5DFD6723791}"/>
+                  <a16:creationId xmlns:a16="http://schemas.microsoft.com/office/drawing/2014/main" id="{38733F2E-2EFE-4A11-9767-E5DFD6723791}"/>
                 </a:ext>
               </a:extLst>
             </p:cNvPr>
@@ -15047,7 +14897,7 @@
             <p:cNvPr id="48" name="Rechteck 47">
               <a:extLst>
                 <a:ext uri="{FF2B5EF4-FFF2-40B4-BE49-F238E27FC236}">
-                  <a16:creationId xmlns:a16="http://schemas.microsoft.com/office/drawing/2014/main" xmlns="" id="{F9091B22-61DA-4C09-A0B8-1DF18DB2F2FC}"/>
+                  <a16:creationId xmlns:a16="http://schemas.microsoft.com/office/drawing/2014/main" id="{F9091B22-61DA-4C09-A0B8-1DF18DB2F2FC}"/>
                 </a:ext>
               </a:extLst>
             </p:cNvPr>
@@ -15101,7 +14951,7 @@
             <p:cNvPr id="49" name="Gerader Verbinder 48">
               <a:extLst>
                 <a:ext uri="{FF2B5EF4-FFF2-40B4-BE49-F238E27FC236}">
-                  <a16:creationId xmlns:a16="http://schemas.microsoft.com/office/drawing/2014/main" xmlns="" id="{682E47F6-D19D-46F3-91A1-0B8575F8DFCC}"/>
+                  <a16:creationId xmlns:a16="http://schemas.microsoft.com/office/drawing/2014/main" id="{682E47F6-D19D-46F3-91A1-0B8575F8DFCC}"/>
                 </a:ext>
               </a:extLst>
             </p:cNvPr>
@@ -15147,7 +14997,7 @@
           <p:cNvPr id="43" name="Rechteck 42">
             <a:extLst>
               <a:ext uri="{FF2B5EF4-FFF2-40B4-BE49-F238E27FC236}">
-                <a16:creationId xmlns:a16="http://schemas.microsoft.com/office/drawing/2014/main" xmlns="" id="{833A77D8-B216-4736-917E-D828CF33C81B}"/>
+                <a16:creationId xmlns:a16="http://schemas.microsoft.com/office/drawing/2014/main" id="{833A77D8-B216-4736-917E-D828CF33C81B}"/>
               </a:ext>
             </a:extLst>
           </p:cNvPr>
@@ -15204,7 +15054,7 @@
           <p:cNvPr id="54" name="Ellipse 53">
             <a:extLst>
               <a:ext uri="{FF2B5EF4-FFF2-40B4-BE49-F238E27FC236}">
-                <a16:creationId xmlns:a16="http://schemas.microsoft.com/office/drawing/2014/main" xmlns="" id="{0724EC24-76F0-415C-8D88-713BB341AC8D}"/>
+                <a16:creationId xmlns:a16="http://schemas.microsoft.com/office/drawing/2014/main" id="{0724EC24-76F0-415C-8D88-713BB341AC8D}"/>
               </a:ext>
             </a:extLst>
           </p:cNvPr>
@@ -15258,7 +15108,7 @@
           <p:cNvPr id="55" name="Ellipse 54">
             <a:extLst>
               <a:ext uri="{FF2B5EF4-FFF2-40B4-BE49-F238E27FC236}">
-                <a16:creationId xmlns:a16="http://schemas.microsoft.com/office/drawing/2014/main" xmlns="" id="{39199409-4122-40F0-A3D6-D4A3D696E9EA}"/>
+                <a16:creationId xmlns:a16="http://schemas.microsoft.com/office/drawing/2014/main" id="{39199409-4122-40F0-A3D6-D4A3D696E9EA}"/>
               </a:ext>
             </a:extLst>
           </p:cNvPr>
@@ -15317,7 +15167,7 @@
           <p:cNvPr id="56" name="Ellipse 55">
             <a:extLst>
               <a:ext uri="{FF2B5EF4-FFF2-40B4-BE49-F238E27FC236}">
-                <a16:creationId xmlns:a16="http://schemas.microsoft.com/office/drawing/2014/main" xmlns="" id="{6D93231C-9D23-479A-9BEA-0BBE1012E65C}"/>
+                <a16:creationId xmlns:a16="http://schemas.microsoft.com/office/drawing/2014/main" id="{6D93231C-9D23-479A-9BEA-0BBE1012E65C}"/>
               </a:ext>
             </a:extLst>
           </p:cNvPr>
@@ -15376,7 +15226,7 @@
           <p:cNvPr id="57" name="Rechteck 56">
             <a:extLst>
               <a:ext uri="{FF2B5EF4-FFF2-40B4-BE49-F238E27FC236}">
-                <a16:creationId xmlns:a16="http://schemas.microsoft.com/office/drawing/2014/main" xmlns="" id="{8F74F4B6-8262-4239-BE3B-938FB62046E6}"/>
+                <a16:creationId xmlns:a16="http://schemas.microsoft.com/office/drawing/2014/main" id="{8F74F4B6-8262-4239-BE3B-938FB62046E6}"/>
               </a:ext>
             </a:extLst>
           </p:cNvPr>
@@ -15430,7 +15280,7 @@
           <p:cNvPr id="58" name="Rechteck 57">
             <a:extLst>
               <a:ext uri="{FF2B5EF4-FFF2-40B4-BE49-F238E27FC236}">
-                <a16:creationId xmlns:a16="http://schemas.microsoft.com/office/drawing/2014/main" xmlns="" id="{799332C2-2C18-4638-9DE9-D0A34DBA71B5}"/>
+                <a16:creationId xmlns:a16="http://schemas.microsoft.com/office/drawing/2014/main" id="{799332C2-2C18-4638-9DE9-D0A34DBA71B5}"/>
               </a:ext>
             </a:extLst>
           </p:cNvPr>
@@ -15484,7 +15334,7 @@
           <p:cNvPr id="59" name="Rechteck 58">
             <a:extLst>
               <a:ext uri="{FF2B5EF4-FFF2-40B4-BE49-F238E27FC236}">
-                <a16:creationId xmlns:a16="http://schemas.microsoft.com/office/drawing/2014/main" xmlns="" id="{5D41B586-D3AE-4077-8CB3-BEECBB837D3F}"/>
+                <a16:creationId xmlns:a16="http://schemas.microsoft.com/office/drawing/2014/main" id="{5D41B586-D3AE-4077-8CB3-BEECBB837D3F}"/>
               </a:ext>
             </a:extLst>
           </p:cNvPr>
@@ -15538,7 +15388,7 @@
           <p:cNvPr id="60" name="Gerader Verbinder 59">
             <a:extLst>
               <a:ext uri="{FF2B5EF4-FFF2-40B4-BE49-F238E27FC236}">
-                <a16:creationId xmlns:a16="http://schemas.microsoft.com/office/drawing/2014/main" xmlns="" id="{D5015C48-E06F-4A8A-A0C8-4E0716AA2807}"/>
+                <a16:creationId xmlns:a16="http://schemas.microsoft.com/office/drawing/2014/main" id="{D5015C48-E06F-4A8A-A0C8-4E0716AA2807}"/>
               </a:ext>
             </a:extLst>
           </p:cNvPr>
@@ -15583,7 +15433,7 @@
           <p:cNvPr id="61" name="Gerader Verbinder 60">
             <a:extLst>
               <a:ext uri="{FF2B5EF4-FFF2-40B4-BE49-F238E27FC236}">
-                <a16:creationId xmlns:a16="http://schemas.microsoft.com/office/drawing/2014/main" xmlns="" id="{85D53691-3F55-48F0-90C5-B5D3DB4A5664}"/>
+                <a16:creationId xmlns:a16="http://schemas.microsoft.com/office/drawing/2014/main" id="{85D53691-3F55-48F0-90C5-B5D3DB4A5664}"/>
               </a:ext>
             </a:extLst>
           </p:cNvPr>
@@ -15628,7 +15478,7 @@
           <p:cNvPr id="62" name="Gerader Verbinder 61">
             <a:extLst>
               <a:ext uri="{FF2B5EF4-FFF2-40B4-BE49-F238E27FC236}">
-                <a16:creationId xmlns:a16="http://schemas.microsoft.com/office/drawing/2014/main" xmlns="" id="{BE80E97D-A8EF-4F78-A86E-E4EA61C7D153}"/>
+                <a16:creationId xmlns:a16="http://schemas.microsoft.com/office/drawing/2014/main" id="{BE80E97D-A8EF-4F78-A86E-E4EA61C7D153}"/>
               </a:ext>
             </a:extLst>
           </p:cNvPr>
@@ -15672,7 +15522,7 @@
           <p:cNvPr id="63" name="Rechteck 62">
             <a:extLst>
               <a:ext uri="{FF2B5EF4-FFF2-40B4-BE49-F238E27FC236}">
-                <a16:creationId xmlns:a16="http://schemas.microsoft.com/office/drawing/2014/main" xmlns="" id="{8F11F71D-CAF2-4CCF-B270-36BE066CDF14}"/>
+                <a16:creationId xmlns:a16="http://schemas.microsoft.com/office/drawing/2014/main" id="{8F11F71D-CAF2-4CCF-B270-36BE066CDF14}"/>
               </a:ext>
             </a:extLst>
           </p:cNvPr>
@@ -15726,7 +15576,7 @@
           <p:cNvPr id="64" name="Gerader Verbinder 63">
             <a:extLst>
               <a:ext uri="{FF2B5EF4-FFF2-40B4-BE49-F238E27FC236}">
-                <a16:creationId xmlns:a16="http://schemas.microsoft.com/office/drawing/2014/main" xmlns="" id="{CA102292-B757-4C9D-985D-5BD63D82B0D6}"/>
+                <a16:creationId xmlns:a16="http://schemas.microsoft.com/office/drawing/2014/main" id="{CA102292-B757-4C9D-985D-5BD63D82B0D6}"/>
               </a:ext>
             </a:extLst>
           </p:cNvPr>
@@ -15770,7 +15620,7 @@
           <p:cNvPr id="65" name="Rechteck 64">
             <a:extLst>
               <a:ext uri="{FF2B5EF4-FFF2-40B4-BE49-F238E27FC236}">
-                <a16:creationId xmlns:a16="http://schemas.microsoft.com/office/drawing/2014/main" xmlns="" id="{41489995-E092-4825-91F0-5DC202A1C2BB}"/>
+                <a16:creationId xmlns:a16="http://schemas.microsoft.com/office/drawing/2014/main" id="{41489995-E092-4825-91F0-5DC202A1C2BB}"/>
               </a:ext>
             </a:extLst>
           </p:cNvPr>
@@ -15824,7 +15674,7 @@
           <p:cNvPr id="66" name="Gerader Verbinder 65">
             <a:extLst>
               <a:ext uri="{FF2B5EF4-FFF2-40B4-BE49-F238E27FC236}">
-                <a16:creationId xmlns:a16="http://schemas.microsoft.com/office/drawing/2014/main" xmlns="" id="{DDFE0BAE-6703-4B9C-89B0-47C6B7620641}"/>
+                <a16:creationId xmlns:a16="http://schemas.microsoft.com/office/drawing/2014/main" id="{DDFE0BAE-6703-4B9C-89B0-47C6B7620641}"/>
               </a:ext>
             </a:extLst>
           </p:cNvPr>
@@ -15869,7 +15719,7 @@
           <p:cNvPr id="121" name="Gruppieren 120">
             <a:extLst>
               <a:ext uri="{FF2B5EF4-FFF2-40B4-BE49-F238E27FC236}">
-                <a16:creationId xmlns:a16="http://schemas.microsoft.com/office/drawing/2014/main" xmlns="" id="{D1E3AF41-3409-43D2-9206-1FCB776CEE95}"/>
+                <a16:creationId xmlns:a16="http://schemas.microsoft.com/office/drawing/2014/main" id="{D1E3AF41-3409-43D2-9206-1FCB776CEE95}"/>
               </a:ext>
             </a:extLst>
           </p:cNvPr>
@@ -15889,7 +15739,7 @@
             <p:cNvPr id="68" name="Ellipse 67">
               <a:extLst>
                 <a:ext uri="{FF2B5EF4-FFF2-40B4-BE49-F238E27FC236}">
-                  <a16:creationId xmlns:a16="http://schemas.microsoft.com/office/drawing/2014/main" xmlns="" id="{8E556749-E290-4134-95FE-85D40A4DDBF7}"/>
+                  <a16:creationId xmlns:a16="http://schemas.microsoft.com/office/drawing/2014/main" id="{8E556749-E290-4134-95FE-85D40A4DDBF7}"/>
                 </a:ext>
               </a:extLst>
             </p:cNvPr>
@@ -15943,7 +15793,7 @@
             <p:cNvPr id="69" name="Ellipse 68">
               <a:extLst>
                 <a:ext uri="{FF2B5EF4-FFF2-40B4-BE49-F238E27FC236}">
-                  <a16:creationId xmlns:a16="http://schemas.microsoft.com/office/drawing/2014/main" xmlns="" id="{38BA4B0C-3294-41AD-AEA8-6BC3CE539077}"/>
+                  <a16:creationId xmlns:a16="http://schemas.microsoft.com/office/drawing/2014/main" id="{38BA4B0C-3294-41AD-AEA8-6BC3CE539077}"/>
                 </a:ext>
               </a:extLst>
             </p:cNvPr>
@@ -16002,7 +15852,7 @@
             <p:cNvPr id="70" name="Ellipse 69">
               <a:extLst>
                 <a:ext uri="{FF2B5EF4-FFF2-40B4-BE49-F238E27FC236}">
-                  <a16:creationId xmlns:a16="http://schemas.microsoft.com/office/drawing/2014/main" xmlns="" id="{16A02058-7492-445E-ABAC-60D8F2E41062}"/>
+                  <a16:creationId xmlns:a16="http://schemas.microsoft.com/office/drawing/2014/main" id="{16A02058-7492-445E-ABAC-60D8F2E41062}"/>
                 </a:ext>
               </a:extLst>
             </p:cNvPr>
@@ -16061,7 +15911,7 @@
             <p:cNvPr id="71" name="Rechteck 70">
               <a:extLst>
                 <a:ext uri="{FF2B5EF4-FFF2-40B4-BE49-F238E27FC236}">
-                  <a16:creationId xmlns:a16="http://schemas.microsoft.com/office/drawing/2014/main" xmlns="" id="{CD16C262-21E4-4CB9-BFBE-5C0592D2DACE}"/>
+                  <a16:creationId xmlns:a16="http://schemas.microsoft.com/office/drawing/2014/main" id="{CD16C262-21E4-4CB9-BFBE-5C0592D2DACE}"/>
                 </a:ext>
               </a:extLst>
             </p:cNvPr>
@@ -16115,7 +15965,7 @@
             <p:cNvPr id="72" name="Rechteck 71">
               <a:extLst>
                 <a:ext uri="{FF2B5EF4-FFF2-40B4-BE49-F238E27FC236}">
-                  <a16:creationId xmlns:a16="http://schemas.microsoft.com/office/drawing/2014/main" xmlns="" id="{2A0F9BBC-DFF7-4A6A-BF32-F2DF85FB7F13}"/>
+                  <a16:creationId xmlns:a16="http://schemas.microsoft.com/office/drawing/2014/main" id="{2A0F9BBC-DFF7-4A6A-BF32-F2DF85FB7F13}"/>
                 </a:ext>
               </a:extLst>
             </p:cNvPr>
@@ -16169,7 +16019,7 @@
             <p:cNvPr id="73" name="Rechteck 72">
               <a:extLst>
                 <a:ext uri="{FF2B5EF4-FFF2-40B4-BE49-F238E27FC236}">
-                  <a16:creationId xmlns:a16="http://schemas.microsoft.com/office/drawing/2014/main" xmlns="" id="{D42920A0-37DC-47AC-9FF4-2297613C6050}"/>
+                  <a16:creationId xmlns:a16="http://schemas.microsoft.com/office/drawing/2014/main" id="{D42920A0-37DC-47AC-9FF4-2297613C6050}"/>
                 </a:ext>
               </a:extLst>
             </p:cNvPr>
@@ -16223,7 +16073,7 @@
             <p:cNvPr id="74" name="Gerader Verbinder 73">
               <a:extLst>
                 <a:ext uri="{FF2B5EF4-FFF2-40B4-BE49-F238E27FC236}">
-                  <a16:creationId xmlns:a16="http://schemas.microsoft.com/office/drawing/2014/main" xmlns="" id="{A0695C55-E5B1-4170-8152-15DB9219FD2B}"/>
+                  <a16:creationId xmlns:a16="http://schemas.microsoft.com/office/drawing/2014/main" id="{A0695C55-E5B1-4170-8152-15DB9219FD2B}"/>
                 </a:ext>
               </a:extLst>
             </p:cNvPr>
@@ -16268,7 +16118,7 @@
             <p:cNvPr id="75" name="Gerader Verbinder 74">
               <a:extLst>
                 <a:ext uri="{FF2B5EF4-FFF2-40B4-BE49-F238E27FC236}">
-                  <a16:creationId xmlns:a16="http://schemas.microsoft.com/office/drawing/2014/main" xmlns="" id="{137D69E5-1ED1-4F79-BF36-7964626560E2}"/>
+                  <a16:creationId xmlns:a16="http://schemas.microsoft.com/office/drawing/2014/main" id="{137D69E5-1ED1-4F79-BF36-7964626560E2}"/>
                 </a:ext>
               </a:extLst>
             </p:cNvPr>
@@ -16313,7 +16163,7 @@
             <p:cNvPr id="76" name="Gerader Verbinder 75">
               <a:extLst>
                 <a:ext uri="{FF2B5EF4-FFF2-40B4-BE49-F238E27FC236}">
-                  <a16:creationId xmlns:a16="http://schemas.microsoft.com/office/drawing/2014/main" xmlns="" id="{D8D87741-3DDC-4615-A2D4-B8D7A5CD0856}"/>
+                  <a16:creationId xmlns:a16="http://schemas.microsoft.com/office/drawing/2014/main" id="{D8D87741-3DDC-4615-A2D4-B8D7A5CD0856}"/>
                 </a:ext>
               </a:extLst>
             </p:cNvPr>
@@ -16357,7 +16207,7 @@
             <p:cNvPr id="81" name="Rechteck 80">
               <a:extLst>
                 <a:ext uri="{FF2B5EF4-FFF2-40B4-BE49-F238E27FC236}">
-                  <a16:creationId xmlns:a16="http://schemas.microsoft.com/office/drawing/2014/main" xmlns="" id="{0F0150EA-BC0A-4394-BB8F-97650B478257}"/>
+                  <a16:creationId xmlns:a16="http://schemas.microsoft.com/office/drawing/2014/main" id="{0F0150EA-BC0A-4394-BB8F-97650B478257}"/>
                 </a:ext>
               </a:extLst>
             </p:cNvPr>
@@ -16414,7 +16264,7 @@
             <p:cNvPr id="77" name="Rechteck 76">
               <a:extLst>
                 <a:ext uri="{FF2B5EF4-FFF2-40B4-BE49-F238E27FC236}">
-                  <a16:creationId xmlns:a16="http://schemas.microsoft.com/office/drawing/2014/main" xmlns="" id="{429023F3-62B4-4365-8029-F8617E4A1BC7}"/>
+                  <a16:creationId xmlns:a16="http://schemas.microsoft.com/office/drawing/2014/main" id="{429023F3-62B4-4365-8029-F8617E4A1BC7}"/>
                 </a:ext>
               </a:extLst>
             </p:cNvPr>
@@ -16468,7 +16318,7 @@
             <p:cNvPr id="78" name="Gerader Verbinder 77">
               <a:extLst>
                 <a:ext uri="{FF2B5EF4-FFF2-40B4-BE49-F238E27FC236}">
-                  <a16:creationId xmlns:a16="http://schemas.microsoft.com/office/drawing/2014/main" xmlns="" id="{C9767AF8-2522-4386-919F-3A722F8FB63A}"/>
+                  <a16:creationId xmlns:a16="http://schemas.microsoft.com/office/drawing/2014/main" id="{C9767AF8-2522-4386-919F-3A722F8FB63A}"/>
                 </a:ext>
               </a:extLst>
             </p:cNvPr>
@@ -16512,7 +16362,7 @@
             <p:cNvPr id="79" name="Rechteck 78">
               <a:extLst>
                 <a:ext uri="{FF2B5EF4-FFF2-40B4-BE49-F238E27FC236}">
-                  <a16:creationId xmlns:a16="http://schemas.microsoft.com/office/drawing/2014/main" xmlns="" id="{673B13A4-866F-41DA-9CF4-25ACF678B97C}"/>
+                  <a16:creationId xmlns:a16="http://schemas.microsoft.com/office/drawing/2014/main" id="{673B13A4-866F-41DA-9CF4-25ACF678B97C}"/>
                 </a:ext>
               </a:extLst>
             </p:cNvPr>
@@ -16566,7 +16416,7 @@
             <p:cNvPr id="80" name="Gerader Verbinder 79">
               <a:extLst>
                 <a:ext uri="{FF2B5EF4-FFF2-40B4-BE49-F238E27FC236}">
-                  <a16:creationId xmlns:a16="http://schemas.microsoft.com/office/drawing/2014/main" xmlns="" id="{E3C16484-8F30-46B2-8B68-D4924B60590F}"/>
+                  <a16:creationId xmlns:a16="http://schemas.microsoft.com/office/drawing/2014/main" id="{E3C16484-8F30-46B2-8B68-D4924B60590F}"/>
                 </a:ext>
               </a:extLst>
             </p:cNvPr>
@@ -16612,7 +16462,7 @@
           <p:cNvPr id="113" name="Gruppieren 112">
             <a:extLst>
               <a:ext uri="{FF2B5EF4-FFF2-40B4-BE49-F238E27FC236}">
-                <a16:creationId xmlns:a16="http://schemas.microsoft.com/office/drawing/2014/main" xmlns="" id="{6BF72EE9-47F4-4C0C-B6AF-E2992CBD81A7}"/>
+                <a16:creationId xmlns:a16="http://schemas.microsoft.com/office/drawing/2014/main" id="{6BF72EE9-47F4-4C0C-B6AF-E2992CBD81A7}"/>
               </a:ext>
             </a:extLst>
           </p:cNvPr>
@@ -16632,7 +16482,7 @@
             <p:cNvPr id="83" name="Ellipse 82">
               <a:extLst>
                 <a:ext uri="{FF2B5EF4-FFF2-40B4-BE49-F238E27FC236}">
-                  <a16:creationId xmlns:a16="http://schemas.microsoft.com/office/drawing/2014/main" xmlns="" id="{E490BE8A-69D5-497D-A5DF-487F4F84130C}"/>
+                  <a16:creationId xmlns:a16="http://schemas.microsoft.com/office/drawing/2014/main" id="{E490BE8A-69D5-497D-A5DF-487F4F84130C}"/>
                 </a:ext>
               </a:extLst>
             </p:cNvPr>
@@ -16686,7 +16536,7 @@
             <p:cNvPr id="84" name="Ellipse 83">
               <a:extLst>
                 <a:ext uri="{FF2B5EF4-FFF2-40B4-BE49-F238E27FC236}">
-                  <a16:creationId xmlns:a16="http://schemas.microsoft.com/office/drawing/2014/main" xmlns="" id="{7C326BEB-7481-4B7B-B0BC-D86FFD3A540E}"/>
+                  <a16:creationId xmlns:a16="http://schemas.microsoft.com/office/drawing/2014/main" id="{7C326BEB-7481-4B7B-B0BC-D86FFD3A540E}"/>
                 </a:ext>
               </a:extLst>
             </p:cNvPr>
@@ -16745,7 +16595,7 @@
             <p:cNvPr id="85" name="Ellipse 84">
               <a:extLst>
                 <a:ext uri="{FF2B5EF4-FFF2-40B4-BE49-F238E27FC236}">
-                  <a16:creationId xmlns:a16="http://schemas.microsoft.com/office/drawing/2014/main" xmlns="" id="{93B1FE86-B851-43BA-A680-4E4CB09C4C86}"/>
+                  <a16:creationId xmlns:a16="http://schemas.microsoft.com/office/drawing/2014/main" id="{93B1FE86-B851-43BA-A680-4E4CB09C4C86}"/>
                 </a:ext>
               </a:extLst>
             </p:cNvPr>
@@ -16804,7 +16654,7 @@
             <p:cNvPr id="86" name="Rechteck 85">
               <a:extLst>
                 <a:ext uri="{FF2B5EF4-FFF2-40B4-BE49-F238E27FC236}">
-                  <a16:creationId xmlns:a16="http://schemas.microsoft.com/office/drawing/2014/main" xmlns="" id="{2C8E3D7D-CEE5-4007-869C-676C81233E5E}"/>
+                  <a16:creationId xmlns:a16="http://schemas.microsoft.com/office/drawing/2014/main" id="{2C8E3D7D-CEE5-4007-869C-676C81233E5E}"/>
                 </a:ext>
               </a:extLst>
             </p:cNvPr>
@@ -16858,7 +16708,7 @@
             <p:cNvPr id="87" name="Rechteck 86">
               <a:extLst>
                 <a:ext uri="{FF2B5EF4-FFF2-40B4-BE49-F238E27FC236}">
-                  <a16:creationId xmlns:a16="http://schemas.microsoft.com/office/drawing/2014/main" xmlns="" id="{EB212149-F543-4948-9361-585648BD669A}"/>
+                  <a16:creationId xmlns:a16="http://schemas.microsoft.com/office/drawing/2014/main" id="{EB212149-F543-4948-9361-585648BD669A}"/>
                 </a:ext>
               </a:extLst>
             </p:cNvPr>
@@ -16912,7 +16762,7 @@
             <p:cNvPr id="88" name="Rechteck 87">
               <a:extLst>
                 <a:ext uri="{FF2B5EF4-FFF2-40B4-BE49-F238E27FC236}">
-                  <a16:creationId xmlns:a16="http://schemas.microsoft.com/office/drawing/2014/main" xmlns="" id="{A59C3B6D-9C7D-4516-B45C-BD1FD874DF7C}"/>
+                  <a16:creationId xmlns:a16="http://schemas.microsoft.com/office/drawing/2014/main" id="{A59C3B6D-9C7D-4516-B45C-BD1FD874DF7C}"/>
                 </a:ext>
               </a:extLst>
             </p:cNvPr>
@@ -16966,7 +16816,7 @@
             <p:cNvPr id="89" name="Gerader Verbinder 88">
               <a:extLst>
                 <a:ext uri="{FF2B5EF4-FFF2-40B4-BE49-F238E27FC236}">
-                  <a16:creationId xmlns:a16="http://schemas.microsoft.com/office/drawing/2014/main" xmlns="" id="{38450F44-668E-486E-BFDA-C3BCD66FD987}"/>
+                  <a16:creationId xmlns:a16="http://schemas.microsoft.com/office/drawing/2014/main" id="{38450F44-668E-486E-BFDA-C3BCD66FD987}"/>
                 </a:ext>
               </a:extLst>
             </p:cNvPr>
@@ -17011,7 +16861,7 @@
             <p:cNvPr id="90" name="Gerader Verbinder 89">
               <a:extLst>
                 <a:ext uri="{FF2B5EF4-FFF2-40B4-BE49-F238E27FC236}">
-                  <a16:creationId xmlns:a16="http://schemas.microsoft.com/office/drawing/2014/main" xmlns="" id="{D31CD334-E31B-41CD-B01E-9C5C1F90A49C}"/>
+                  <a16:creationId xmlns:a16="http://schemas.microsoft.com/office/drawing/2014/main" id="{D31CD334-E31B-41CD-B01E-9C5C1F90A49C}"/>
                 </a:ext>
               </a:extLst>
             </p:cNvPr>
@@ -17056,7 +16906,7 @@
             <p:cNvPr id="91" name="Gerader Verbinder 90">
               <a:extLst>
                 <a:ext uri="{FF2B5EF4-FFF2-40B4-BE49-F238E27FC236}">
-                  <a16:creationId xmlns:a16="http://schemas.microsoft.com/office/drawing/2014/main" xmlns="" id="{624223A2-1AA0-4DA9-9193-08CB1849889B}"/>
+                  <a16:creationId xmlns:a16="http://schemas.microsoft.com/office/drawing/2014/main" id="{624223A2-1AA0-4DA9-9193-08CB1849889B}"/>
                 </a:ext>
               </a:extLst>
             </p:cNvPr>
@@ -17100,7 +16950,7 @@
             <p:cNvPr id="92" name="Rechteck 91">
               <a:extLst>
                 <a:ext uri="{FF2B5EF4-FFF2-40B4-BE49-F238E27FC236}">
-                  <a16:creationId xmlns:a16="http://schemas.microsoft.com/office/drawing/2014/main" xmlns="" id="{5A87DF5C-C715-45DB-85EA-1EC6F7D38F75}"/>
+                  <a16:creationId xmlns:a16="http://schemas.microsoft.com/office/drawing/2014/main" id="{5A87DF5C-C715-45DB-85EA-1EC6F7D38F75}"/>
                 </a:ext>
               </a:extLst>
             </p:cNvPr>
@@ -17154,7 +17004,7 @@
             <p:cNvPr id="93" name="Gerader Verbinder 92">
               <a:extLst>
                 <a:ext uri="{FF2B5EF4-FFF2-40B4-BE49-F238E27FC236}">
-                  <a16:creationId xmlns:a16="http://schemas.microsoft.com/office/drawing/2014/main" xmlns="" id="{9851543A-DF17-4EF2-85F6-6AE99E8ADC4D}"/>
+                  <a16:creationId xmlns:a16="http://schemas.microsoft.com/office/drawing/2014/main" id="{9851543A-DF17-4EF2-85F6-6AE99E8ADC4D}"/>
                 </a:ext>
               </a:extLst>
             </p:cNvPr>
@@ -17198,7 +17048,7 @@
             <p:cNvPr id="94" name="Rechteck 93">
               <a:extLst>
                 <a:ext uri="{FF2B5EF4-FFF2-40B4-BE49-F238E27FC236}">
-                  <a16:creationId xmlns:a16="http://schemas.microsoft.com/office/drawing/2014/main" xmlns="" id="{5FD5A714-4DCE-44E7-87B2-ED00A8E8DB1C}"/>
+                  <a16:creationId xmlns:a16="http://schemas.microsoft.com/office/drawing/2014/main" id="{5FD5A714-4DCE-44E7-87B2-ED00A8E8DB1C}"/>
                 </a:ext>
               </a:extLst>
             </p:cNvPr>
@@ -17252,7 +17102,7 @@
             <p:cNvPr id="95" name="Gerader Verbinder 94">
               <a:extLst>
                 <a:ext uri="{FF2B5EF4-FFF2-40B4-BE49-F238E27FC236}">
-                  <a16:creationId xmlns:a16="http://schemas.microsoft.com/office/drawing/2014/main" xmlns="" id="{F1603356-25C5-44D2-9F9E-47BDB905CE68}"/>
+                  <a16:creationId xmlns:a16="http://schemas.microsoft.com/office/drawing/2014/main" id="{F1603356-25C5-44D2-9F9E-47BDB905CE68}"/>
                 </a:ext>
               </a:extLst>
             </p:cNvPr>
@@ -17297,7 +17147,7 @@
             <p:cNvPr id="96" name="Ellipse 95">
               <a:extLst>
                 <a:ext uri="{FF2B5EF4-FFF2-40B4-BE49-F238E27FC236}">
-                  <a16:creationId xmlns:a16="http://schemas.microsoft.com/office/drawing/2014/main" xmlns="" id="{D3FABA3F-C1F3-4425-8DE5-FB0446FE5A45}"/>
+                  <a16:creationId xmlns:a16="http://schemas.microsoft.com/office/drawing/2014/main" id="{D3FABA3F-C1F3-4425-8DE5-FB0446FE5A45}"/>
                 </a:ext>
               </a:extLst>
             </p:cNvPr>
@@ -17356,7 +17206,7 @@
             <p:cNvPr id="98" name="Gerader Verbinder 97">
               <a:extLst>
                 <a:ext uri="{FF2B5EF4-FFF2-40B4-BE49-F238E27FC236}">
-                  <a16:creationId xmlns:a16="http://schemas.microsoft.com/office/drawing/2014/main" xmlns="" id="{525A01C8-A59C-4BEE-84C5-5EC5FC7324A9}"/>
+                  <a16:creationId xmlns:a16="http://schemas.microsoft.com/office/drawing/2014/main" id="{525A01C8-A59C-4BEE-84C5-5EC5FC7324A9}"/>
                 </a:ext>
               </a:extLst>
             </p:cNvPr>
@@ -17400,7 +17250,7 @@
             <p:cNvPr id="104" name="Gerader Verbinder 103">
               <a:extLst>
                 <a:ext uri="{FF2B5EF4-FFF2-40B4-BE49-F238E27FC236}">
-                  <a16:creationId xmlns:a16="http://schemas.microsoft.com/office/drawing/2014/main" xmlns="" id="{77C0FC18-545D-47D3-8F24-232D8AB50661}"/>
+                  <a16:creationId xmlns:a16="http://schemas.microsoft.com/office/drawing/2014/main" id="{77C0FC18-545D-47D3-8F24-232D8AB50661}"/>
                 </a:ext>
               </a:extLst>
             </p:cNvPr>
@@ -17445,7 +17295,7 @@
             <p:cNvPr id="109" name="Rechteck 108">
               <a:extLst>
                 <a:ext uri="{FF2B5EF4-FFF2-40B4-BE49-F238E27FC236}">
-                  <a16:creationId xmlns:a16="http://schemas.microsoft.com/office/drawing/2014/main" xmlns="" id="{C0A4FBCE-F635-4F41-AFC6-C2D27F90C845}"/>
+                  <a16:creationId xmlns:a16="http://schemas.microsoft.com/office/drawing/2014/main" id="{C0A4FBCE-F635-4F41-AFC6-C2D27F90C845}"/>
                 </a:ext>
               </a:extLst>
             </p:cNvPr>
@@ -17503,7 +17353,7 @@
           <p:cNvPr id="116" name="Textfeld 115">
             <a:extLst>
               <a:ext uri="{FF2B5EF4-FFF2-40B4-BE49-F238E27FC236}">
-                <a16:creationId xmlns:a16="http://schemas.microsoft.com/office/drawing/2014/main" xmlns="" id="{27207203-E1CF-4410-8384-200882C6BF69}"/>
+                <a16:creationId xmlns:a16="http://schemas.microsoft.com/office/drawing/2014/main" id="{27207203-E1CF-4410-8384-200882C6BF69}"/>
               </a:ext>
             </a:extLst>
           </p:cNvPr>
@@ -17528,10 +17378,9 @@
           <a:p>
             <a:pPr algn="ctr"/>
             <a:r>
-              <a:rPr lang="de-DE" dirty="0" smtClean="0"/>
+              <a:rPr lang="de-DE" dirty="0"/>
               <a:t>Bubble</a:t>
             </a:r>
-            <a:endParaRPr lang="de-DE" dirty="0"/>
           </a:p>
         </p:txBody>
       </p:sp>
@@ -17540,7 +17389,7 @@
           <p:cNvPr id="117" name="Textfeld 116">
             <a:extLst>
               <a:ext uri="{FF2B5EF4-FFF2-40B4-BE49-F238E27FC236}">
-                <a16:creationId xmlns:a16="http://schemas.microsoft.com/office/drawing/2014/main" xmlns="" id="{766E97B1-4368-4508-806B-A1E81034EF71}"/>
+                <a16:creationId xmlns:a16="http://schemas.microsoft.com/office/drawing/2014/main" id="{766E97B1-4368-4508-806B-A1E81034EF71}"/>
               </a:ext>
             </a:extLst>
           </p:cNvPr>
@@ -17565,10 +17414,9 @@
           <a:p>
             <a:pPr algn="ctr"/>
             <a:r>
-              <a:rPr lang="de-DE" dirty="0" smtClean="0"/>
+              <a:rPr lang="de-DE" dirty="0"/>
               <a:t>APPEND</a:t>
             </a:r>
-            <a:endParaRPr lang="de-DE" dirty="0"/>
           </a:p>
         </p:txBody>
       </p:sp>
@@ -17577,7 +17425,7 @@
           <p:cNvPr id="118" name="Textfeld 117">
             <a:extLst>
               <a:ext uri="{FF2B5EF4-FFF2-40B4-BE49-F238E27FC236}">
-                <a16:creationId xmlns:a16="http://schemas.microsoft.com/office/drawing/2014/main" xmlns="" id="{A3AFE58C-95AA-4B0D-81ED-2932A98ED891}"/>
+                <a16:creationId xmlns:a16="http://schemas.microsoft.com/office/drawing/2014/main" id="{A3AFE58C-95AA-4B0D-81ED-2932A98ED891}"/>
               </a:ext>
             </a:extLst>
           </p:cNvPr>
@@ -17602,10 +17450,9 @@
           <a:p>
             <a:pPr algn="ctr"/>
             <a:r>
-              <a:rPr lang="de-DE" dirty="0" smtClean="0"/>
+              <a:rPr lang="de-DE" dirty="0"/>
               <a:t>GO DOWN</a:t>
             </a:r>
-            <a:endParaRPr lang="de-DE" dirty="0"/>
           </a:p>
         </p:txBody>
       </p:sp>
@@ -17614,7 +17461,7 @@
           <p:cNvPr id="119" name="Textfeld 118">
             <a:extLst>
               <a:ext uri="{FF2B5EF4-FFF2-40B4-BE49-F238E27FC236}">
-                <a16:creationId xmlns:a16="http://schemas.microsoft.com/office/drawing/2014/main" xmlns="" id="{DCF89224-C8EB-4485-9F93-89F512BA5EC1}"/>
+                <a16:creationId xmlns:a16="http://schemas.microsoft.com/office/drawing/2014/main" id="{DCF89224-C8EB-4485-9F93-89F512BA5EC1}"/>
               </a:ext>
             </a:extLst>
           </p:cNvPr>
@@ -17639,14 +17486,9 @@
           <a:p>
             <a:pPr algn="ctr"/>
             <a:r>
-              <a:rPr lang="de-DE" dirty="0" smtClean="0"/>
-              <a:t>INSERT </a:t>
-            </a:r>
-            <a:r>
-              <a:rPr lang="de-DE" dirty="0" smtClean="0"/>
-              <a:t>ABOVE</a:t>
-            </a:r>
-            <a:endParaRPr lang="de-DE" dirty="0"/>
+              <a:rPr lang="de-DE" dirty="0"/>
+              <a:t>INSERT ABOVE</a:t>
+            </a:r>
           </a:p>
         </p:txBody>
       </p:sp>
@@ -17655,7 +17497,7 @@
           <p:cNvPr id="120" name="Textfeld 119">
             <a:extLst>
               <a:ext uri="{FF2B5EF4-FFF2-40B4-BE49-F238E27FC236}">
-                <a16:creationId xmlns:a16="http://schemas.microsoft.com/office/drawing/2014/main" xmlns="" id="{4EE65BD6-28CA-40FE-9DE3-925C4D879436}"/>
+                <a16:creationId xmlns:a16="http://schemas.microsoft.com/office/drawing/2014/main" id="{4EE65BD6-28CA-40FE-9DE3-925C4D879436}"/>
               </a:ext>
             </a:extLst>
           </p:cNvPr>
@@ -17700,7 +17542,7 @@
           <p:cNvPr id="82" name="Pfeil: Chevron 81">
             <a:extLst>
               <a:ext uri="{FF2B5EF4-FFF2-40B4-BE49-F238E27FC236}">
-                <a16:creationId xmlns:a16="http://schemas.microsoft.com/office/drawing/2014/main" xmlns="" id="{FE595B69-73C8-47F0-A36C-1A60BFFD90BA}"/>
+                <a16:creationId xmlns:a16="http://schemas.microsoft.com/office/drawing/2014/main" id="{FE595B69-73C8-47F0-A36C-1A60BFFD90BA}"/>
               </a:ext>
             </a:extLst>
           </p:cNvPr>
@@ -17765,7 +17607,7 @@
           <p:cNvPr id="97" name="Pfeil: Chevron 96">
             <a:extLst>
               <a:ext uri="{FF2B5EF4-FFF2-40B4-BE49-F238E27FC236}">
-                <a16:creationId xmlns:a16="http://schemas.microsoft.com/office/drawing/2014/main" xmlns="" id="{F9CC931A-063A-4AC2-A8CF-C497C78E5B29}"/>
+                <a16:creationId xmlns:a16="http://schemas.microsoft.com/office/drawing/2014/main" id="{F9CC931A-063A-4AC2-A8CF-C497C78E5B29}"/>
               </a:ext>
             </a:extLst>
           </p:cNvPr>
@@ -17833,7 +17675,7 @@
           <p:cNvPr id="99" name="Pfeil: Chevron 98">
             <a:extLst>
               <a:ext uri="{FF2B5EF4-FFF2-40B4-BE49-F238E27FC236}">
-                <a16:creationId xmlns:a16="http://schemas.microsoft.com/office/drawing/2014/main" xmlns="" id="{2050D505-3E6E-4FDD-8731-605F3876F1B7}"/>
+                <a16:creationId xmlns:a16="http://schemas.microsoft.com/office/drawing/2014/main" id="{2050D505-3E6E-4FDD-8731-605F3876F1B7}"/>
               </a:ext>
             </a:extLst>
           </p:cNvPr>
@@ -17903,7 +17745,7 @@
           <p:cNvPr id="100" name="Textfeld 115">
             <a:extLst>
               <a:ext uri="{FF2B5EF4-FFF2-40B4-BE49-F238E27FC236}">
-                <a16:creationId xmlns:a16="http://schemas.microsoft.com/office/drawing/2014/main" xmlns="" id="{27207203-E1CF-4410-8384-200882C6BF69}"/>
+                <a16:creationId xmlns:a16="http://schemas.microsoft.com/office/drawing/2014/main" id="{27207203-E1CF-4410-8384-200882C6BF69}"/>
               </a:ext>
             </a:extLst>
           </p:cNvPr>
@@ -17927,7 +17769,7 @@
           <a:lstStyle/>
           <a:p>
             <a:r>
-              <a:rPr lang="de-DE" sz="2000" dirty="0" smtClean="0"/>
+              <a:rPr lang="de-DE" sz="2000" dirty="0"/>
               <a:t>Insert()</a:t>
             </a:r>
           </a:p>
@@ -17937,7 +17779,7 @@
               <a:buChar char="•"/>
             </a:pPr>
             <a:r>
-              <a:rPr lang="de-DE" sz="2000" dirty="0" smtClean="0"/>
+              <a:rPr lang="de-DE" sz="2000" dirty="0"/>
               <a:t> recursive function</a:t>
             </a:r>
           </a:p>
@@ -17947,10 +17789,9 @@
               <a:buChar char="•"/>
             </a:pPr>
             <a:r>
-              <a:rPr lang="de-DE" sz="2000" dirty="0" smtClean="0"/>
+              <a:rPr lang="de-DE" sz="2000" dirty="0"/>
               <a:t> inserts new nuggets</a:t>
             </a:r>
-            <a:endParaRPr lang="de-DE" sz="2000" dirty="0"/>
           </a:p>
         </p:txBody>
       </p:sp>
@@ -17959,7 +17800,7 @@
           <p:cNvPr id="101" name="Textfeld 115">
             <a:extLst>
               <a:ext uri="{FF2B5EF4-FFF2-40B4-BE49-F238E27FC236}">
-                <a16:creationId xmlns:a16="http://schemas.microsoft.com/office/drawing/2014/main" xmlns="" id="{27207203-E1CF-4410-8384-200882C6BF69}"/>
+                <a16:creationId xmlns:a16="http://schemas.microsoft.com/office/drawing/2014/main" id="{27207203-E1CF-4410-8384-200882C6BF69}"/>
               </a:ext>
             </a:extLst>
           </p:cNvPr>
@@ -17984,17 +17825,16 @@
           <a:p>
             <a:pPr algn="ctr"/>
             <a:r>
-              <a:rPr lang="de-DE" dirty="0" smtClean="0"/>
+              <a:rPr lang="de-DE" dirty="0"/>
               <a:t>Nuggets</a:t>
             </a:r>
-            <a:endParaRPr lang="de-DE" dirty="0"/>
           </a:p>
         </p:txBody>
       </p:sp>
     </p:spTree>
     <p:extLst>
       <p:ext uri="{BB962C8B-B14F-4D97-AF65-F5344CB8AC3E}">
-        <p14:creationId xmlns:p14="http://schemas.microsoft.com/office/powerpoint/2010/main" xmlns="" val="3592389130"/>
+        <p14:creationId xmlns:p14="http://schemas.microsoft.com/office/powerpoint/2010/main" val="3592389130"/>
       </p:ext>
     </p:extLst>
   </p:cSld>
@@ -18026,7 +17866,7 @@
           <p:cNvPr id="143" name="Gerader Verbinder 142">
             <a:extLst>
               <a:ext uri="{FF2B5EF4-FFF2-40B4-BE49-F238E27FC236}">
-                <a16:creationId xmlns:a16="http://schemas.microsoft.com/office/drawing/2014/main" xmlns="" id="{4C3C2E83-3E17-48F9-843C-20D0AE7CC0EA}"/>
+                <a16:creationId xmlns:a16="http://schemas.microsoft.com/office/drawing/2014/main" id="{4C3C2E83-3E17-48F9-843C-20D0AE7CC0EA}"/>
               </a:ext>
             </a:extLst>
           </p:cNvPr>
@@ -18076,7 +17916,7 @@
           <p:cNvPr id="144" name="Gerader Verbinder 143">
             <a:extLst>
               <a:ext uri="{FF2B5EF4-FFF2-40B4-BE49-F238E27FC236}">
-                <a16:creationId xmlns:a16="http://schemas.microsoft.com/office/drawing/2014/main" xmlns="" id="{1808E2F0-4001-441C-A042-B8CF15382928}"/>
+                <a16:creationId xmlns:a16="http://schemas.microsoft.com/office/drawing/2014/main" id="{1808E2F0-4001-441C-A042-B8CF15382928}"/>
               </a:ext>
             </a:extLst>
           </p:cNvPr>
@@ -18126,7 +17966,7 @@
           <p:cNvPr id="146" name="Gerader Verbinder 145">
             <a:extLst>
               <a:ext uri="{FF2B5EF4-FFF2-40B4-BE49-F238E27FC236}">
-                <a16:creationId xmlns:a16="http://schemas.microsoft.com/office/drawing/2014/main" xmlns="" id="{A916DEA5-C4AA-4B3E-A759-AE6B9472D5DB}"/>
+                <a16:creationId xmlns:a16="http://schemas.microsoft.com/office/drawing/2014/main" id="{A916DEA5-C4AA-4B3E-A759-AE6B9472D5DB}"/>
               </a:ext>
             </a:extLst>
           </p:cNvPr>
@@ -18176,7 +18016,7 @@
           <p:cNvPr id="2" name="Titel 1">
             <a:extLst>
               <a:ext uri="{FF2B5EF4-FFF2-40B4-BE49-F238E27FC236}">
-                <a16:creationId xmlns:a16="http://schemas.microsoft.com/office/drawing/2014/main" xmlns="" id="{594F37A0-8FD9-42A4-A80F-4C479182787E}"/>
+                <a16:creationId xmlns:a16="http://schemas.microsoft.com/office/drawing/2014/main" id="{594F37A0-8FD9-42A4-A80F-4C479182787E}"/>
               </a:ext>
             </a:extLst>
           </p:cNvPr>
@@ -18212,10 +18052,6 @@
               <a:rPr lang="de-DE" dirty="0" err="1"/>
               <a:t>Hierachies</a:t>
             </a:r>
-            <a:r>
-              <a:rPr lang="de-DE" dirty="0"/>
-              <a:t/>
-            </a:r>
             <a:br>
               <a:rPr lang="de-DE" dirty="0"/>
             </a:br>
@@ -18254,7 +18090,7 @@
           <p:cNvPr id="82" name="Inhaltsplatzhalter 2">
             <a:extLst>
               <a:ext uri="{FF2B5EF4-FFF2-40B4-BE49-F238E27FC236}">
-                <a16:creationId xmlns:a16="http://schemas.microsoft.com/office/drawing/2014/main" xmlns="" id="{3DE5479E-FEDB-4349-9D8E-5CEAD5C97758}"/>
+                <a16:creationId xmlns:a16="http://schemas.microsoft.com/office/drawing/2014/main" id="{3DE5479E-FEDB-4349-9D8E-5CEAD5C97758}"/>
               </a:ext>
             </a:extLst>
           </p:cNvPr>
@@ -18276,7 +18112,7 @@
           <a:lstStyle/>
           <a:p>
             <a:r>
-              <a:rPr lang="de-DE" dirty="0" smtClean="0"/>
+              <a:rPr lang="de-DE" dirty="0"/>
               <a:t>compare()</a:t>
             </a:r>
           </a:p>
@@ -18286,7 +18122,7 @@
               <a:buChar char="-"/>
             </a:pPr>
             <a:r>
-              <a:rPr lang="de-DE" dirty="0" smtClean="0"/>
+              <a:rPr lang="de-DE" dirty="0"/>
               <a:t>find right position for Nugget</a:t>
             </a:r>
           </a:p>
@@ -18296,22 +18132,21 @@
               <a:buChar char="-"/>
             </a:pPr>
             <a:r>
-              <a:rPr lang="de-DE" dirty="0" smtClean="0"/>
+              <a:rPr lang="de-DE" dirty="0"/>
               <a:t>compare TF-IDF scores</a:t>
             </a:r>
           </a:p>
           <a:p>
-            <a:endParaRPr lang="de-DE" dirty="0" smtClean="0"/>
-          </a:p>
-          <a:p>
-            <a:endParaRPr lang="de-DE" dirty="0" smtClean="0"/>
-          </a:p>
-          <a:p>
-            <a:r>
-              <a:rPr lang="de-DE" dirty="0" smtClean="0"/>
+            <a:endParaRPr lang="de-DE" dirty="0"/>
+          </a:p>
+          <a:p>
+            <a:endParaRPr lang="de-DE" dirty="0"/>
+          </a:p>
+          <a:p>
+            <a:r>
+              <a:rPr lang="de-DE" dirty="0"/>
               <a:t>which()</a:t>
             </a:r>
-            <a:endParaRPr lang="de-DE" dirty="0"/>
           </a:p>
           <a:p>
             <a:pPr marL="342900" indent="-342900">
@@ -18346,13 +18181,8 @@
             </a:pPr>
             <a:r>
               <a:rPr lang="de-DE" dirty="0"/>
-              <a:t>uses </a:t>
-            </a:r>
-            <a:r>
-              <a:rPr lang="de-DE" dirty="0" smtClean="0"/>
-              <a:t>NLTK path_similarity()</a:t>
-            </a:r>
-            <a:endParaRPr lang="de-DE" dirty="0"/>
+              <a:t>uses NLTK path_similarity()</a:t>
+            </a:r>
           </a:p>
           <a:p>
             <a:pPr marL="0" indent="0"/>
@@ -18373,7 +18203,7 @@
           <p:cNvPr id="41" name="Gruppieren 40">
             <a:extLst>
               <a:ext uri="{FF2B5EF4-FFF2-40B4-BE49-F238E27FC236}">
-                <a16:creationId xmlns:a16="http://schemas.microsoft.com/office/drawing/2014/main" xmlns="" id="{E398B641-73C2-4907-ADF6-00A4F44C9BE4}"/>
+                <a16:creationId xmlns:a16="http://schemas.microsoft.com/office/drawing/2014/main" id="{E398B641-73C2-4907-ADF6-00A4F44C9BE4}"/>
               </a:ext>
             </a:extLst>
           </p:cNvPr>
@@ -18393,7 +18223,7 @@
             <p:cNvPr id="97" name="Rechteck 96">
               <a:extLst>
                 <a:ext uri="{FF2B5EF4-FFF2-40B4-BE49-F238E27FC236}">
-                  <a16:creationId xmlns:a16="http://schemas.microsoft.com/office/drawing/2014/main" xmlns="" id="{44B73694-E3DC-4152-926D-66C1BBA0B99E}"/>
+                  <a16:creationId xmlns:a16="http://schemas.microsoft.com/office/drawing/2014/main" id="{44B73694-E3DC-4152-926D-66C1BBA0B99E}"/>
                 </a:ext>
               </a:extLst>
             </p:cNvPr>
@@ -18450,7 +18280,7 @@
             <p:cNvPr id="17" name="Gerader Verbinder 16">
               <a:extLst>
                 <a:ext uri="{FF2B5EF4-FFF2-40B4-BE49-F238E27FC236}">
-                  <a16:creationId xmlns:a16="http://schemas.microsoft.com/office/drawing/2014/main" xmlns="" id="{BEC9F659-EE99-49CC-83C3-4ADA1285F39A}"/>
+                  <a16:creationId xmlns:a16="http://schemas.microsoft.com/office/drawing/2014/main" id="{BEC9F659-EE99-49CC-83C3-4ADA1285F39A}"/>
                 </a:ext>
               </a:extLst>
             </p:cNvPr>
@@ -18495,7 +18325,7 @@
             <p:cNvPr id="132" name="Gruppieren 131">
               <a:extLst>
                 <a:ext uri="{FF2B5EF4-FFF2-40B4-BE49-F238E27FC236}">
-                  <a16:creationId xmlns:a16="http://schemas.microsoft.com/office/drawing/2014/main" xmlns="" id="{9EDA5772-3C01-4CE8-8FBD-BB5AB2ADE169}"/>
+                  <a16:creationId xmlns:a16="http://schemas.microsoft.com/office/drawing/2014/main" id="{9EDA5772-3C01-4CE8-8FBD-BB5AB2ADE169}"/>
                 </a:ext>
               </a:extLst>
             </p:cNvPr>
@@ -18515,7 +18345,7 @@
               <p:cNvPr id="133" name="Ellipse 132">
                 <a:extLst>
                   <a:ext uri="{FF2B5EF4-FFF2-40B4-BE49-F238E27FC236}">
-                    <a16:creationId xmlns:a16="http://schemas.microsoft.com/office/drawing/2014/main" xmlns="" id="{2CDB4568-4B80-44D3-B8D1-4FD3C04B1E3B}"/>
+                    <a16:creationId xmlns:a16="http://schemas.microsoft.com/office/drawing/2014/main" id="{2CDB4568-4B80-44D3-B8D1-4FD3C04B1E3B}"/>
                   </a:ext>
                 </a:extLst>
               </p:cNvPr>
@@ -18569,7 +18399,7 @@
               <p:cNvPr id="134" name="Rechteck 133">
                 <a:extLst>
                   <a:ext uri="{FF2B5EF4-FFF2-40B4-BE49-F238E27FC236}">
-                    <a16:creationId xmlns:a16="http://schemas.microsoft.com/office/drawing/2014/main" xmlns="" id="{96D466F6-ED40-45E5-84C3-D51F31EEB296}"/>
+                    <a16:creationId xmlns:a16="http://schemas.microsoft.com/office/drawing/2014/main" id="{96D466F6-ED40-45E5-84C3-D51F31EEB296}"/>
                   </a:ext>
                 </a:extLst>
               </p:cNvPr>
@@ -18623,7 +18453,7 @@
               <p:cNvPr id="135" name="Rechteck 134">
                 <a:extLst>
                   <a:ext uri="{FF2B5EF4-FFF2-40B4-BE49-F238E27FC236}">
-                    <a16:creationId xmlns:a16="http://schemas.microsoft.com/office/drawing/2014/main" xmlns="" id="{D240755B-CC06-4E82-A8DF-8225AC60E936}"/>
+                    <a16:creationId xmlns:a16="http://schemas.microsoft.com/office/drawing/2014/main" id="{D240755B-CC06-4E82-A8DF-8225AC60E936}"/>
                   </a:ext>
                 </a:extLst>
               </p:cNvPr>
@@ -18677,7 +18507,7 @@
               <p:cNvPr id="136" name="Gerader Verbinder 135">
                 <a:extLst>
                   <a:ext uri="{FF2B5EF4-FFF2-40B4-BE49-F238E27FC236}">
-                    <a16:creationId xmlns:a16="http://schemas.microsoft.com/office/drawing/2014/main" xmlns="" id="{3E98498B-042C-4FDD-A8A6-39D8156EF045}"/>
+                    <a16:creationId xmlns:a16="http://schemas.microsoft.com/office/drawing/2014/main" id="{3E98498B-042C-4FDD-A8A6-39D8156EF045}"/>
                   </a:ext>
                 </a:extLst>
               </p:cNvPr>
@@ -18725,7 +18555,7 @@
               <p:cNvPr id="137" name="Gerader Verbinder 136">
                 <a:extLst>
                   <a:ext uri="{FF2B5EF4-FFF2-40B4-BE49-F238E27FC236}">
-                    <a16:creationId xmlns:a16="http://schemas.microsoft.com/office/drawing/2014/main" xmlns="" id="{7A7C0BE9-0F54-45AD-BABF-EB7B76EEB44D}"/>
+                    <a16:creationId xmlns:a16="http://schemas.microsoft.com/office/drawing/2014/main" id="{7A7C0BE9-0F54-45AD-BABF-EB7B76EEB44D}"/>
                   </a:ext>
                 </a:extLst>
               </p:cNvPr>
@@ -18773,7 +18603,7 @@
               <p:cNvPr id="138" name="Gerader Verbinder 137">
                 <a:extLst>
                   <a:ext uri="{FF2B5EF4-FFF2-40B4-BE49-F238E27FC236}">
-                    <a16:creationId xmlns:a16="http://schemas.microsoft.com/office/drawing/2014/main" xmlns="" id="{C05022BD-3D3D-42A0-A133-5A0341D32A9C}"/>
+                    <a16:creationId xmlns:a16="http://schemas.microsoft.com/office/drawing/2014/main" id="{C05022BD-3D3D-42A0-A133-5A0341D32A9C}"/>
                   </a:ext>
                 </a:extLst>
               </p:cNvPr>
@@ -18819,7 +18649,7 @@
           <p:cNvPr id="24" name="Gruppieren 23">
             <a:extLst>
               <a:ext uri="{FF2B5EF4-FFF2-40B4-BE49-F238E27FC236}">
-                <a16:creationId xmlns:a16="http://schemas.microsoft.com/office/drawing/2014/main" xmlns="" id="{D04BC624-D1B8-4921-82B9-96DDA701CCC0}"/>
+                <a16:creationId xmlns:a16="http://schemas.microsoft.com/office/drawing/2014/main" id="{D04BC624-D1B8-4921-82B9-96DDA701CCC0}"/>
               </a:ext>
             </a:extLst>
           </p:cNvPr>
@@ -18839,7 +18669,7 @@
             <p:cNvPr id="99" name="Ellipse 98">
               <a:extLst>
                 <a:ext uri="{FF2B5EF4-FFF2-40B4-BE49-F238E27FC236}">
-                  <a16:creationId xmlns:a16="http://schemas.microsoft.com/office/drawing/2014/main" xmlns="" id="{00B8BFAC-D056-45A9-ACC0-2E17FD167B44}"/>
+                  <a16:creationId xmlns:a16="http://schemas.microsoft.com/office/drawing/2014/main" id="{00B8BFAC-D056-45A9-ACC0-2E17FD167B44}"/>
                 </a:ext>
               </a:extLst>
             </p:cNvPr>
@@ -18893,7 +18723,7 @@
             <p:cNvPr id="100" name="Rechteck 99">
               <a:extLst>
                 <a:ext uri="{FF2B5EF4-FFF2-40B4-BE49-F238E27FC236}">
-                  <a16:creationId xmlns:a16="http://schemas.microsoft.com/office/drawing/2014/main" xmlns="" id="{73D84688-B7BD-495F-B7A1-4F0C497DC98B}"/>
+                  <a16:creationId xmlns:a16="http://schemas.microsoft.com/office/drawing/2014/main" id="{73D84688-B7BD-495F-B7A1-4F0C497DC98B}"/>
                 </a:ext>
               </a:extLst>
             </p:cNvPr>
@@ -18947,7 +18777,7 @@
             <p:cNvPr id="101" name="Rechteck 100">
               <a:extLst>
                 <a:ext uri="{FF2B5EF4-FFF2-40B4-BE49-F238E27FC236}">
-                  <a16:creationId xmlns:a16="http://schemas.microsoft.com/office/drawing/2014/main" xmlns="" id="{69DB1CCE-BF1E-45CE-967A-333EF02D87FF}"/>
+                  <a16:creationId xmlns:a16="http://schemas.microsoft.com/office/drawing/2014/main" id="{69DB1CCE-BF1E-45CE-967A-333EF02D87FF}"/>
                 </a:ext>
               </a:extLst>
             </p:cNvPr>
@@ -19001,7 +18831,7 @@
             <p:cNvPr id="103" name="Gerader Verbinder 102">
               <a:extLst>
                 <a:ext uri="{FF2B5EF4-FFF2-40B4-BE49-F238E27FC236}">
-                  <a16:creationId xmlns:a16="http://schemas.microsoft.com/office/drawing/2014/main" xmlns="" id="{1297057B-5F1E-417F-9C72-8B7F669DAD12}"/>
+                  <a16:creationId xmlns:a16="http://schemas.microsoft.com/office/drawing/2014/main" id="{1297057B-5F1E-417F-9C72-8B7F669DAD12}"/>
                 </a:ext>
               </a:extLst>
             </p:cNvPr>
@@ -19049,7 +18879,7 @@
             <p:cNvPr id="105" name="Gerader Verbinder 104">
               <a:extLst>
                 <a:ext uri="{FF2B5EF4-FFF2-40B4-BE49-F238E27FC236}">
-                  <a16:creationId xmlns:a16="http://schemas.microsoft.com/office/drawing/2014/main" xmlns="" id="{7DD41ABD-F226-4570-92C3-6CECD7A36310}"/>
+                  <a16:creationId xmlns:a16="http://schemas.microsoft.com/office/drawing/2014/main" id="{7DD41ABD-F226-4570-92C3-6CECD7A36310}"/>
                 </a:ext>
               </a:extLst>
             </p:cNvPr>
@@ -19097,7 +18927,7 @@
             <p:cNvPr id="106" name="Gerader Verbinder 105">
               <a:extLst>
                 <a:ext uri="{FF2B5EF4-FFF2-40B4-BE49-F238E27FC236}">
-                  <a16:creationId xmlns:a16="http://schemas.microsoft.com/office/drawing/2014/main" xmlns="" id="{5238696D-1863-4639-B822-D3DB58DD925D}"/>
+                  <a16:creationId xmlns:a16="http://schemas.microsoft.com/office/drawing/2014/main" id="{5238696D-1863-4639-B822-D3DB58DD925D}"/>
                 </a:ext>
               </a:extLst>
             </p:cNvPr>
@@ -19142,7 +18972,7 @@
           <p:cNvPr id="107" name="Rechteck 106">
             <a:extLst>
               <a:ext uri="{FF2B5EF4-FFF2-40B4-BE49-F238E27FC236}">
-                <a16:creationId xmlns:a16="http://schemas.microsoft.com/office/drawing/2014/main" xmlns="" id="{7A8F02D8-8430-4ECE-BE5F-1276638B515D}"/>
+                <a16:creationId xmlns:a16="http://schemas.microsoft.com/office/drawing/2014/main" id="{7A8F02D8-8430-4ECE-BE5F-1276638B515D}"/>
               </a:ext>
             </a:extLst>
           </p:cNvPr>
@@ -19199,7 +19029,7 @@
           <p:cNvPr id="108" name="Gruppieren 107">
             <a:extLst>
               <a:ext uri="{FF2B5EF4-FFF2-40B4-BE49-F238E27FC236}">
-                <a16:creationId xmlns:a16="http://schemas.microsoft.com/office/drawing/2014/main" xmlns="" id="{96C7F909-89DC-4D2C-B6C4-1D49B9A8ABFB}"/>
+                <a16:creationId xmlns:a16="http://schemas.microsoft.com/office/drawing/2014/main" id="{96C7F909-89DC-4D2C-B6C4-1D49B9A8ABFB}"/>
               </a:ext>
             </a:extLst>
           </p:cNvPr>
@@ -19219,7 +19049,7 @@
             <p:cNvPr id="110" name="Ellipse 109">
               <a:extLst>
                 <a:ext uri="{FF2B5EF4-FFF2-40B4-BE49-F238E27FC236}">
-                  <a16:creationId xmlns:a16="http://schemas.microsoft.com/office/drawing/2014/main" xmlns="" id="{005BAC3C-D24E-4982-B89C-27FAE9DC31E6}"/>
+                  <a16:creationId xmlns:a16="http://schemas.microsoft.com/office/drawing/2014/main" id="{005BAC3C-D24E-4982-B89C-27FAE9DC31E6}"/>
                 </a:ext>
               </a:extLst>
             </p:cNvPr>
@@ -19273,7 +19103,7 @@
             <p:cNvPr id="112" name="Rechteck 111">
               <a:extLst>
                 <a:ext uri="{FF2B5EF4-FFF2-40B4-BE49-F238E27FC236}">
-                  <a16:creationId xmlns:a16="http://schemas.microsoft.com/office/drawing/2014/main" xmlns="" id="{0EEE4AD9-1C09-4AD7-AA08-65578CD2021F}"/>
+                  <a16:creationId xmlns:a16="http://schemas.microsoft.com/office/drawing/2014/main" id="{0EEE4AD9-1C09-4AD7-AA08-65578CD2021F}"/>
                 </a:ext>
               </a:extLst>
             </p:cNvPr>
@@ -19327,7 +19157,7 @@
             <p:cNvPr id="115" name="Rechteck 114">
               <a:extLst>
                 <a:ext uri="{FF2B5EF4-FFF2-40B4-BE49-F238E27FC236}">
-                  <a16:creationId xmlns:a16="http://schemas.microsoft.com/office/drawing/2014/main" xmlns="" id="{1D2B729A-BC05-40B1-B1D6-A6CA45024335}"/>
+                  <a16:creationId xmlns:a16="http://schemas.microsoft.com/office/drawing/2014/main" id="{1D2B729A-BC05-40B1-B1D6-A6CA45024335}"/>
                 </a:ext>
               </a:extLst>
             </p:cNvPr>
@@ -19381,7 +19211,7 @@
             <p:cNvPr id="122" name="Gerader Verbinder 121">
               <a:extLst>
                 <a:ext uri="{FF2B5EF4-FFF2-40B4-BE49-F238E27FC236}">
-                  <a16:creationId xmlns:a16="http://schemas.microsoft.com/office/drawing/2014/main" xmlns="" id="{1A02E2C7-4E4A-4C23-9F3B-FD92C1B6CE9C}"/>
+                  <a16:creationId xmlns:a16="http://schemas.microsoft.com/office/drawing/2014/main" id="{1A02E2C7-4E4A-4C23-9F3B-FD92C1B6CE9C}"/>
                 </a:ext>
               </a:extLst>
             </p:cNvPr>
@@ -19429,7 +19259,7 @@
             <p:cNvPr id="123" name="Gerader Verbinder 122">
               <a:extLst>
                 <a:ext uri="{FF2B5EF4-FFF2-40B4-BE49-F238E27FC236}">
-                  <a16:creationId xmlns:a16="http://schemas.microsoft.com/office/drawing/2014/main" xmlns="" id="{F5FA05C5-54DE-48B2-BEAF-8AFE459EC9F0}"/>
+                  <a16:creationId xmlns:a16="http://schemas.microsoft.com/office/drawing/2014/main" id="{F5FA05C5-54DE-48B2-BEAF-8AFE459EC9F0}"/>
                 </a:ext>
               </a:extLst>
             </p:cNvPr>
@@ -19477,7 +19307,7 @@
             <p:cNvPr id="124" name="Gerader Verbinder 123">
               <a:extLst>
                 <a:ext uri="{FF2B5EF4-FFF2-40B4-BE49-F238E27FC236}">
-                  <a16:creationId xmlns:a16="http://schemas.microsoft.com/office/drawing/2014/main" xmlns="" id="{CED04324-A62C-4EA2-BC81-5A808FFAF61E}"/>
+                  <a16:creationId xmlns:a16="http://schemas.microsoft.com/office/drawing/2014/main" id="{CED04324-A62C-4EA2-BC81-5A808FFAF61E}"/>
                 </a:ext>
               </a:extLst>
             </p:cNvPr>
@@ -19522,7 +19352,7 @@
           <p:cNvPr id="125" name="Gruppieren 124">
             <a:extLst>
               <a:ext uri="{FF2B5EF4-FFF2-40B4-BE49-F238E27FC236}">
-                <a16:creationId xmlns:a16="http://schemas.microsoft.com/office/drawing/2014/main" xmlns="" id="{320327D5-173D-451C-8EDB-7FAB7AD9DD20}"/>
+                <a16:creationId xmlns:a16="http://schemas.microsoft.com/office/drawing/2014/main" id="{320327D5-173D-451C-8EDB-7FAB7AD9DD20}"/>
               </a:ext>
             </a:extLst>
           </p:cNvPr>
@@ -19542,7 +19372,7 @@
             <p:cNvPr id="126" name="Ellipse 125">
               <a:extLst>
                 <a:ext uri="{FF2B5EF4-FFF2-40B4-BE49-F238E27FC236}">
-                  <a16:creationId xmlns:a16="http://schemas.microsoft.com/office/drawing/2014/main" xmlns="" id="{274D9387-6B5C-401E-B4C8-130AF81B531A}"/>
+                  <a16:creationId xmlns:a16="http://schemas.microsoft.com/office/drawing/2014/main" id="{274D9387-6B5C-401E-B4C8-130AF81B531A}"/>
                 </a:ext>
               </a:extLst>
             </p:cNvPr>
@@ -19596,7 +19426,7 @@
             <p:cNvPr id="127" name="Rechteck 126">
               <a:extLst>
                 <a:ext uri="{FF2B5EF4-FFF2-40B4-BE49-F238E27FC236}">
-                  <a16:creationId xmlns:a16="http://schemas.microsoft.com/office/drawing/2014/main" xmlns="" id="{038A19BF-BD00-4B5F-A0BD-94502AD71F85}"/>
+                  <a16:creationId xmlns:a16="http://schemas.microsoft.com/office/drawing/2014/main" id="{038A19BF-BD00-4B5F-A0BD-94502AD71F85}"/>
                 </a:ext>
               </a:extLst>
             </p:cNvPr>
@@ -19650,7 +19480,7 @@
             <p:cNvPr id="128" name="Rechteck 127">
               <a:extLst>
                 <a:ext uri="{FF2B5EF4-FFF2-40B4-BE49-F238E27FC236}">
-                  <a16:creationId xmlns:a16="http://schemas.microsoft.com/office/drawing/2014/main" xmlns="" id="{65298760-2D76-423D-8227-8970A2B52C77}"/>
+                  <a16:creationId xmlns:a16="http://schemas.microsoft.com/office/drawing/2014/main" id="{65298760-2D76-423D-8227-8970A2B52C77}"/>
                 </a:ext>
               </a:extLst>
             </p:cNvPr>
@@ -19704,7 +19534,7 @@
             <p:cNvPr id="129" name="Gerader Verbinder 128">
               <a:extLst>
                 <a:ext uri="{FF2B5EF4-FFF2-40B4-BE49-F238E27FC236}">
-                  <a16:creationId xmlns:a16="http://schemas.microsoft.com/office/drawing/2014/main" xmlns="" id="{0622082E-0C96-4716-952A-4EFB1F35931E}"/>
+                  <a16:creationId xmlns:a16="http://schemas.microsoft.com/office/drawing/2014/main" id="{0622082E-0C96-4716-952A-4EFB1F35931E}"/>
                 </a:ext>
               </a:extLst>
             </p:cNvPr>
@@ -19752,7 +19582,7 @@
             <p:cNvPr id="130" name="Gerader Verbinder 129">
               <a:extLst>
                 <a:ext uri="{FF2B5EF4-FFF2-40B4-BE49-F238E27FC236}">
-                  <a16:creationId xmlns:a16="http://schemas.microsoft.com/office/drawing/2014/main" xmlns="" id="{1A39AD16-EE27-464A-A265-0C48B8D20EC3}"/>
+                  <a16:creationId xmlns:a16="http://schemas.microsoft.com/office/drawing/2014/main" id="{1A39AD16-EE27-464A-A265-0C48B8D20EC3}"/>
                 </a:ext>
               </a:extLst>
             </p:cNvPr>
@@ -19800,7 +19630,7 @@
             <p:cNvPr id="131" name="Gerader Verbinder 130">
               <a:extLst>
                 <a:ext uri="{FF2B5EF4-FFF2-40B4-BE49-F238E27FC236}">
-                  <a16:creationId xmlns:a16="http://schemas.microsoft.com/office/drawing/2014/main" xmlns="" id="{F40C5656-2493-42F0-9217-D4810481E7E2}"/>
+                  <a16:creationId xmlns:a16="http://schemas.microsoft.com/office/drawing/2014/main" id="{F40C5656-2493-42F0-9217-D4810481E7E2}"/>
                 </a:ext>
               </a:extLst>
             </p:cNvPr>
@@ -19845,7 +19675,7 @@
           <p:cNvPr id="140" name="Ellipse 139">
             <a:extLst>
               <a:ext uri="{FF2B5EF4-FFF2-40B4-BE49-F238E27FC236}">
-                <a16:creationId xmlns:a16="http://schemas.microsoft.com/office/drawing/2014/main" xmlns="" id="{7F05F61F-0845-4356-9136-9654EDCDEE40}"/>
+                <a16:creationId xmlns:a16="http://schemas.microsoft.com/office/drawing/2014/main" id="{7F05F61F-0845-4356-9136-9654EDCDEE40}"/>
               </a:ext>
             </a:extLst>
           </p:cNvPr>
@@ -19902,7 +19732,7 @@
           <p:cNvPr id="141" name="Rechteck 140">
             <a:extLst>
               <a:ext uri="{FF2B5EF4-FFF2-40B4-BE49-F238E27FC236}">
-                <a16:creationId xmlns:a16="http://schemas.microsoft.com/office/drawing/2014/main" xmlns="" id="{D884463F-3390-40C5-815A-94BE95D290C0}"/>
+                <a16:creationId xmlns:a16="http://schemas.microsoft.com/office/drawing/2014/main" id="{D884463F-3390-40C5-815A-94BE95D290C0}"/>
               </a:ext>
             </a:extLst>
           </p:cNvPr>
@@ -19959,7 +19789,7 @@
           <p:cNvPr id="142" name="Rechteck 141">
             <a:extLst>
               <a:ext uri="{FF2B5EF4-FFF2-40B4-BE49-F238E27FC236}">
-                <a16:creationId xmlns:a16="http://schemas.microsoft.com/office/drawing/2014/main" xmlns="" id="{B4D4A6C0-87BE-4ADA-A582-D90C5D471F3B}"/>
+                <a16:creationId xmlns:a16="http://schemas.microsoft.com/office/drawing/2014/main" id="{B4D4A6C0-87BE-4ADA-A582-D90C5D471F3B}"/>
               </a:ext>
             </a:extLst>
           </p:cNvPr>
@@ -20016,7 +19846,7 @@
           <p:cNvPr id="145" name="Gerader Verbinder 144">
             <a:extLst>
               <a:ext uri="{FF2B5EF4-FFF2-40B4-BE49-F238E27FC236}">
-                <a16:creationId xmlns:a16="http://schemas.microsoft.com/office/drawing/2014/main" xmlns="" id="{7D0581FC-0B4D-4C9E-B767-A45D8EFC67FF}"/>
+                <a16:creationId xmlns:a16="http://schemas.microsoft.com/office/drawing/2014/main" id="{7D0581FC-0B4D-4C9E-B767-A45D8EFC67FF}"/>
               </a:ext>
             </a:extLst>
           </p:cNvPr>
@@ -20064,7 +19894,7 @@
           <p:cNvPr id="147" name="Gerader Verbinder 146">
             <a:extLst>
               <a:ext uri="{FF2B5EF4-FFF2-40B4-BE49-F238E27FC236}">
-                <a16:creationId xmlns:a16="http://schemas.microsoft.com/office/drawing/2014/main" xmlns="" id="{2A8A01D3-FC8D-4852-AF75-33EA98DC7860}"/>
+                <a16:creationId xmlns:a16="http://schemas.microsoft.com/office/drawing/2014/main" id="{2A8A01D3-FC8D-4852-AF75-33EA98DC7860}"/>
               </a:ext>
             </a:extLst>
           </p:cNvPr>
@@ -20111,7 +19941,7 @@
           <p:cNvPr id="148" name="Gerader Verbinder 147">
             <a:extLst>
               <a:ext uri="{FF2B5EF4-FFF2-40B4-BE49-F238E27FC236}">
-                <a16:creationId xmlns:a16="http://schemas.microsoft.com/office/drawing/2014/main" xmlns="" id="{3547AB33-B599-4C1C-863B-6FCEE23D94DE}"/>
+                <a16:creationId xmlns:a16="http://schemas.microsoft.com/office/drawing/2014/main" id="{3547AB33-B599-4C1C-863B-6FCEE23D94DE}"/>
               </a:ext>
             </a:extLst>
           </p:cNvPr>
@@ -20158,7 +19988,7 @@
           <p:cNvPr id="149" name="Gerader Verbinder 148">
             <a:extLst>
               <a:ext uri="{FF2B5EF4-FFF2-40B4-BE49-F238E27FC236}">
-                <a16:creationId xmlns:a16="http://schemas.microsoft.com/office/drawing/2014/main" xmlns="" id="{45FFF2BB-7A0C-4029-AB43-5BA5ECB3DB6D}"/>
+                <a16:creationId xmlns:a16="http://schemas.microsoft.com/office/drawing/2014/main" id="{45FFF2BB-7A0C-4029-AB43-5BA5ECB3DB6D}"/>
               </a:ext>
             </a:extLst>
           </p:cNvPr>
@@ -20205,7 +20035,7 @@
           <p:cNvPr id="50" name="Pfeil: Chevron 49">
             <a:extLst>
               <a:ext uri="{FF2B5EF4-FFF2-40B4-BE49-F238E27FC236}">
-                <a16:creationId xmlns:a16="http://schemas.microsoft.com/office/drawing/2014/main" xmlns="" id="{C24D5437-0874-47EF-9527-06CA2FE7E239}"/>
+                <a16:creationId xmlns:a16="http://schemas.microsoft.com/office/drawing/2014/main" id="{C24D5437-0874-47EF-9527-06CA2FE7E239}"/>
               </a:ext>
             </a:extLst>
           </p:cNvPr>
@@ -20270,7 +20100,7 @@
           <p:cNvPr id="51" name="Pfeil: Chevron 50">
             <a:extLst>
               <a:ext uri="{FF2B5EF4-FFF2-40B4-BE49-F238E27FC236}">
-                <a16:creationId xmlns:a16="http://schemas.microsoft.com/office/drawing/2014/main" xmlns="" id="{8619EAA0-4C26-4440-AD1A-63161F472AA0}"/>
+                <a16:creationId xmlns:a16="http://schemas.microsoft.com/office/drawing/2014/main" id="{8619EAA0-4C26-4440-AD1A-63161F472AA0}"/>
               </a:ext>
             </a:extLst>
           </p:cNvPr>
@@ -20338,7 +20168,7 @@
           <p:cNvPr id="52" name="Pfeil: Chevron 51">
             <a:extLst>
               <a:ext uri="{FF2B5EF4-FFF2-40B4-BE49-F238E27FC236}">
-                <a16:creationId xmlns:a16="http://schemas.microsoft.com/office/drawing/2014/main" xmlns="" id="{BBA9295F-E65D-4B6A-85F8-18CD66845184}"/>
+                <a16:creationId xmlns:a16="http://schemas.microsoft.com/office/drawing/2014/main" id="{BBA9295F-E65D-4B6A-85F8-18CD66845184}"/>
               </a:ext>
             </a:extLst>
           </p:cNvPr>
@@ -20406,7 +20236,7 @@
     </p:spTree>
     <p:extLst>
       <p:ext uri="{BB962C8B-B14F-4D97-AF65-F5344CB8AC3E}">
-        <p14:creationId xmlns:p14="http://schemas.microsoft.com/office/powerpoint/2010/main" xmlns="" val="733313450"/>
+        <p14:creationId xmlns:p14="http://schemas.microsoft.com/office/powerpoint/2010/main" val="733313450"/>
       </p:ext>
     </p:extLst>
   </p:cSld>
@@ -20438,7 +20268,7 @@
           <p:cNvPr id="2" name="Titel 1">
             <a:extLst>
               <a:ext uri="{FF2B5EF4-FFF2-40B4-BE49-F238E27FC236}">
-                <a16:creationId xmlns:a16="http://schemas.microsoft.com/office/drawing/2014/main" xmlns="" id="{594F37A0-8FD9-42A4-A80F-4C479182787E}"/>
+                <a16:creationId xmlns:a16="http://schemas.microsoft.com/office/drawing/2014/main" id="{594F37A0-8FD9-42A4-A80F-4C479182787E}"/>
               </a:ext>
             </a:extLst>
           </p:cNvPr>
@@ -20474,10 +20304,6 @@
               <a:rPr lang="de-DE" dirty="0" err="1"/>
               <a:t>Hierachies</a:t>
             </a:r>
-            <a:r>
-              <a:rPr lang="de-DE" dirty="0"/>
-              <a:t/>
-            </a:r>
             <a:br>
               <a:rPr lang="de-DE" dirty="0"/>
             </a:br>
@@ -20514,7 +20340,7 @@
           <p:cNvPr id="82" name="Inhaltsplatzhalter 2">
             <a:extLst>
               <a:ext uri="{FF2B5EF4-FFF2-40B4-BE49-F238E27FC236}">
-                <a16:creationId xmlns:a16="http://schemas.microsoft.com/office/drawing/2014/main" xmlns="" id="{3DE5479E-FEDB-4349-9D8E-5CEAD5C97758}"/>
+                <a16:creationId xmlns:a16="http://schemas.microsoft.com/office/drawing/2014/main" id="{3DE5479E-FEDB-4349-9D8E-5CEAD5C97758}"/>
               </a:ext>
             </a:extLst>
           </p:cNvPr>
@@ -20540,12 +20366,8 @@
               <a:buChar char="•"/>
             </a:pPr>
             <a:r>
-              <a:rPr lang="de-DE" dirty="0" smtClean="0"/>
-              <a:t>We tried </a:t>
-            </a:r>
-            <a:r>
               <a:rPr lang="de-DE" dirty="0"/>
-              <a:t>Annotation Tool from AIPHES</a:t>
+              <a:t>We tried Annotation Tool from AIPHES</a:t>
             </a:r>
           </a:p>
           <a:p>
@@ -20555,21 +20377,8 @@
             </a:pPr>
             <a:r>
               <a:rPr lang="de-DE" dirty="0"/>
-              <a:t>11% similarity </a:t>
-            </a:r>
-            <a:r>
-              <a:rPr lang="de-DE" dirty="0" smtClean="0"/>
-              <a:t>average against </a:t>
-            </a:r>
-            <a:r>
-              <a:rPr lang="de-DE" dirty="0"/>
-              <a:t>Gold </a:t>
-            </a:r>
-            <a:r>
-              <a:rPr lang="de-DE" dirty="0" smtClean="0"/>
-              <a:t>standard (same as Random Trees)</a:t>
-            </a:r>
-            <a:endParaRPr lang="de-DE" dirty="0"/>
+              <a:t>11% similarity average against Gold standard (same as Random Trees)</a:t>
+            </a:r>
           </a:p>
           <a:p>
             <a:pPr marL="701675" lvl="2" indent="-342900">
@@ -20662,11 +20471,7 @@
             </a:pPr>
             <a:r>
               <a:rPr lang="de-DE" dirty="0"/>
-              <a:t>our algorithm is slow (&gt;30 min) with 300+ </a:t>
-            </a:r>
-            <a:r>
-              <a:rPr lang="de-DE" dirty="0" smtClean="0"/>
-              <a:t>Nuggets</a:t>
+              <a:t>our algorithm is slow (&gt;30 min) with 300+ Nuggets</a:t>
             </a:r>
           </a:p>
           <a:p>
@@ -20682,18 +20487,9 @@
               <a:buChar char="•"/>
             </a:pPr>
             <a:r>
-              <a:rPr lang="de-DE" dirty="0" smtClean="0"/>
-              <a:t>Find </a:t>
-            </a:r>
-            <a:r>
-              <a:rPr lang="de-DE" dirty="0" smtClean="0"/>
-              <a:t>„right“ </a:t>
-            </a:r>
-            <a:r>
-              <a:rPr lang="de-DE" dirty="0" smtClean="0"/>
-              <a:t>balance instead</a:t>
-            </a:r>
-            <a:endParaRPr lang="de-DE" dirty="0" smtClean="0"/>
+              <a:rPr lang="de-DE" dirty="0"/>
+              <a:t>Find „right“ balance instead</a:t>
+            </a:r>
           </a:p>
           <a:p>
             <a:pPr marL="701675" lvl="2" indent="-342900">
@@ -20701,16 +20497,8 @@
               <a:buChar char="•"/>
             </a:pPr>
             <a:r>
-              <a:rPr lang="de-DE" dirty="0" smtClean="0"/>
-              <a:t>1-5 Nuggets </a:t>
-            </a:r>
-            <a:r>
-              <a:rPr lang="de-DE" dirty="0" smtClean="0"/>
-              <a:t>in each </a:t>
-            </a:r>
-            <a:r>
-              <a:rPr lang="de-DE" dirty="0" smtClean="0"/>
-              <a:t>Bubble</a:t>
+              <a:rPr lang="de-DE" dirty="0"/>
+              <a:t>1-5 Nuggets in each Bubble</a:t>
             </a:r>
           </a:p>
           <a:p>
@@ -20719,12 +20507,8 @@
               <a:buChar char="•"/>
             </a:pPr>
             <a:r>
-              <a:rPr lang="de-DE" dirty="0" smtClean="0"/>
-              <a:t>5+ Bubbles </a:t>
-            </a:r>
-            <a:r>
-              <a:rPr lang="de-DE" dirty="0" smtClean="0"/>
-              <a:t>in root node</a:t>
+              <a:rPr lang="de-DE" dirty="0"/>
+              <a:t>5+ Bubbles in root node</a:t>
             </a:r>
           </a:p>
           <a:p>
@@ -20741,7 +20525,7 @@
           <p:cNvPr id="50" name="Pfeil: Chevron 49">
             <a:extLst>
               <a:ext uri="{FF2B5EF4-FFF2-40B4-BE49-F238E27FC236}">
-                <a16:creationId xmlns:a16="http://schemas.microsoft.com/office/drawing/2014/main" xmlns="" id="{C24D5437-0874-47EF-9527-06CA2FE7E239}"/>
+                <a16:creationId xmlns:a16="http://schemas.microsoft.com/office/drawing/2014/main" id="{C24D5437-0874-47EF-9527-06CA2FE7E239}"/>
               </a:ext>
             </a:extLst>
           </p:cNvPr>
@@ -20806,7 +20590,7 @@
           <p:cNvPr id="51" name="Pfeil: Chevron 50">
             <a:extLst>
               <a:ext uri="{FF2B5EF4-FFF2-40B4-BE49-F238E27FC236}">
-                <a16:creationId xmlns:a16="http://schemas.microsoft.com/office/drawing/2014/main" xmlns="" id="{8619EAA0-4C26-4440-AD1A-63161F472AA0}"/>
+                <a16:creationId xmlns:a16="http://schemas.microsoft.com/office/drawing/2014/main" id="{8619EAA0-4C26-4440-AD1A-63161F472AA0}"/>
               </a:ext>
             </a:extLst>
           </p:cNvPr>
@@ -20874,7 +20658,7 @@
           <p:cNvPr id="52" name="Pfeil: Chevron 51">
             <a:extLst>
               <a:ext uri="{FF2B5EF4-FFF2-40B4-BE49-F238E27FC236}">
-                <a16:creationId xmlns:a16="http://schemas.microsoft.com/office/drawing/2014/main" xmlns="" id="{BBA9295F-E65D-4B6A-85F8-18CD66845184}"/>
+                <a16:creationId xmlns:a16="http://schemas.microsoft.com/office/drawing/2014/main" id="{BBA9295F-E65D-4B6A-85F8-18CD66845184}"/>
               </a:ext>
             </a:extLst>
           </p:cNvPr>
@@ -20942,7 +20726,7 @@
     </p:spTree>
     <p:extLst>
       <p:ext uri="{BB962C8B-B14F-4D97-AF65-F5344CB8AC3E}">
-        <p14:creationId xmlns:p14="http://schemas.microsoft.com/office/powerpoint/2010/main" xmlns="" val="1172763361"/>
+        <p14:creationId xmlns:p14="http://schemas.microsoft.com/office/powerpoint/2010/main" val="1172763361"/>
       </p:ext>
     </p:extLst>
   </p:cSld>
@@ -20974,7 +20758,7 @@
           <p:cNvPr id="2" name="Titel 1">
             <a:extLst>
               <a:ext uri="{FF2B5EF4-FFF2-40B4-BE49-F238E27FC236}">
-                <a16:creationId xmlns:a16="http://schemas.microsoft.com/office/drawing/2014/main" xmlns="" id="{594F37A0-8FD9-42A4-A80F-4C479182787E}"/>
+                <a16:creationId xmlns:a16="http://schemas.microsoft.com/office/drawing/2014/main" id="{594F37A0-8FD9-42A4-A80F-4C479182787E}"/>
               </a:ext>
             </a:extLst>
           </p:cNvPr>
@@ -21002,7 +20786,7 @@
           <p:cNvPr id="3" name="Inhaltsplatzhalter 2">
             <a:extLst>
               <a:ext uri="{FF2B5EF4-FFF2-40B4-BE49-F238E27FC236}">
-                <a16:creationId xmlns:a16="http://schemas.microsoft.com/office/drawing/2014/main" xmlns="" id="{B201CE33-F1D7-423B-B373-1D449812B3D5}"/>
+                <a16:creationId xmlns:a16="http://schemas.microsoft.com/office/drawing/2014/main" id="{B201CE33-F1D7-423B-B373-1D449812B3D5}"/>
               </a:ext>
             </a:extLst>
           </p:cNvPr>
@@ -21055,7 +20839,7 @@
           <p:cNvPr id="9" name="Pfeil: Chevron 8">
             <a:extLst>
               <a:ext uri="{FF2B5EF4-FFF2-40B4-BE49-F238E27FC236}">
-                <a16:creationId xmlns:a16="http://schemas.microsoft.com/office/drawing/2014/main" xmlns="" id="{88722012-BACB-4B08-BD0A-A3346FA233D5}"/>
+                <a16:creationId xmlns:a16="http://schemas.microsoft.com/office/drawing/2014/main" id="{88722012-BACB-4B08-BD0A-A3346FA233D5}"/>
               </a:ext>
             </a:extLst>
           </p:cNvPr>
@@ -21120,7 +20904,7 @@
           <p:cNvPr id="10" name="Pfeil: Chevron 9">
             <a:extLst>
               <a:ext uri="{FF2B5EF4-FFF2-40B4-BE49-F238E27FC236}">
-                <a16:creationId xmlns:a16="http://schemas.microsoft.com/office/drawing/2014/main" xmlns="" id="{7915287E-A0DA-4752-A12C-77FA4E91C293}"/>
+                <a16:creationId xmlns:a16="http://schemas.microsoft.com/office/drawing/2014/main" id="{7915287E-A0DA-4752-A12C-77FA4E91C293}"/>
               </a:ext>
             </a:extLst>
           </p:cNvPr>
@@ -21188,7 +20972,7 @@
           <p:cNvPr id="11" name="Pfeil: Chevron 10">
             <a:extLst>
               <a:ext uri="{FF2B5EF4-FFF2-40B4-BE49-F238E27FC236}">
-                <a16:creationId xmlns:a16="http://schemas.microsoft.com/office/drawing/2014/main" xmlns="" id="{3F5802A9-556B-4327-9EEA-961852914C26}"/>
+                <a16:creationId xmlns:a16="http://schemas.microsoft.com/office/drawing/2014/main" id="{3F5802A9-556B-4327-9EEA-961852914C26}"/>
               </a:ext>
             </a:extLst>
           </p:cNvPr>
@@ -21256,7 +21040,7 @@
     </p:spTree>
     <p:extLst>
       <p:ext uri="{BB962C8B-B14F-4D97-AF65-F5344CB8AC3E}">
-        <p14:creationId xmlns:p14="http://schemas.microsoft.com/office/powerpoint/2010/main" xmlns="" val="3359108963"/>
+        <p14:creationId xmlns:p14="http://schemas.microsoft.com/office/powerpoint/2010/main" val="3359108963"/>
       </p:ext>
     </p:extLst>
   </p:cSld>
@@ -21288,7 +21072,7 @@
           <p:cNvPr id="2" name="Titel 1">
             <a:extLst>
               <a:ext uri="{FF2B5EF4-FFF2-40B4-BE49-F238E27FC236}">
-                <a16:creationId xmlns:a16="http://schemas.microsoft.com/office/drawing/2014/main" xmlns="" id="{594F37A0-8FD9-42A4-A80F-4C479182787E}"/>
+                <a16:creationId xmlns:a16="http://schemas.microsoft.com/office/drawing/2014/main" id="{594F37A0-8FD9-42A4-A80F-4C479182787E}"/>
               </a:ext>
             </a:extLst>
           </p:cNvPr>
@@ -21316,7 +21100,7 @@
           <p:cNvPr id="3" name="Inhaltsplatzhalter 2">
             <a:extLst>
               <a:ext uri="{FF2B5EF4-FFF2-40B4-BE49-F238E27FC236}">
-                <a16:creationId xmlns:a16="http://schemas.microsoft.com/office/drawing/2014/main" xmlns="" id="{B201CE33-F1D7-423B-B373-1D449812B3D5}"/>
+                <a16:creationId xmlns:a16="http://schemas.microsoft.com/office/drawing/2014/main" id="{B201CE33-F1D7-423B-B373-1D449812B3D5}"/>
               </a:ext>
             </a:extLst>
           </p:cNvPr>
@@ -21429,7 +21213,7 @@
           <p:cNvPr id="9" name="Pfeil: Chevron 8">
             <a:extLst>
               <a:ext uri="{FF2B5EF4-FFF2-40B4-BE49-F238E27FC236}">
-                <a16:creationId xmlns:a16="http://schemas.microsoft.com/office/drawing/2014/main" xmlns="" id="{4104802C-F2EE-4B61-AEA6-AE3107DFAAB6}"/>
+                <a16:creationId xmlns:a16="http://schemas.microsoft.com/office/drawing/2014/main" id="{4104802C-F2EE-4B61-AEA6-AE3107DFAAB6}"/>
               </a:ext>
             </a:extLst>
           </p:cNvPr>
@@ -21494,7 +21278,7 @@
           <p:cNvPr id="10" name="Pfeil: Chevron 9">
             <a:extLst>
               <a:ext uri="{FF2B5EF4-FFF2-40B4-BE49-F238E27FC236}">
-                <a16:creationId xmlns:a16="http://schemas.microsoft.com/office/drawing/2014/main" xmlns="" id="{84820EE4-F9D5-4848-9655-728CE68A782F}"/>
+                <a16:creationId xmlns:a16="http://schemas.microsoft.com/office/drawing/2014/main" id="{84820EE4-F9D5-4848-9655-728CE68A782F}"/>
               </a:ext>
             </a:extLst>
           </p:cNvPr>
@@ -21562,7 +21346,7 @@
           <p:cNvPr id="11" name="Pfeil: Chevron 10">
             <a:extLst>
               <a:ext uri="{FF2B5EF4-FFF2-40B4-BE49-F238E27FC236}">
-                <a16:creationId xmlns:a16="http://schemas.microsoft.com/office/drawing/2014/main" xmlns="" id="{8259CAC6-47AF-45A5-A54D-BEA67DC18E12}"/>
+                <a16:creationId xmlns:a16="http://schemas.microsoft.com/office/drawing/2014/main" id="{8259CAC6-47AF-45A5-A54D-BEA67DC18E12}"/>
               </a:ext>
             </a:extLst>
           </p:cNvPr>
@@ -21630,7 +21414,7 @@
     </p:spTree>
     <p:extLst>
       <p:ext uri="{BB962C8B-B14F-4D97-AF65-F5344CB8AC3E}">
-        <p14:creationId xmlns:p14="http://schemas.microsoft.com/office/powerpoint/2010/main" xmlns="" val="3359108963"/>
+        <p14:creationId xmlns:p14="http://schemas.microsoft.com/office/powerpoint/2010/main" val="3359108963"/>
       </p:ext>
     </p:extLst>
   </p:cSld>
@@ -21662,7 +21446,7 @@
           <p:cNvPr id="2" name="Titel 1">
             <a:extLst>
               <a:ext uri="{FF2B5EF4-FFF2-40B4-BE49-F238E27FC236}">
-                <a16:creationId xmlns:a16="http://schemas.microsoft.com/office/drawing/2014/main" xmlns="" id="{594F37A0-8FD9-42A4-A80F-4C479182787E}"/>
+                <a16:creationId xmlns:a16="http://schemas.microsoft.com/office/drawing/2014/main" id="{594F37A0-8FD9-42A4-A80F-4C479182787E}"/>
               </a:ext>
             </a:extLst>
           </p:cNvPr>
@@ -21690,7 +21474,7 @@
           <p:cNvPr id="3" name="Inhaltsplatzhalter 2">
             <a:extLst>
               <a:ext uri="{FF2B5EF4-FFF2-40B4-BE49-F238E27FC236}">
-                <a16:creationId xmlns:a16="http://schemas.microsoft.com/office/drawing/2014/main" xmlns="" id="{B201CE33-F1D7-423B-B373-1D449812B3D5}"/>
+                <a16:creationId xmlns:a16="http://schemas.microsoft.com/office/drawing/2014/main" id="{B201CE33-F1D7-423B-B373-1D449812B3D5}"/>
               </a:ext>
             </a:extLst>
           </p:cNvPr>
@@ -21787,7 +21571,7 @@
           <p:cNvPr id="9" name="Pfeil: Chevron 8">
             <a:extLst>
               <a:ext uri="{FF2B5EF4-FFF2-40B4-BE49-F238E27FC236}">
-                <a16:creationId xmlns:a16="http://schemas.microsoft.com/office/drawing/2014/main" xmlns="" id="{E174AEEB-5225-4D6F-8B2D-CC307962EA8C}"/>
+                <a16:creationId xmlns:a16="http://schemas.microsoft.com/office/drawing/2014/main" id="{E174AEEB-5225-4D6F-8B2D-CC307962EA8C}"/>
               </a:ext>
             </a:extLst>
           </p:cNvPr>
@@ -21852,7 +21636,7 @@
           <p:cNvPr id="10" name="Pfeil: Chevron 9">
             <a:extLst>
               <a:ext uri="{FF2B5EF4-FFF2-40B4-BE49-F238E27FC236}">
-                <a16:creationId xmlns:a16="http://schemas.microsoft.com/office/drawing/2014/main" xmlns="" id="{E7640B6A-F3FB-4009-A8F7-DB93A1D9D3FE}"/>
+                <a16:creationId xmlns:a16="http://schemas.microsoft.com/office/drawing/2014/main" id="{E7640B6A-F3FB-4009-A8F7-DB93A1D9D3FE}"/>
               </a:ext>
             </a:extLst>
           </p:cNvPr>
@@ -21920,7 +21704,7 @@
           <p:cNvPr id="11" name="Pfeil: Chevron 10">
             <a:extLst>
               <a:ext uri="{FF2B5EF4-FFF2-40B4-BE49-F238E27FC236}">
-                <a16:creationId xmlns:a16="http://schemas.microsoft.com/office/drawing/2014/main" xmlns="" id="{12C5DD78-3F03-42BA-A95A-7D858B6E6383}"/>
+                <a16:creationId xmlns:a16="http://schemas.microsoft.com/office/drawing/2014/main" id="{12C5DD78-3F03-42BA-A95A-7D858B6E6383}"/>
               </a:ext>
             </a:extLst>
           </p:cNvPr>
@@ -21988,7 +21772,7 @@
     </p:spTree>
     <p:extLst>
       <p:ext uri="{BB962C8B-B14F-4D97-AF65-F5344CB8AC3E}">
-        <p14:creationId xmlns:p14="http://schemas.microsoft.com/office/powerpoint/2010/main" xmlns="" val="3359108963"/>
+        <p14:creationId xmlns:p14="http://schemas.microsoft.com/office/powerpoint/2010/main" val="3359108963"/>
       </p:ext>
     </p:extLst>
   </p:cSld>
@@ -22020,7 +21804,7 @@
           <p:cNvPr id="2" name="Titel 1">
             <a:extLst>
               <a:ext uri="{FF2B5EF4-FFF2-40B4-BE49-F238E27FC236}">
-                <a16:creationId xmlns:a16="http://schemas.microsoft.com/office/drawing/2014/main" xmlns="" id="{594F37A0-8FD9-42A4-A80F-4C479182787E}"/>
+                <a16:creationId xmlns:a16="http://schemas.microsoft.com/office/drawing/2014/main" id="{594F37A0-8FD9-42A4-A80F-4C479182787E}"/>
               </a:ext>
             </a:extLst>
           </p:cNvPr>
@@ -22048,7 +21832,7 @@
           <p:cNvPr id="3" name="Inhaltsplatzhalter 2">
             <a:extLst>
               <a:ext uri="{FF2B5EF4-FFF2-40B4-BE49-F238E27FC236}">
-                <a16:creationId xmlns:a16="http://schemas.microsoft.com/office/drawing/2014/main" xmlns="" id="{B201CE33-F1D7-423B-B373-1D449812B3D5}"/>
+                <a16:creationId xmlns:a16="http://schemas.microsoft.com/office/drawing/2014/main" id="{B201CE33-F1D7-423B-B373-1D449812B3D5}"/>
               </a:ext>
             </a:extLst>
           </p:cNvPr>
@@ -22145,7 +21929,7 @@
           <p:cNvPr id="9" name="Pfeil: Chevron 8">
             <a:extLst>
               <a:ext uri="{FF2B5EF4-FFF2-40B4-BE49-F238E27FC236}">
-                <a16:creationId xmlns:a16="http://schemas.microsoft.com/office/drawing/2014/main" xmlns="" id="{825D38EA-69DB-407F-9068-943538F8DE56}"/>
+                <a16:creationId xmlns:a16="http://schemas.microsoft.com/office/drawing/2014/main" id="{825D38EA-69DB-407F-9068-943538F8DE56}"/>
               </a:ext>
             </a:extLst>
           </p:cNvPr>
@@ -22210,7 +21994,7 @@
           <p:cNvPr id="10" name="Pfeil: Chevron 9">
             <a:extLst>
               <a:ext uri="{FF2B5EF4-FFF2-40B4-BE49-F238E27FC236}">
-                <a16:creationId xmlns:a16="http://schemas.microsoft.com/office/drawing/2014/main" xmlns="" id="{FD090E87-27D7-4575-8E47-A7EE04132479}"/>
+                <a16:creationId xmlns:a16="http://schemas.microsoft.com/office/drawing/2014/main" id="{FD090E87-27D7-4575-8E47-A7EE04132479}"/>
               </a:ext>
             </a:extLst>
           </p:cNvPr>
@@ -22278,7 +22062,7 @@
           <p:cNvPr id="11" name="Pfeil: Chevron 10">
             <a:extLst>
               <a:ext uri="{FF2B5EF4-FFF2-40B4-BE49-F238E27FC236}">
-                <a16:creationId xmlns:a16="http://schemas.microsoft.com/office/drawing/2014/main" xmlns="" id="{148BC4A1-836E-446D-86F5-F4F158F9E650}"/>
+                <a16:creationId xmlns:a16="http://schemas.microsoft.com/office/drawing/2014/main" id="{148BC4A1-836E-446D-86F5-F4F158F9E650}"/>
               </a:ext>
             </a:extLst>
           </p:cNvPr>
@@ -22346,7 +22130,7 @@
     </p:spTree>
     <p:extLst>
       <p:ext uri="{BB962C8B-B14F-4D97-AF65-F5344CB8AC3E}">
-        <p14:creationId xmlns:p14="http://schemas.microsoft.com/office/powerpoint/2010/main" xmlns="" val="3359108963"/>
+        <p14:creationId xmlns:p14="http://schemas.microsoft.com/office/powerpoint/2010/main" val="3359108963"/>
       </p:ext>
     </p:extLst>
   </p:cSld>
@@ -22378,7 +22162,7 @@
           <p:cNvPr id="2" name="Titel 1">
             <a:extLst>
               <a:ext uri="{FF2B5EF4-FFF2-40B4-BE49-F238E27FC236}">
-                <a16:creationId xmlns:a16="http://schemas.microsoft.com/office/drawing/2014/main" xmlns="" id="{D209E4DA-0ABD-4811-9B3D-451135F8BF59}"/>
+                <a16:creationId xmlns:a16="http://schemas.microsoft.com/office/drawing/2014/main" id="{D209E4DA-0ABD-4811-9B3D-451135F8BF59}"/>
               </a:ext>
             </a:extLst>
           </p:cNvPr>
@@ -22406,7 +22190,7 @@
           <p:cNvPr id="5" name="Inhaltsplatzhalter 2">
             <a:extLst>
               <a:ext uri="{FF2B5EF4-FFF2-40B4-BE49-F238E27FC236}">
-                <a16:creationId xmlns:a16="http://schemas.microsoft.com/office/drawing/2014/main" xmlns="" id="{4B165914-D78E-4CAA-9A81-75634F901AFA}"/>
+                <a16:creationId xmlns:a16="http://schemas.microsoft.com/office/drawing/2014/main" id="{4B165914-D78E-4CAA-9A81-75634F901AFA}"/>
               </a:ext>
             </a:extLst>
           </p:cNvPr>
@@ -22531,7 +22315,7 @@
     </p:spTree>
     <p:extLst>
       <p:ext uri="{BB962C8B-B14F-4D97-AF65-F5344CB8AC3E}">
-        <p14:creationId xmlns:p14="http://schemas.microsoft.com/office/powerpoint/2010/main" xmlns="" val="931636316"/>
+        <p14:creationId xmlns:p14="http://schemas.microsoft.com/office/powerpoint/2010/main" val="931636316"/>
       </p:ext>
     </p:extLst>
   </p:cSld>
@@ -22563,7 +22347,7 @@
           <p:cNvPr id="2" name="Titel 1">
             <a:extLst>
               <a:ext uri="{FF2B5EF4-FFF2-40B4-BE49-F238E27FC236}">
-                <a16:creationId xmlns:a16="http://schemas.microsoft.com/office/drawing/2014/main" xmlns="" id="{594F37A0-8FD9-42A4-A80F-4C479182787E}"/>
+                <a16:creationId xmlns:a16="http://schemas.microsoft.com/office/drawing/2014/main" id="{594F37A0-8FD9-42A4-A80F-4C479182787E}"/>
               </a:ext>
             </a:extLst>
           </p:cNvPr>
@@ -22591,7 +22375,7 @@
           <p:cNvPr id="3" name="Inhaltsplatzhalter 2">
             <a:extLst>
               <a:ext uri="{FF2B5EF4-FFF2-40B4-BE49-F238E27FC236}">
-                <a16:creationId xmlns:a16="http://schemas.microsoft.com/office/drawing/2014/main" xmlns="" id="{B201CE33-F1D7-423B-B373-1D449812B3D5}"/>
+                <a16:creationId xmlns:a16="http://schemas.microsoft.com/office/drawing/2014/main" id="{B201CE33-F1D7-423B-B373-1D449812B3D5}"/>
               </a:ext>
             </a:extLst>
           </p:cNvPr>
@@ -22720,7 +22504,7 @@
           <p:cNvPr id="9" name="Pfeil: Chevron 8">
             <a:extLst>
               <a:ext uri="{FF2B5EF4-FFF2-40B4-BE49-F238E27FC236}">
-                <a16:creationId xmlns:a16="http://schemas.microsoft.com/office/drawing/2014/main" xmlns="" id="{B3706452-583B-40AE-BA94-24F81F8B291E}"/>
+                <a16:creationId xmlns:a16="http://schemas.microsoft.com/office/drawing/2014/main" id="{B3706452-583B-40AE-BA94-24F81F8B291E}"/>
               </a:ext>
             </a:extLst>
           </p:cNvPr>
@@ -22785,7 +22569,7 @@
           <p:cNvPr id="10" name="Pfeil: Chevron 9">
             <a:extLst>
               <a:ext uri="{FF2B5EF4-FFF2-40B4-BE49-F238E27FC236}">
-                <a16:creationId xmlns:a16="http://schemas.microsoft.com/office/drawing/2014/main" xmlns="" id="{9E01B232-FE02-45EA-926A-2A52FEE21010}"/>
+                <a16:creationId xmlns:a16="http://schemas.microsoft.com/office/drawing/2014/main" id="{9E01B232-FE02-45EA-926A-2A52FEE21010}"/>
               </a:ext>
             </a:extLst>
           </p:cNvPr>
@@ -22853,7 +22637,7 @@
           <p:cNvPr id="11" name="Pfeil: Chevron 10">
             <a:extLst>
               <a:ext uri="{FF2B5EF4-FFF2-40B4-BE49-F238E27FC236}">
-                <a16:creationId xmlns:a16="http://schemas.microsoft.com/office/drawing/2014/main" xmlns="" id="{846BC55F-9850-42DD-95FD-D684B6A4B86A}"/>
+                <a16:creationId xmlns:a16="http://schemas.microsoft.com/office/drawing/2014/main" id="{846BC55F-9850-42DD-95FD-D684B6A4B86A}"/>
               </a:ext>
             </a:extLst>
           </p:cNvPr>
@@ -22921,7 +22705,7 @@
     </p:spTree>
     <p:extLst>
       <p:ext uri="{BB962C8B-B14F-4D97-AF65-F5344CB8AC3E}">
-        <p14:creationId xmlns:p14="http://schemas.microsoft.com/office/powerpoint/2010/main" xmlns="" val="3359108963"/>
+        <p14:creationId xmlns:p14="http://schemas.microsoft.com/office/powerpoint/2010/main" val="3359108963"/>
       </p:ext>
     </p:extLst>
   </p:cSld>
@@ -22953,7 +22737,7 @@
           <p:cNvPr id="2" name="Titel 1">
             <a:extLst>
               <a:ext uri="{FF2B5EF4-FFF2-40B4-BE49-F238E27FC236}">
-                <a16:creationId xmlns:a16="http://schemas.microsoft.com/office/drawing/2014/main" xmlns="" id="{594F37A0-8FD9-42A4-A80F-4C479182787E}"/>
+                <a16:creationId xmlns:a16="http://schemas.microsoft.com/office/drawing/2014/main" id="{594F37A0-8FD9-42A4-A80F-4C479182787E}"/>
               </a:ext>
             </a:extLst>
           </p:cNvPr>
@@ -22981,7 +22765,7 @@
           <p:cNvPr id="3" name="Inhaltsplatzhalter 2">
             <a:extLst>
               <a:ext uri="{FF2B5EF4-FFF2-40B4-BE49-F238E27FC236}">
-                <a16:creationId xmlns:a16="http://schemas.microsoft.com/office/drawing/2014/main" xmlns="" id="{B201CE33-F1D7-423B-B373-1D449812B3D5}"/>
+                <a16:creationId xmlns:a16="http://schemas.microsoft.com/office/drawing/2014/main" id="{B201CE33-F1D7-423B-B373-1D449812B3D5}"/>
               </a:ext>
             </a:extLst>
           </p:cNvPr>
@@ -23224,7 +23008,7 @@
           <p:cNvPr id="13" name="Pfeil: Chevron 12">
             <a:extLst>
               <a:ext uri="{FF2B5EF4-FFF2-40B4-BE49-F238E27FC236}">
-                <a16:creationId xmlns:a16="http://schemas.microsoft.com/office/drawing/2014/main" xmlns="" id="{50401BF1-9AC5-4272-96B1-0C618E319CD5}"/>
+                <a16:creationId xmlns:a16="http://schemas.microsoft.com/office/drawing/2014/main" id="{50401BF1-9AC5-4272-96B1-0C618E319CD5}"/>
               </a:ext>
             </a:extLst>
           </p:cNvPr>
@@ -23289,7 +23073,7 @@
           <p:cNvPr id="14" name="Pfeil: Chevron 13">
             <a:extLst>
               <a:ext uri="{FF2B5EF4-FFF2-40B4-BE49-F238E27FC236}">
-                <a16:creationId xmlns:a16="http://schemas.microsoft.com/office/drawing/2014/main" xmlns="" id="{663D2D07-D2C7-494B-8327-B2D203C9327F}"/>
+                <a16:creationId xmlns:a16="http://schemas.microsoft.com/office/drawing/2014/main" id="{663D2D07-D2C7-494B-8327-B2D203C9327F}"/>
               </a:ext>
             </a:extLst>
           </p:cNvPr>
@@ -23357,7 +23141,7 @@
           <p:cNvPr id="15" name="Pfeil: Chevron 14">
             <a:extLst>
               <a:ext uri="{FF2B5EF4-FFF2-40B4-BE49-F238E27FC236}">
-                <a16:creationId xmlns:a16="http://schemas.microsoft.com/office/drawing/2014/main" xmlns="" id="{BE32079B-0997-4BE0-9EF6-7A767288FA5A}"/>
+                <a16:creationId xmlns:a16="http://schemas.microsoft.com/office/drawing/2014/main" id="{BE32079B-0997-4BE0-9EF6-7A767288FA5A}"/>
               </a:ext>
             </a:extLst>
           </p:cNvPr>
@@ -23425,7 +23209,7 @@
     </p:spTree>
     <p:extLst>
       <p:ext uri="{BB962C8B-B14F-4D97-AF65-F5344CB8AC3E}">
-        <p14:creationId xmlns:p14="http://schemas.microsoft.com/office/powerpoint/2010/main" xmlns="" val="3359108963"/>
+        <p14:creationId xmlns:p14="http://schemas.microsoft.com/office/powerpoint/2010/main" val="3359108963"/>
       </p:ext>
     </p:extLst>
   </p:cSld>
@@ -23457,7 +23241,7 @@
           <p:cNvPr id="2" name="Titel 1">
             <a:extLst>
               <a:ext uri="{FF2B5EF4-FFF2-40B4-BE49-F238E27FC236}">
-                <a16:creationId xmlns:a16="http://schemas.microsoft.com/office/drawing/2014/main" xmlns="" id="{594F37A0-8FD9-42A4-A80F-4C479182787E}"/>
+                <a16:creationId xmlns:a16="http://schemas.microsoft.com/office/drawing/2014/main" id="{594F37A0-8FD9-42A4-A80F-4C479182787E}"/>
               </a:ext>
             </a:extLst>
           </p:cNvPr>
@@ -23485,7 +23269,7 @@
           <p:cNvPr id="3" name="Inhaltsplatzhalter 2">
             <a:extLst>
               <a:ext uri="{FF2B5EF4-FFF2-40B4-BE49-F238E27FC236}">
-                <a16:creationId xmlns:a16="http://schemas.microsoft.com/office/drawing/2014/main" xmlns="" id="{B201CE33-F1D7-423B-B373-1D449812B3D5}"/>
+                <a16:creationId xmlns:a16="http://schemas.microsoft.com/office/drawing/2014/main" id="{B201CE33-F1D7-423B-B373-1D449812B3D5}"/>
               </a:ext>
             </a:extLst>
           </p:cNvPr>
@@ -23833,7 +23617,7 @@
           <p:cNvPr id="14" name="Pfeil: Chevron 13">
             <a:extLst>
               <a:ext uri="{FF2B5EF4-FFF2-40B4-BE49-F238E27FC236}">
-                <a16:creationId xmlns:a16="http://schemas.microsoft.com/office/drawing/2014/main" xmlns="" id="{24AEC2D1-8D5A-443F-B2FF-27F6317CB349}"/>
+                <a16:creationId xmlns:a16="http://schemas.microsoft.com/office/drawing/2014/main" id="{24AEC2D1-8D5A-443F-B2FF-27F6317CB349}"/>
               </a:ext>
             </a:extLst>
           </p:cNvPr>
@@ -23898,7 +23682,7 @@
           <p:cNvPr id="15" name="Pfeil: Chevron 14">
             <a:extLst>
               <a:ext uri="{FF2B5EF4-FFF2-40B4-BE49-F238E27FC236}">
-                <a16:creationId xmlns:a16="http://schemas.microsoft.com/office/drawing/2014/main" xmlns="" id="{299B43E1-B9C6-4A54-8EC1-69C79084B345}"/>
+                <a16:creationId xmlns:a16="http://schemas.microsoft.com/office/drawing/2014/main" id="{299B43E1-B9C6-4A54-8EC1-69C79084B345}"/>
               </a:ext>
             </a:extLst>
           </p:cNvPr>
@@ -23966,7 +23750,7 @@
           <p:cNvPr id="16" name="Pfeil: Chevron 15">
             <a:extLst>
               <a:ext uri="{FF2B5EF4-FFF2-40B4-BE49-F238E27FC236}">
-                <a16:creationId xmlns:a16="http://schemas.microsoft.com/office/drawing/2014/main" xmlns="" id="{7AC11A0F-C03F-4652-9561-4AA053103277}"/>
+                <a16:creationId xmlns:a16="http://schemas.microsoft.com/office/drawing/2014/main" id="{7AC11A0F-C03F-4652-9561-4AA053103277}"/>
               </a:ext>
             </a:extLst>
           </p:cNvPr>
@@ -24034,7 +23818,7 @@
     </p:spTree>
     <p:extLst>
       <p:ext uri="{BB962C8B-B14F-4D97-AF65-F5344CB8AC3E}">
-        <p14:creationId xmlns:p14="http://schemas.microsoft.com/office/powerpoint/2010/main" xmlns="" val="2065099838"/>
+        <p14:creationId xmlns:p14="http://schemas.microsoft.com/office/powerpoint/2010/main" val="2065099838"/>
       </p:ext>
     </p:extLst>
   </p:cSld>
@@ -24066,7 +23850,7 @@
           <p:cNvPr id="2" name="Titel 1">
             <a:extLst>
               <a:ext uri="{FF2B5EF4-FFF2-40B4-BE49-F238E27FC236}">
-                <a16:creationId xmlns:a16="http://schemas.microsoft.com/office/drawing/2014/main" xmlns="" id="{594F37A0-8FD9-42A4-A80F-4C479182787E}"/>
+                <a16:creationId xmlns:a16="http://schemas.microsoft.com/office/drawing/2014/main" id="{594F37A0-8FD9-42A4-A80F-4C479182787E}"/>
               </a:ext>
             </a:extLst>
           </p:cNvPr>
@@ -24094,7 +23878,7 @@
           <p:cNvPr id="3" name="Inhaltsplatzhalter 2">
             <a:extLst>
               <a:ext uri="{FF2B5EF4-FFF2-40B4-BE49-F238E27FC236}">
-                <a16:creationId xmlns:a16="http://schemas.microsoft.com/office/drawing/2014/main" xmlns="" id="{B201CE33-F1D7-423B-B373-1D449812B3D5}"/>
+                <a16:creationId xmlns:a16="http://schemas.microsoft.com/office/drawing/2014/main" id="{B201CE33-F1D7-423B-B373-1D449812B3D5}"/>
               </a:ext>
             </a:extLst>
           </p:cNvPr>
@@ -24470,7 +24254,7 @@
           <p:cNvPr id="14" name="Pfeil: Chevron 13">
             <a:extLst>
               <a:ext uri="{FF2B5EF4-FFF2-40B4-BE49-F238E27FC236}">
-                <a16:creationId xmlns:a16="http://schemas.microsoft.com/office/drawing/2014/main" xmlns="" id="{548C50E4-9644-4B1C-9246-8CA0722C65FC}"/>
+                <a16:creationId xmlns:a16="http://schemas.microsoft.com/office/drawing/2014/main" id="{548C50E4-9644-4B1C-9246-8CA0722C65FC}"/>
               </a:ext>
             </a:extLst>
           </p:cNvPr>
@@ -24535,7 +24319,7 @@
           <p:cNvPr id="15" name="Pfeil: Chevron 14">
             <a:extLst>
               <a:ext uri="{FF2B5EF4-FFF2-40B4-BE49-F238E27FC236}">
-                <a16:creationId xmlns:a16="http://schemas.microsoft.com/office/drawing/2014/main" xmlns="" id="{DC16BABB-4A5D-45B5-A448-39FA46D355DF}"/>
+                <a16:creationId xmlns:a16="http://schemas.microsoft.com/office/drawing/2014/main" id="{DC16BABB-4A5D-45B5-A448-39FA46D355DF}"/>
               </a:ext>
             </a:extLst>
           </p:cNvPr>
@@ -24603,7 +24387,7 @@
           <p:cNvPr id="16" name="Pfeil: Chevron 15">
             <a:extLst>
               <a:ext uri="{FF2B5EF4-FFF2-40B4-BE49-F238E27FC236}">
-                <a16:creationId xmlns:a16="http://schemas.microsoft.com/office/drawing/2014/main" xmlns="" id="{4B6C7FB9-9068-4F78-B2E9-29B42FFF55EB}"/>
+                <a16:creationId xmlns:a16="http://schemas.microsoft.com/office/drawing/2014/main" id="{4B6C7FB9-9068-4F78-B2E9-29B42FFF55EB}"/>
               </a:ext>
             </a:extLst>
           </p:cNvPr>
@@ -24671,7 +24455,7 @@
     </p:spTree>
     <p:extLst>
       <p:ext uri="{BB962C8B-B14F-4D97-AF65-F5344CB8AC3E}">
-        <p14:creationId xmlns:p14="http://schemas.microsoft.com/office/powerpoint/2010/main" xmlns="" val="153290221"/>
+        <p14:creationId xmlns:p14="http://schemas.microsoft.com/office/powerpoint/2010/main" val="153290221"/>
       </p:ext>
     </p:extLst>
   </p:cSld>
@@ -24703,7 +24487,7 @@
           <p:cNvPr id="2" name="Titel 1">
             <a:extLst>
               <a:ext uri="{FF2B5EF4-FFF2-40B4-BE49-F238E27FC236}">
-                <a16:creationId xmlns:a16="http://schemas.microsoft.com/office/drawing/2014/main" xmlns="" id="{594F37A0-8FD9-42A4-A80F-4C479182787E}"/>
+                <a16:creationId xmlns:a16="http://schemas.microsoft.com/office/drawing/2014/main" id="{594F37A0-8FD9-42A4-A80F-4C479182787E}"/>
               </a:ext>
             </a:extLst>
           </p:cNvPr>
@@ -24731,7 +24515,7 @@
           <p:cNvPr id="3" name="Inhaltsplatzhalter 2">
             <a:extLst>
               <a:ext uri="{FF2B5EF4-FFF2-40B4-BE49-F238E27FC236}">
-                <a16:creationId xmlns:a16="http://schemas.microsoft.com/office/drawing/2014/main" xmlns="" id="{B201CE33-F1D7-423B-B373-1D449812B3D5}"/>
+                <a16:creationId xmlns:a16="http://schemas.microsoft.com/office/drawing/2014/main" id="{B201CE33-F1D7-423B-B373-1D449812B3D5}"/>
               </a:ext>
             </a:extLst>
           </p:cNvPr>
@@ -25126,7 +24910,7 @@
           <p:cNvPr id="14" name="Pfeil: Chevron 13">
             <a:extLst>
               <a:ext uri="{FF2B5EF4-FFF2-40B4-BE49-F238E27FC236}">
-                <a16:creationId xmlns:a16="http://schemas.microsoft.com/office/drawing/2014/main" xmlns="" id="{64C6EE50-5485-4B93-91D1-56984D775F1F}"/>
+                <a16:creationId xmlns:a16="http://schemas.microsoft.com/office/drawing/2014/main" id="{64C6EE50-5485-4B93-91D1-56984D775F1F}"/>
               </a:ext>
             </a:extLst>
           </p:cNvPr>
@@ -25191,7 +24975,7 @@
           <p:cNvPr id="15" name="Pfeil: Chevron 14">
             <a:extLst>
               <a:ext uri="{FF2B5EF4-FFF2-40B4-BE49-F238E27FC236}">
-                <a16:creationId xmlns:a16="http://schemas.microsoft.com/office/drawing/2014/main" xmlns="" id="{988DC4DD-C1CE-41C5-B45F-1EF5E0F07CF2}"/>
+                <a16:creationId xmlns:a16="http://schemas.microsoft.com/office/drawing/2014/main" id="{988DC4DD-C1CE-41C5-B45F-1EF5E0F07CF2}"/>
               </a:ext>
             </a:extLst>
           </p:cNvPr>
@@ -25259,7 +25043,7 @@
           <p:cNvPr id="16" name="Pfeil: Chevron 15">
             <a:extLst>
               <a:ext uri="{FF2B5EF4-FFF2-40B4-BE49-F238E27FC236}">
-                <a16:creationId xmlns:a16="http://schemas.microsoft.com/office/drawing/2014/main" xmlns="" id="{A97E04B1-2DB7-45F2-9411-6D3798CED780}"/>
+                <a16:creationId xmlns:a16="http://schemas.microsoft.com/office/drawing/2014/main" id="{A97E04B1-2DB7-45F2-9411-6D3798CED780}"/>
               </a:ext>
             </a:extLst>
           </p:cNvPr>
@@ -25327,7 +25111,7 @@
     </p:spTree>
     <p:extLst>
       <p:ext uri="{BB962C8B-B14F-4D97-AF65-F5344CB8AC3E}">
-        <p14:creationId xmlns:p14="http://schemas.microsoft.com/office/powerpoint/2010/main" xmlns="" val="1495301057"/>
+        <p14:creationId xmlns:p14="http://schemas.microsoft.com/office/powerpoint/2010/main" val="1495301057"/>
       </p:ext>
     </p:extLst>
   </p:cSld>
@@ -25359,7 +25143,7 @@
           <p:cNvPr id="2" name="Titel 1">
             <a:extLst>
               <a:ext uri="{FF2B5EF4-FFF2-40B4-BE49-F238E27FC236}">
-                <a16:creationId xmlns:a16="http://schemas.microsoft.com/office/drawing/2014/main" xmlns="" id="{594F37A0-8FD9-42A4-A80F-4C479182787E}"/>
+                <a16:creationId xmlns:a16="http://schemas.microsoft.com/office/drawing/2014/main" id="{594F37A0-8FD9-42A4-A80F-4C479182787E}"/>
               </a:ext>
             </a:extLst>
           </p:cNvPr>
@@ -25387,7 +25171,7 @@
           <p:cNvPr id="3" name="Inhaltsplatzhalter 2">
             <a:extLst>
               <a:ext uri="{FF2B5EF4-FFF2-40B4-BE49-F238E27FC236}">
-                <a16:creationId xmlns:a16="http://schemas.microsoft.com/office/drawing/2014/main" xmlns="" id="{B201CE33-F1D7-423B-B373-1D449812B3D5}"/>
+                <a16:creationId xmlns:a16="http://schemas.microsoft.com/office/drawing/2014/main" id="{B201CE33-F1D7-423B-B373-1D449812B3D5}"/>
               </a:ext>
             </a:extLst>
           </p:cNvPr>
@@ -25520,7 +25304,7 @@
           <p:cNvPr id="9" name="Pfeil: Chevron 8">
             <a:extLst>
               <a:ext uri="{FF2B5EF4-FFF2-40B4-BE49-F238E27FC236}">
-                <a16:creationId xmlns:a16="http://schemas.microsoft.com/office/drawing/2014/main" xmlns="" id="{3977D73C-626E-478F-8C5A-A40C886AF77B}"/>
+                <a16:creationId xmlns:a16="http://schemas.microsoft.com/office/drawing/2014/main" id="{3977D73C-626E-478F-8C5A-A40C886AF77B}"/>
               </a:ext>
             </a:extLst>
           </p:cNvPr>
@@ -25585,7 +25369,7 @@
           <p:cNvPr id="10" name="Pfeil: Chevron 9">
             <a:extLst>
               <a:ext uri="{FF2B5EF4-FFF2-40B4-BE49-F238E27FC236}">
-                <a16:creationId xmlns:a16="http://schemas.microsoft.com/office/drawing/2014/main" xmlns="" id="{7E31F2F0-26CA-4959-9412-E12DB3A454D4}"/>
+                <a16:creationId xmlns:a16="http://schemas.microsoft.com/office/drawing/2014/main" id="{7E31F2F0-26CA-4959-9412-E12DB3A454D4}"/>
               </a:ext>
             </a:extLst>
           </p:cNvPr>
@@ -25653,7 +25437,7 @@
           <p:cNvPr id="11" name="Pfeil: Chevron 10">
             <a:extLst>
               <a:ext uri="{FF2B5EF4-FFF2-40B4-BE49-F238E27FC236}">
-                <a16:creationId xmlns:a16="http://schemas.microsoft.com/office/drawing/2014/main" xmlns="" id="{0D29E5C0-D43D-42F3-8DAC-17AC54137FFF}"/>
+                <a16:creationId xmlns:a16="http://schemas.microsoft.com/office/drawing/2014/main" id="{0D29E5C0-D43D-42F3-8DAC-17AC54137FFF}"/>
               </a:ext>
             </a:extLst>
           </p:cNvPr>
@@ -25721,7 +25505,7 @@
     </p:spTree>
     <p:extLst>
       <p:ext uri="{BB962C8B-B14F-4D97-AF65-F5344CB8AC3E}">
-        <p14:creationId xmlns:p14="http://schemas.microsoft.com/office/powerpoint/2010/main" xmlns="" val="1617989302"/>
+        <p14:creationId xmlns:p14="http://schemas.microsoft.com/office/powerpoint/2010/main" val="1617989302"/>
       </p:ext>
     </p:extLst>
   </p:cSld>
@@ -25753,7 +25537,7 @@
           <p:cNvPr id="2" name="Titel 1">
             <a:extLst>
               <a:ext uri="{FF2B5EF4-FFF2-40B4-BE49-F238E27FC236}">
-                <a16:creationId xmlns:a16="http://schemas.microsoft.com/office/drawing/2014/main" xmlns="" id="{594F37A0-8FD9-42A4-A80F-4C479182787E}"/>
+                <a16:creationId xmlns:a16="http://schemas.microsoft.com/office/drawing/2014/main" id="{594F37A0-8FD9-42A4-A80F-4C479182787E}"/>
               </a:ext>
             </a:extLst>
           </p:cNvPr>
@@ -25781,7 +25565,7 @@
           <p:cNvPr id="3" name="Inhaltsplatzhalter 2">
             <a:extLst>
               <a:ext uri="{FF2B5EF4-FFF2-40B4-BE49-F238E27FC236}">
-                <a16:creationId xmlns:a16="http://schemas.microsoft.com/office/drawing/2014/main" xmlns="" id="{B201CE33-F1D7-423B-B373-1D449812B3D5}"/>
+                <a16:creationId xmlns:a16="http://schemas.microsoft.com/office/drawing/2014/main" id="{B201CE33-F1D7-423B-B373-1D449812B3D5}"/>
               </a:ext>
             </a:extLst>
           </p:cNvPr>
@@ -26206,7 +25990,7 @@
           <p:cNvPr id="12" name="Pfeil: Chevron 11">
             <a:extLst>
               <a:ext uri="{FF2B5EF4-FFF2-40B4-BE49-F238E27FC236}">
-                <a16:creationId xmlns:a16="http://schemas.microsoft.com/office/drawing/2014/main" xmlns="" id="{BA6B9B81-2531-48D9-A9F6-C4EF02873EC5}"/>
+                <a16:creationId xmlns:a16="http://schemas.microsoft.com/office/drawing/2014/main" id="{BA6B9B81-2531-48D9-A9F6-C4EF02873EC5}"/>
               </a:ext>
             </a:extLst>
           </p:cNvPr>
@@ -26271,7 +26055,7 @@
           <p:cNvPr id="13" name="Pfeil: Chevron 12">
             <a:extLst>
               <a:ext uri="{FF2B5EF4-FFF2-40B4-BE49-F238E27FC236}">
-                <a16:creationId xmlns:a16="http://schemas.microsoft.com/office/drawing/2014/main" xmlns="" id="{4E0FA700-E7D3-4A35-B8C2-6B6974570E52}"/>
+                <a16:creationId xmlns:a16="http://schemas.microsoft.com/office/drawing/2014/main" id="{4E0FA700-E7D3-4A35-B8C2-6B6974570E52}"/>
               </a:ext>
             </a:extLst>
           </p:cNvPr>
@@ -26339,7 +26123,7 @@
           <p:cNvPr id="14" name="Pfeil: Chevron 13">
             <a:extLst>
               <a:ext uri="{FF2B5EF4-FFF2-40B4-BE49-F238E27FC236}">
-                <a16:creationId xmlns:a16="http://schemas.microsoft.com/office/drawing/2014/main" xmlns="" id="{7953D0AF-045A-4882-AEBB-8FA277D11E7A}"/>
+                <a16:creationId xmlns:a16="http://schemas.microsoft.com/office/drawing/2014/main" id="{7953D0AF-045A-4882-AEBB-8FA277D11E7A}"/>
               </a:ext>
             </a:extLst>
           </p:cNvPr>
@@ -26407,7 +26191,7 @@
     </p:spTree>
     <p:extLst>
       <p:ext uri="{BB962C8B-B14F-4D97-AF65-F5344CB8AC3E}">
-        <p14:creationId xmlns:p14="http://schemas.microsoft.com/office/powerpoint/2010/main" xmlns="" val="3009233743"/>
+        <p14:creationId xmlns:p14="http://schemas.microsoft.com/office/powerpoint/2010/main" val="3009233743"/>
       </p:ext>
     </p:extLst>
   </p:cSld>
@@ -26439,7 +26223,7 @@
           <p:cNvPr id="2" name="Titel 1">
             <a:extLst>
               <a:ext uri="{FF2B5EF4-FFF2-40B4-BE49-F238E27FC236}">
-                <a16:creationId xmlns:a16="http://schemas.microsoft.com/office/drawing/2014/main" xmlns="" id="{594F37A0-8FD9-42A4-A80F-4C479182787E}"/>
+                <a16:creationId xmlns:a16="http://schemas.microsoft.com/office/drawing/2014/main" id="{594F37A0-8FD9-42A4-A80F-4C479182787E}"/>
               </a:ext>
             </a:extLst>
           </p:cNvPr>
@@ -26467,7 +26251,7 @@
           <p:cNvPr id="3" name="Inhaltsplatzhalter 2">
             <a:extLst>
               <a:ext uri="{FF2B5EF4-FFF2-40B4-BE49-F238E27FC236}">
-                <a16:creationId xmlns:a16="http://schemas.microsoft.com/office/drawing/2014/main" xmlns="" id="{B201CE33-F1D7-423B-B373-1D449812B3D5}"/>
+                <a16:creationId xmlns:a16="http://schemas.microsoft.com/office/drawing/2014/main" id="{B201CE33-F1D7-423B-B373-1D449812B3D5}"/>
               </a:ext>
             </a:extLst>
           </p:cNvPr>
@@ -26836,7 +26620,7 @@
           <p:cNvPr id="12" name="Pfeil: Chevron 11">
             <a:extLst>
               <a:ext uri="{FF2B5EF4-FFF2-40B4-BE49-F238E27FC236}">
-                <a16:creationId xmlns:a16="http://schemas.microsoft.com/office/drawing/2014/main" xmlns="" id="{8908606F-BA7E-4A43-9CDF-707BC758DA2F}"/>
+                <a16:creationId xmlns:a16="http://schemas.microsoft.com/office/drawing/2014/main" id="{8908606F-BA7E-4A43-9CDF-707BC758DA2F}"/>
               </a:ext>
             </a:extLst>
           </p:cNvPr>
@@ -26901,7 +26685,7 @@
           <p:cNvPr id="13" name="Pfeil: Chevron 12">
             <a:extLst>
               <a:ext uri="{FF2B5EF4-FFF2-40B4-BE49-F238E27FC236}">
-                <a16:creationId xmlns:a16="http://schemas.microsoft.com/office/drawing/2014/main" xmlns="" id="{6EF64A7C-A83B-4A3C-896C-5DB1473F30B6}"/>
+                <a16:creationId xmlns:a16="http://schemas.microsoft.com/office/drawing/2014/main" id="{6EF64A7C-A83B-4A3C-896C-5DB1473F30B6}"/>
               </a:ext>
             </a:extLst>
           </p:cNvPr>
@@ -26969,7 +26753,7 @@
           <p:cNvPr id="14" name="Pfeil: Chevron 13">
             <a:extLst>
               <a:ext uri="{FF2B5EF4-FFF2-40B4-BE49-F238E27FC236}">
-                <a16:creationId xmlns:a16="http://schemas.microsoft.com/office/drawing/2014/main" xmlns="" id="{C1D28339-7262-46AC-8057-B85CD70CE485}"/>
+                <a16:creationId xmlns:a16="http://schemas.microsoft.com/office/drawing/2014/main" id="{C1D28339-7262-46AC-8057-B85CD70CE485}"/>
               </a:ext>
             </a:extLst>
           </p:cNvPr>
@@ -27037,7 +26821,7 @@
     </p:spTree>
     <p:extLst>
       <p:ext uri="{BB962C8B-B14F-4D97-AF65-F5344CB8AC3E}">
-        <p14:creationId xmlns:p14="http://schemas.microsoft.com/office/powerpoint/2010/main" xmlns="" val="3329183195"/>
+        <p14:creationId xmlns:p14="http://schemas.microsoft.com/office/powerpoint/2010/main" val="3329183195"/>
       </p:ext>
     </p:extLst>
   </p:cSld>
@@ -27069,7 +26853,7 @@
           <p:cNvPr id="2" name="Titel 1">
             <a:extLst>
               <a:ext uri="{FF2B5EF4-FFF2-40B4-BE49-F238E27FC236}">
-                <a16:creationId xmlns:a16="http://schemas.microsoft.com/office/drawing/2014/main" xmlns="" id="{594F37A0-8FD9-42A4-A80F-4C479182787E}"/>
+                <a16:creationId xmlns:a16="http://schemas.microsoft.com/office/drawing/2014/main" id="{594F37A0-8FD9-42A4-A80F-4C479182787E}"/>
               </a:ext>
             </a:extLst>
           </p:cNvPr>
@@ -27117,7 +26901,7 @@
           <p:cNvPr id="9" name="Pfeil: Chevron 8">
             <a:extLst>
               <a:ext uri="{FF2B5EF4-FFF2-40B4-BE49-F238E27FC236}">
-                <a16:creationId xmlns:a16="http://schemas.microsoft.com/office/drawing/2014/main" xmlns="" id="{1FB79F76-76EE-4541-B06C-A5A732A55FD6}"/>
+                <a16:creationId xmlns:a16="http://schemas.microsoft.com/office/drawing/2014/main" id="{1FB79F76-76EE-4541-B06C-A5A732A55FD6}"/>
               </a:ext>
             </a:extLst>
           </p:cNvPr>
@@ -27182,7 +26966,7 @@
           <p:cNvPr id="11" name="Pfeil: Chevron 10">
             <a:extLst>
               <a:ext uri="{FF2B5EF4-FFF2-40B4-BE49-F238E27FC236}">
-                <a16:creationId xmlns:a16="http://schemas.microsoft.com/office/drawing/2014/main" xmlns="" id="{EF23FE1C-6678-45AC-ADA4-A95E358E7BC9}"/>
+                <a16:creationId xmlns:a16="http://schemas.microsoft.com/office/drawing/2014/main" id="{EF23FE1C-6678-45AC-ADA4-A95E358E7BC9}"/>
               </a:ext>
             </a:extLst>
           </p:cNvPr>
@@ -27247,7 +27031,7 @@
           <p:cNvPr id="12" name="Pfeil: Chevron 11">
             <a:extLst>
               <a:ext uri="{FF2B5EF4-FFF2-40B4-BE49-F238E27FC236}">
-                <a16:creationId xmlns:a16="http://schemas.microsoft.com/office/drawing/2014/main" xmlns="" id="{37976A18-79B8-48CB-900E-E406FBD3903A}"/>
+                <a16:creationId xmlns:a16="http://schemas.microsoft.com/office/drawing/2014/main" id="{37976A18-79B8-48CB-900E-E406FBD3903A}"/>
               </a:ext>
             </a:extLst>
           </p:cNvPr>
@@ -27315,7 +27099,7 @@
           <p:cNvPr id="14" name="Inhaltsplatzhalter 13">
             <a:extLst>
               <a:ext uri="{FF2B5EF4-FFF2-40B4-BE49-F238E27FC236}">
-                <a16:creationId xmlns:a16="http://schemas.microsoft.com/office/drawing/2014/main" xmlns="" id="{962041B6-BE0D-45DC-A59D-1F5C82CD4505}"/>
+                <a16:creationId xmlns:a16="http://schemas.microsoft.com/office/drawing/2014/main" id="{962041B6-BE0D-45DC-A59D-1F5C82CD4505}"/>
               </a:ext>
             </a:extLst>
           </p:cNvPr>
@@ -27330,7 +27114,7 @@
           <a:blip r:embed="rId2">
             <a:extLst>
               <a:ext uri="{28A0092B-C50C-407E-A947-70E740481C1C}">
-                <a14:useLocalDpi xmlns:a14="http://schemas.microsoft.com/office/drawing/2010/main" xmlns="" val="0"/>
+                <a14:useLocalDpi xmlns:a14="http://schemas.microsoft.com/office/drawing/2010/main" val="0"/>
               </a:ext>
             </a:extLst>
           </a:blip>
@@ -27348,7 +27132,7 @@
     </p:spTree>
     <p:extLst>
       <p:ext uri="{BB962C8B-B14F-4D97-AF65-F5344CB8AC3E}">
-        <p14:creationId xmlns:p14="http://schemas.microsoft.com/office/powerpoint/2010/main" xmlns="" val="1367615360"/>
+        <p14:creationId xmlns:p14="http://schemas.microsoft.com/office/powerpoint/2010/main" val="1367615360"/>
       </p:ext>
     </p:extLst>
   </p:cSld>
@@ -27380,7 +27164,7 @@
           <p:cNvPr id="2" name="Titel 1">
             <a:extLst>
               <a:ext uri="{FF2B5EF4-FFF2-40B4-BE49-F238E27FC236}">
-                <a16:creationId xmlns:a16="http://schemas.microsoft.com/office/drawing/2014/main" xmlns="" id="{594F37A0-8FD9-42A4-A80F-4C479182787E}"/>
+                <a16:creationId xmlns:a16="http://schemas.microsoft.com/office/drawing/2014/main" id="{594F37A0-8FD9-42A4-A80F-4C479182787E}"/>
               </a:ext>
             </a:extLst>
           </p:cNvPr>
@@ -27425,7 +27209,7 @@
           <p:cNvPr id="9" name="Pfeil: Chevron 8">
             <a:extLst>
               <a:ext uri="{FF2B5EF4-FFF2-40B4-BE49-F238E27FC236}">
-                <a16:creationId xmlns:a16="http://schemas.microsoft.com/office/drawing/2014/main" xmlns="" id="{78650DB3-DC1C-428D-975C-B617C916B25D}"/>
+                <a16:creationId xmlns:a16="http://schemas.microsoft.com/office/drawing/2014/main" id="{78650DB3-DC1C-428D-975C-B617C916B25D}"/>
               </a:ext>
             </a:extLst>
           </p:cNvPr>
@@ -27490,7 +27274,7 @@
           <p:cNvPr id="10" name="Pfeil: Chevron 9">
             <a:extLst>
               <a:ext uri="{FF2B5EF4-FFF2-40B4-BE49-F238E27FC236}">
-                <a16:creationId xmlns:a16="http://schemas.microsoft.com/office/drawing/2014/main" xmlns="" id="{DD5D5316-41E6-4C62-BE0E-8861F08EDAEC}"/>
+                <a16:creationId xmlns:a16="http://schemas.microsoft.com/office/drawing/2014/main" id="{DD5D5316-41E6-4C62-BE0E-8861F08EDAEC}"/>
               </a:ext>
             </a:extLst>
           </p:cNvPr>
@@ -27555,7 +27339,7 @@
           <p:cNvPr id="11" name="Pfeil: Chevron 10">
             <a:extLst>
               <a:ext uri="{FF2B5EF4-FFF2-40B4-BE49-F238E27FC236}">
-                <a16:creationId xmlns:a16="http://schemas.microsoft.com/office/drawing/2014/main" xmlns="" id="{DE7E9A1E-DF78-45A2-BD39-0A1878C8D455}"/>
+                <a16:creationId xmlns:a16="http://schemas.microsoft.com/office/drawing/2014/main" id="{DE7E9A1E-DF78-45A2-BD39-0A1878C8D455}"/>
               </a:ext>
             </a:extLst>
           </p:cNvPr>
@@ -27623,7 +27407,7 @@
           <p:cNvPr id="13" name="Inhaltsplatzhalter 12">
             <a:extLst>
               <a:ext uri="{FF2B5EF4-FFF2-40B4-BE49-F238E27FC236}">
-                <a16:creationId xmlns:a16="http://schemas.microsoft.com/office/drawing/2014/main" xmlns="" id="{1C5868A9-A09C-46D0-A417-3EE2DA0AB3CF}"/>
+                <a16:creationId xmlns:a16="http://schemas.microsoft.com/office/drawing/2014/main" id="{1C5868A9-A09C-46D0-A417-3EE2DA0AB3CF}"/>
               </a:ext>
             </a:extLst>
           </p:cNvPr>
@@ -27638,7 +27422,7 @@
           <a:blip r:embed="rId2">
             <a:extLst>
               <a:ext uri="{28A0092B-C50C-407E-A947-70E740481C1C}">
-                <a14:useLocalDpi xmlns:a14="http://schemas.microsoft.com/office/drawing/2010/main" xmlns="" val="0"/>
+                <a14:useLocalDpi xmlns:a14="http://schemas.microsoft.com/office/drawing/2010/main" val="0"/>
               </a:ext>
             </a:extLst>
           </a:blip>
@@ -27656,7 +27440,7 @@
     </p:spTree>
     <p:extLst>
       <p:ext uri="{BB962C8B-B14F-4D97-AF65-F5344CB8AC3E}">
-        <p14:creationId xmlns:p14="http://schemas.microsoft.com/office/powerpoint/2010/main" xmlns="" val="756221209"/>
+        <p14:creationId xmlns:p14="http://schemas.microsoft.com/office/powerpoint/2010/main" val="756221209"/>
       </p:ext>
     </p:extLst>
   </p:cSld>
@@ -27688,7 +27472,7 @@
           <p:cNvPr id="2" name="Titel 1">
             <a:extLst>
               <a:ext uri="{FF2B5EF4-FFF2-40B4-BE49-F238E27FC236}">
-                <a16:creationId xmlns:a16="http://schemas.microsoft.com/office/drawing/2014/main" xmlns="" id="{594F37A0-8FD9-42A4-A80F-4C479182787E}"/>
+                <a16:creationId xmlns:a16="http://schemas.microsoft.com/office/drawing/2014/main" id="{594F37A0-8FD9-42A4-A80F-4C479182787E}"/>
               </a:ext>
             </a:extLst>
           </p:cNvPr>
@@ -27716,7 +27500,7 @@
           <p:cNvPr id="9" name="Pfeil: Chevron 8">
             <a:extLst>
               <a:ext uri="{FF2B5EF4-FFF2-40B4-BE49-F238E27FC236}">
-                <a16:creationId xmlns:a16="http://schemas.microsoft.com/office/drawing/2014/main" xmlns="" id="{4ABDD5B2-81D0-4683-8C70-F10306827399}"/>
+                <a16:creationId xmlns:a16="http://schemas.microsoft.com/office/drawing/2014/main" id="{4ABDD5B2-81D0-4683-8C70-F10306827399}"/>
               </a:ext>
             </a:extLst>
           </p:cNvPr>
@@ -27777,7 +27561,7 @@
           <p:cNvPr id="10" name="Pfeil: Chevron 9">
             <a:extLst>
               <a:ext uri="{FF2B5EF4-FFF2-40B4-BE49-F238E27FC236}">
-                <a16:creationId xmlns:a16="http://schemas.microsoft.com/office/drawing/2014/main" xmlns="" id="{01428E79-A6AB-48F5-93FA-47B9DB32BAE3}"/>
+                <a16:creationId xmlns:a16="http://schemas.microsoft.com/office/drawing/2014/main" id="{01428E79-A6AB-48F5-93FA-47B9DB32BAE3}"/>
               </a:ext>
             </a:extLst>
           </p:cNvPr>
@@ -27847,7 +27631,7 @@
           <p:cNvPr id="12" name="Pfeil: Chevron 11">
             <a:extLst>
               <a:ext uri="{FF2B5EF4-FFF2-40B4-BE49-F238E27FC236}">
-                <a16:creationId xmlns:a16="http://schemas.microsoft.com/office/drawing/2014/main" xmlns="" id="{D8669502-BFFC-4BB2-9C48-8551944B57FA}"/>
+                <a16:creationId xmlns:a16="http://schemas.microsoft.com/office/drawing/2014/main" id="{D8669502-BFFC-4BB2-9C48-8551944B57FA}"/>
               </a:ext>
             </a:extLst>
           </p:cNvPr>
@@ -27917,7 +27701,7 @@
           <p:cNvPr id="13" name="Inhaltsplatzhalter 10" descr="AutoTS_Dataset.pdf - Adobe Acrobat Reader DC">
             <a:extLst>
               <a:ext uri="{FF2B5EF4-FFF2-40B4-BE49-F238E27FC236}">
-                <a16:creationId xmlns:a16="http://schemas.microsoft.com/office/drawing/2014/main" xmlns="" id="{BC869130-A99A-4290-B8B2-F74C5B6BC174}"/>
+                <a16:creationId xmlns:a16="http://schemas.microsoft.com/office/drawing/2014/main" id="{BC869130-A99A-4290-B8B2-F74C5B6BC174}"/>
               </a:ext>
             </a:extLst>
           </p:cNvPr>
@@ -27930,7 +27714,7 @@
           <a:blip r:embed="rId2" cstate="print">
             <a:extLst>
               <a:ext uri="{28A0092B-C50C-407E-A947-70E740481C1C}">
-                <a14:useLocalDpi xmlns:a14="http://schemas.microsoft.com/office/drawing/2010/main" xmlns="" val="0"/>
+                <a14:useLocalDpi xmlns:a14="http://schemas.microsoft.com/office/drawing/2010/main" val="0"/>
               </a:ext>
             </a:extLst>
           </a:blip>
@@ -27960,7 +27744,7 @@
           <p:cNvPr id="14" name="Inhaltsplatzhalter 10" descr="AutoTS_Dataset.pdf - Adobe Acrobat Reader DC">
             <a:extLst>
               <a:ext uri="{FF2B5EF4-FFF2-40B4-BE49-F238E27FC236}">
-                <a16:creationId xmlns:a16="http://schemas.microsoft.com/office/drawing/2014/main" xmlns="" id="{85C4F723-E7F3-435D-ACF5-55BC30F25798}"/>
+                <a16:creationId xmlns:a16="http://schemas.microsoft.com/office/drawing/2014/main" id="{85C4F723-E7F3-435D-ACF5-55BC30F25798}"/>
               </a:ext>
             </a:extLst>
           </p:cNvPr>
@@ -27973,7 +27757,7 @@
           <a:blip r:embed="rId2" cstate="print">
             <a:extLst>
               <a:ext uri="{28A0092B-C50C-407E-A947-70E740481C1C}">
-                <a14:useLocalDpi xmlns:a14="http://schemas.microsoft.com/office/drawing/2010/main" xmlns="" val="0"/>
+                <a14:useLocalDpi xmlns:a14="http://schemas.microsoft.com/office/drawing/2010/main" val="0"/>
               </a:ext>
             </a:extLst>
           </a:blip>
@@ -28003,7 +27787,7 @@
           <p:cNvPr id="16" name="Flussdiagramm: Mehrere Dokumente 15">
             <a:extLst>
               <a:ext uri="{FF2B5EF4-FFF2-40B4-BE49-F238E27FC236}">
-                <a16:creationId xmlns:a16="http://schemas.microsoft.com/office/drawing/2014/main" xmlns="" id="{4C6F3DF0-E4E1-43DC-89D1-3B442EF0D62D}"/>
+                <a16:creationId xmlns:a16="http://schemas.microsoft.com/office/drawing/2014/main" id="{4C6F3DF0-E4E1-43DC-89D1-3B442EF0D62D}"/>
               </a:ext>
             </a:extLst>
           </p:cNvPr>
@@ -28057,7 +27841,7 @@
           <p:cNvPr id="25" name="Gruppieren 24">
             <a:extLst>
               <a:ext uri="{FF2B5EF4-FFF2-40B4-BE49-F238E27FC236}">
-                <a16:creationId xmlns:a16="http://schemas.microsoft.com/office/drawing/2014/main" xmlns="" id="{9C68256D-C7BB-4D25-9AF6-349D27B63592}"/>
+                <a16:creationId xmlns:a16="http://schemas.microsoft.com/office/drawing/2014/main" id="{9C68256D-C7BB-4D25-9AF6-349D27B63592}"/>
               </a:ext>
             </a:extLst>
           </p:cNvPr>
@@ -28080,7 +27864,7 @@
             <p:cNvPr id="15" name="Flussdiagramm: Mehrere Dokumente 14">
               <a:extLst>
                 <a:ext uri="{FF2B5EF4-FFF2-40B4-BE49-F238E27FC236}">
-                  <a16:creationId xmlns:a16="http://schemas.microsoft.com/office/drawing/2014/main" xmlns="" id="{73E50CE8-4AFC-4953-B41A-79D437A4704D}"/>
+                  <a16:creationId xmlns:a16="http://schemas.microsoft.com/office/drawing/2014/main" id="{73E50CE8-4AFC-4953-B41A-79D437A4704D}"/>
                 </a:ext>
               </a:extLst>
             </p:cNvPr>
@@ -28132,7 +27916,7 @@
             <p:cNvPr id="18" name="Flussdiagramm: Mehrere Dokumente 17">
               <a:extLst>
                 <a:ext uri="{FF2B5EF4-FFF2-40B4-BE49-F238E27FC236}">
-                  <a16:creationId xmlns:a16="http://schemas.microsoft.com/office/drawing/2014/main" xmlns="" id="{47111D04-60DE-4445-9ACD-E9E005946C80}"/>
+                  <a16:creationId xmlns:a16="http://schemas.microsoft.com/office/drawing/2014/main" id="{47111D04-60DE-4445-9ACD-E9E005946C80}"/>
                 </a:ext>
               </a:extLst>
             </p:cNvPr>
@@ -28184,7 +27968,7 @@
             <p:cNvPr id="19" name="Flussdiagramm: Mehrere Dokumente 18">
               <a:extLst>
                 <a:ext uri="{FF2B5EF4-FFF2-40B4-BE49-F238E27FC236}">
-                  <a16:creationId xmlns:a16="http://schemas.microsoft.com/office/drawing/2014/main" xmlns="" id="{18E9A52C-FCFF-4CB5-A811-E388F2E9E197}"/>
+                  <a16:creationId xmlns:a16="http://schemas.microsoft.com/office/drawing/2014/main" id="{18E9A52C-FCFF-4CB5-A811-E388F2E9E197}"/>
                 </a:ext>
               </a:extLst>
             </p:cNvPr>
@@ -28237,7 +28021,7 @@
           <p:cNvPr id="20" name="Pfeil: nach rechts 19">
             <a:extLst>
               <a:ext uri="{FF2B5EF4-FFF2-40B4-BE49-F238E27FC236}">
-                <a16:creationId xmlns:a16="http://schemas.microsoft.com/office/drawing/2014/main" xmlns="" id="{51C1AAB2-8089-4D2F-836D-5CB47421666C}"/>
+                <a16:creationId xmlns:a16="http://schemas.microsoft.com/office/drawing/2014/main" id="{51C1AAB2-8089-4D2F-836D-5CB47421666C}"/>
               </a:ext>
             </a:extLst>
           </p:cNvPr>
@@ -28291,7 +28075,7 @@
           <p:cNvPr id="21" name="Pfeil: nach rechts 20">
             <a:extLst>
               <a:ext uri="{FF2B5EF4-FFF2-40B4-BE49-F238E27FC236}">
-                <a16:creationId xmlns:a16="http://schemas.microsoft.com/office/drawing/2014/main" xmlns="" id="{5D9BFF35-70C0-47E5-AA2A-3CDCB5D5F43E}"/>
+                <a16:creationId xmlns:a16="http://schemas.microsoft.com/office/drawing/2014/main" id="{5D9BFF35-70C0-47E5-AA2A-3CDCB5D5F43E}"/>
               </a:ext>
             </a:extLst>
           </p:cNvPr>
@@ -28350,7 +28134,7 @@
           <p:cNvPr id="22" name="Pfeil: nach unten 21">
             <a:extLst>
               <a:ext uri="{FF2B5EF4-FFF2-40B4-BE49-F238E27FC236}">
-                <a16:creationId xmlns:a16="http://schemas.microsoft.com/office/drawing/2014/main" xmlns="" id="{B9A823E9-D6A6-4388-86CD-602D37E88440}"/>
+                <a16:creationId xmlns:a16="http://schemas.microsoft.com/office/drawing/2014/main" id="{B9A823E9-D6A6-4388-86CD-602D37E88440}"/>
               </a:ext>
             </a:extLst>
           </p:cNvPr>
@@ -28409,7 +28193,7 @@
           <p:cNvPr id="26" name="Textfeld 25">
             <a:extLst>
               <a:ext uri="{FF2B5EF4-FFF2-40B4-BE49-F238E27FC236}">
-                <a16:creationId xmlns:a16="http://schemas.microsoft.com/office/drawing/2014/main" xmlns="" id="{600EAD89-637C-414B-8ADE-72CD9A7A9B71}"/>
+                <a16:creationId xmlns:a16="http://schemas.microsoft.com/office/drawing/2014/main" id="{600EAD89-637C-414B-8ADE-72CD9A7A9B71}"/>
               </a:ext>
             </a:extLst>
           </p:cNvPr>
@@ -28445,7 +28229,7 @@
           <p:cNvPr id="27" name="Textfeld 26">
             <a:extLst>
               <a:ext uri="{FF2B5EF4-FFF2-40B4-BE49-F238E27FC236}">
-                <a16:creationId xmlns:a16="http://schemas.microsoft.com/office/drawing/2014/main" xmlns="" id="{9A9B0288-D909-4CCD-8092-287460D83841}"/>
+                <a16:creationId xmlns:a16="http://schemas.microsoft.com/office/drawing/2014/main" id="{9A9B0288-D909-4CCD-8092-287460D83841}"/>
               </a:ext>
             </a:extLst>
           </p:cNvPr>
@@ -28489,7 +28273,7 @@
           <p:cNvPr id="28" name="Textfeld 27">
             <a:extLst>
               <a:ext uri="{FF2B5EF4-FFF2-40B4-BE49-F238E27FC236}">
-                <a16:creationId xmlns:a16="http://schemas.microsoft.com/office/drawing/2014/main" xmlns="" id="{22FD33E5-9537-42DA-9EA7-4BE094AB023E}"/>
+                <a16:creationId xmlns:a16="http://schemas.microsoft.com/office/drawing/2014/main" id="{22FD33E5-9537-42DA-9EA7-4BE094AB023E}"/>
               </a:ext>
             </a:extLst>
           </p:cNvPr>
@@ -28549,7 +28333,7 @@
           <p:cNvPr id="29" name="Textfeld 28">
             <a:extLst>
               <a:ext uri="{FF2B5EF4-FFF2-40B4-BE49-F238E27FC236}">
-                <a16:creationId xmlns:a16="http://schemas.microsoft.com/office/drawing/2014/main" xmlns="" id="{3F3FCD0E-FE0E-43F6-9211-5D55A081A7E3}"/>
+                <a16:creationId xmlns:a16="http://schemas.microsoft.com/office/drawing/2014/main" id="{3F3FCD0E-FE0E-43F6-9211-5D55A081A7E3}"/>
               </a:ext>
             </a:extLst>
           </p:cNvPr>
@@ -28585,7 +28369,7 @@
           <p:cNvPr id="30" name="Textfeld 29">
             <a:extLst>
               <a:ext uri="{FF2B5EF4-FFF2-40B4-BE49-F238E27FC236}">
-                <a16:creationId xmlns:a16="http://schemas.microsoft.com/office/drawing/2014/main" xmlns="" id="{BE3DE8A6-E653-4D21-A75D-D196FC09FDCD}"/>
+                <a16:creationId xmlns:a16="http://schemas.microsoft.com/office/drawing/2014/main" id="{BE3DE8A6-E653-4D21-A75D-D196FC09FDCD}"/>
               </a:ext>
             </a:extLst>
           </p:cNvPr>
@@ -28627,7 +28411,7 @@
     </p:spTree>
     <p:extLst>
       <p:ext uri="{BB962C8B-B14F-4D97-AF65-F5344CB8AC3E}">
-        <p14:creationId xmlns:p14="http://schemas.microsoft.com/office/powerpoint/2010/main" xmlns="" val="1877143116"/>
+        <p14:creationId xmlns:p14="http://schemas.microsoft.com/office/powerpoint/2010/main" val="1877143116"/>
       </p:ext>
     </p:extLst>
   </p:cSld>
@@ -28659,7 +28443,7 @@
           <p:cNvPr id="2" name="Titel 1">
             <a:extLst>
               <a:ext uri="{FF2B5EF4-FFF2-40B4-BE49-F238E27FC236}">
-                <a16:creationId xmlns:a16="http://schemas.microsoft.com/office/drawing/2014/main" xmlns="" id="{906446F2-1CF8-48FF-89D3-3844A0E3C4EE}"/>
+                <a16:creationId xmlns:a16="http://schemas.microsoft.com/office/drawing/2014/main" id="{906446F2-1CF8-48FF-89D3-3844A0E3C4EE}"/>
               </a:ext>
             </a:extLst>
           </p:cNvPr>
@@ -28694,8 +28478,8 @@
           </a:p>
         </p:txBody>
       </p:sp>
-      <mc:AlternateContent xmlns:mc="http://schemas.openxmlformats.org/markup-compatibility/2006">
-        <mc:Choice xmlns:a14="http://schemas.microsoft.com/office/drawing/2010/main" xmlns="" Requires="a14">
+      <mc:AlternateContent xmlns:mc="http://schemas.openxmlformats.org/markup-compatibility/2006" xmlns:a14="http://schemas.microsoft.com/office/drawing/2010/main">
+        <mc:Choice Requires="a14">
           <p:sp>
             <p:nvSpPr>
               <p:cNvPr id="3" name="Inhaltsplatzhalter 2">
@@ -28724,15 +28508,7 @@
                 </a:r>
                 <a:r>
                   <a:rPr lang="de-DE" dirty="0" err="1"/>
-                  <a:t>for</a:t>
-                </a:r>
-                <a:r>
-                  <a:rPr lang="de-DE" dirty="0"/>
-                  <a:t/>
-                </a:r>
-                <a:r>
-                  <a:rPr lang="de-DE" dirty="0" err="1"/>
-                  <a:t>calculating</a:t>
+                  <a:t>forcalculating</a:t>
                 </a:r>
                 <a:r>
                   <a:rPr lang="de-DE" dirty="0"/>
@@ -28740,31 +28516,7 @@
                 </a:r>
                 <a:r>
                   <a:rPr lang="de-DE" dirty="0" err="1"/>
-                  <a:t>for</a:t>
-                </a:r>
-                <a:r>
-                  <a:rPr lang="de-DE" dirty="0"/>
-                  <a:t/>
-                </a:r>
-                <a:r>
-                  <a:rPr lang="de-DE" dirty="0" err="1"/>
-                  <a:t>each</a:t>
-                </a:r>
-                <a:r>
-                  <a:rPr lang="de-DE" dirty="0"/>
-                  <a:t/>
-                </a:r>
-                <a:r>
-                  <a:rPr lang="de-DE" dirty="0" err="1"/>
-                  <a:t>summary</a:t>
-                </a:r>
-                <a:r>
-                  <a:rPr lang="de-DE" dirty="0"/>
-                  <a:t/>
-                </a:r>
-                <a:r>
-                  <a:rPr lang="de-DE" dirty="0" err="1"/>
-                  <a:t>evaluation</a:t>
+                  <a:t>foreachsummaryevaluation</a:t>
                 </a:r>
                 <a:r>
                   <a:rPr lang="de-DE" dirty="0"/>
@@ -29062,15 +28814,7 @@
                 <a:pPr marL="0" indent="0"/>
                 <a:r>
                   <a:rPr lang="de-DE" dirty="0" err="1"/>
-                  <a:t>Calculate</a:t>
-                </a:r>
-                <a:r>
-                  <a:rPr lang="de-DE" dirty="0"/>
-                  <a:t/>
-                </a:r>
-                <a:r>
-                  <a:rPr lang="de-DE" dirty="0" err="1"/>
-                  <a:t>average</a:t>
+                  <a:t>Calculateaverage</a:t>
                 </a:r>
                 <a:r>
                   <a:rPr lang="de-DE" dirty="0"/>
@@ -29078,30 +28822,14 @@
                 </a:r>
                 <a:r>
                   <a:rPr lang="de-DE" dirty="0" err="1"/>
-                  <a:t>for</a:t>
-                </a:r>
-                <a:r>
-                  <a:rPr lang="de-DE" dirty="0"/>
-                  <a:t/>
-                </a:r>
-                <a:r>
-                  <a:rPr lang="de-DE" dirty="0" err="1"/>
-                  <a:t>each</a:t>
-                </a:r>
-                <a:r>
-                  <a:rPr lang="de-DE" dirty="0"/>
-                  <a:t/>
-                </a:r>
-                <a:r>
-                  <a:rPr lang="de-DE" dirty="0" err="1"/>
-                  <a:t>summary</a:t>
+                  <a:t>foreachsummary</a:t>
                 </a:r>
                 <a:endParaRPr lang="de-DE" dirty="0"/>
               </a:p>
             </p:txBody>
           </p:sp>
         </mc:Choice>
-        <mc:Fallback>
+        <mc:Fallback xmlns="">
           <p:sp>
             <p:nvSpPr>
               <p:cNvPr id="3" name="Inhaltsplatzhalter 2">
@@ -29146,7 +28874,7 @@
           <p:cNvPr id="4" name="Pfeil: Chevron 3">
             <a:extLst>
               <a:ext uri="{FF2B5EF4-FFF2-40B4-BE49-F238E27FC236}">
-                <a16:creationId xmlns:a16="http://schemas.microsoft.com/office/drawing/2014/main" xmlns="" id="{5EEC9D2A-357E-489F-B0F5-57A267FCC5DB}"/>
+                <a16:creationId xmlns:a16="http://schemas.microsoft.com/office/drawing/2014/main" id="{5EEC9D2A-357E-489F-B0F5-57A267FCC5DB}"/>
               </a:ext>
             </a:extLst>
           </p:cNvPr>
@@ -29211,7 +28939,7 @@
           <p:cNvPr id="5" name="Pfeil: Chevron 4">
             <a:extLst>
               <a:ext uri="{FF2B5EF4-FFF2-40B4-BE49-F238E27FC236}">
-                <a16:creationId xmlns:a16="http://schemas.microsoft.com/office/drawing/2014/main" xmlns="" id="{EA3F541C-C625-42A9-9865-2830FE56BA80}"/>
+                <a16:creationId xmlns:a16="http://schemas.microsoft.com/office/drawing/2014/main" id="{EA3F541C-C625-42A9-9865-2830FE56BA80}"/>
               </a:ext>
             </a:extLst>
           </p:cNvPr>
@@ -29276,7 +29004,7 @@
           <p:cNvPr id="6" name="Pfeil: Chevron 5">
             <a:extLst>
               <a:ext uri="{FF2B5EF4-FFF2-40B4-BE49-F238E27FC236}">
-                <a16:creationId xmlns:a16="http://schemas.microsoft.com/office/drawing/2014/main" xmlns="" id="{684D4BD5-D917-426F-9A88-D450485593F9}"/>
+                <a16:creationId xmlns:a16="http://schemas.microsoft.com/office/drawing/2014/main" id="{684D4BD5-D917-426F-9A88-D450485593F9}"/>
               </a:ext>
             </a:extLst>
           </p:cNvPr>
@@ -29342,7 +29070,7 @@
     </p:spTree>
     <p:extLst>
       <p:ext uri="{BB962C8B-B14F-4D97-AF65-F5344CB8AC3E}">
-        <p14:creationId xmlns:p14="http://schemas.microsoft.com/office/powerpoint/2010/main" xmlns="" val="1402183548"/>
+        <p14:creationId xmlns:p14="http://schemas.microsoft.com/office/powerpoint/2010/main" val="1402183548"/>
       </p:ext>
     </p:extLst>
   </p:cSld>
@@ -29374,7 +29102,7 @@
           <p:cNvPr id="2" name="Titel 1">
             <a:extLst>
               <a:ext uri="{FF2B5EF4-FFF2-40B4-BE49-F238E27FC236}">
-                <a16:creationId xmlns:a16="http://schemas.microsoft.com/office/drawing/2014/main" xmlns="" id="{594F37A0-8FD9-42A4-A80F-4C479182787E}"/>
+                <a16:creationId xmlns:a16="http://schemas.microsoft.com/office/drawing/2014/main" id="{594F37A0-8FD9-42A4-A80F-4C479182787E}"/>
               </a:ext>
             </a:extLst>
           </p:cNvPr>
@@ -29417,7 +29145,7 @@
           <p:cNvPr id="12" name="Pfeil: Chevron 11">
             <a:extLst>
               <a:ext uri="{FF2B5EF4-FFF2-40B4-BE49-F238E27FC236}">
-                <a16:creationId xmlns:a16="http://schemas.microsoft.com/office/drawing/2014/main" xmlns="" id="{34A24F1C-D5F4-4C01-85C9-4E5933F42137}"/>
+                <a16:creationId xmlns:a16="http://schemas.microsoft.com/office/drawing/2014/main" id="{34A24F1C-D5F4-4C01-85C9-4E5933F42137}"/>
               </a:ext>
             </a:extLst>
           </p:cNvPr>
@@ -29482,7 +29210,7 @@
           <p:cNvPr id="13" name="Pfeil: Chevron 12">
             <a:extLst>
               <a:ext uri="{FF2B5EF4-FFF2-40B4-BE49-F238E27FC236}">
-                <a16:creationId xmlns:a16="http://schemas.microsoft.com/office/drawing/2014/main" xmlns="" id="{88D18140-7954-4650-9111-7535133750E5}"/>
+                <a16:creationId xmlns:a16="http://schemas.microsoft.com/office/drawing/2014/main" id="{88D18140-7954-4650-9111-7535133750E5}"/>
               </a:ext>
             </a:extLst>
           </p:cNvPr>
@@ -29547,7 +29275,7 @@
           <p:cNvPr id="14" name="Pfeil: Chevron 13">
             <a:extLst>
               <a:ext uri="{FF2B5EF4-FFF2-40B4-BE49-F238E27FC236}">
-                <a16:creationId xmlns:a16="http://schemas.microsoft.com/office/drawing/2014/main" xmlns="" id="{C7E1AE4E-49A2-41DC-9B59-E2116A492613}"/>
+                <a16:creationId xmlns:a16="http://schemas.microsoft.com/office/drawing/2014/main" id="{C7E1AE4E-49A2-41DC-9B59-E2116A492613}"/>
               </a:ext>
             </a:extLst>
           </p:cNvPr>
@@ -29615,7 +29343,7 @@
           <p:cNvPr id="22" name="Inhaltsplatzhalter 21">
             <a:extLst>
               <a:ext uri="{FF2B5EF4-FFF2-40B4-BE49-F238E27FC236}">
-                <a16:creationId xmlns:a16="http://schemas.microsoft.com/office/drawing/2014/main" xmlns="" id="{B8141367-41FF-4E90-ABA1-1761DD683872}"/>
+                <a16:creationId xmlns:a16="http://schemas.microsoft.com/office/drawing/2014/main" id="{B8141367-41FF-4E90-ABA1-1761DD683872}"/>
               </a:ext>
             </a:extLst>
           </p:cNvPr>
@@ -29630,7 +29358,7 @@
           <a:blip r:embed="rId3">
             <a:extLst>
               <a:ext uri="{28A0092B-C50C-407E-A947-70E740481C1C}">
-                <a14:useLocalDpi xmlns:a14="http://schemas.microsoft.com/office/drawing/2010/main" xmlns="" val="0"/>
+                <a14:useLocalDpi xmlns:a14="http://schemas.microsoft.com/office/drawing/2010/main" val="0"/>
               </a:ext>
             </a:extLst>
           </a:blip>
@@ -29648,7 +29376,7 @@
     </p:spTree>
     <p:extLst>
       <p:ext uri="{BB962C8B-B14F-4D97-AF65-F5344CB8AC3E}">
-        <p14:creationId xmlns:p14="http://schemas.microsoft.com/office/powerpoint/2010/main" xmlns="" val="4102414122"/>
+        <p14:creationId xmlns:p14="http://schemas.microsoft.com/office/powerpoint/2010/main" val="4102414122"/>
       </p:ext>
     </p:extLst>
   </p:cSld>
@@ -29680,7 +29408,7 @@
           <p:cNvPr id="2" name="Titel 1">
             <a:extLst>
               <a:ext uri="{FF2B5EF4-FFF2-40B4-BE49-F238E27FC236}">
-                <a16:creationId xmlns:a16="http://schemas.microsoft.com/office/drawing/2014/main" xmlns="" id="{594F37A0-8FD9-42A4-A80F-4C479182787E}"/>
+                <a16:creationId xmlns:a16="http://schemas.microsoft.com/office/drawing/2014/main" id="{594F37A0-8FD9-42A4-A80F-4C479182787E}"/>
               </a:ext>
             </a:extLst>
           </p:cNvPr>
@@ -29719,7 +29447,7 @@
           <p:cNvPr id="9" name="Pfeil: Chevron 8">
             <a:extLst>
               <a:ext uri="{FF2B5EF4-FFF2-40B4-BE49-F238E27FC236}">
-                <a16:creationId xmlns:a16="http://schemas.microsoft.com/office/drawing/2014/main" xmlns="" id="{3C740F4F-4493-44CF-AD1F-CF31368BB065}"/>
+                <a16:creationId xmlns:a16="http://schemas.microsoft.com/office/drawing/2014/main" id="{3C740F4F-4493-44CF-AD1F-CF31368BB065}"/>
               </a:ext>
             </a:extLst>
           </p:cNvPr>
@@ -29784,7 +29512,7 @@
           <p:cNvPr id="10" name="Pfeil: Chevron 9">
             <a:extLst>
               <a:ext uri="{FF2B5EF4-FFF2-40B4-BE49-F238E27FC236}">
-                <a16:creationId xmlns:a16="http://schemas.microsoft.com/office/drawing/2014/main" xmlns="" id="{C5855BAC-D076-4E8E-A32B-59E7B1C7F8AB}"/>
+                <a16:creationId xmlns:a16="http://schemas.microsoft.com/office/drawing/2014/main" id="{C5855BAC-D076-4E8E-A32B-59E7B1C7F8AB}"/>
               </a:ext>
             </a:extLst>
           </p:cNvPr>
@@ -29849,7 +29577,7 @@
           <p:cNvPr id="11" name="Pfeil: Chevron 10">
             <a:extLst>
               <a:ext uri="{FF2B5EF4-FFF2-40B4-BE49-F238E27FC236}">
-                <a16:creationId xmlns:a16="http://schemas.microsoft.com/office/drawing/2014/main" xmlns="" id="{9EA63425-6DAD-425A-AA32-5EA1C63996B6}"/>
+                <a16:creationId xmlns:a16="http://schemas.microsoft.com/office/drawing/2014/main" id="{9EA63425-6DAD-425A-AA32-5EA1C63996B6}"/>
               </a:ext>
             </a:extLst>
           </p:cNvPr>
@@ -29917,7 +29645,7 @@
           <p:cNvPr id="13" name="Inhaltsplatzhalter 12">
             <a:extLst>
               <a:ext uri="{FF2B5EF4-FFF2-40B4-BE49-F238E27FC236}">
-                <a16:creationId xmlns:a16="http://schemas.microsoft.com/office/drawing/2014/main" xmlns="" id="{E36EC592-9266-4ABD-A559-75EDC5D86776}"/>
+                <a16:creationId xmlns:a16="http://schemas.microsoft.com/office/drawing/2014/main" id="{E36EC592-9266-4ABD-A559-75EDC5D86776}"/>
               </a:ext>
             </a:extLst>
           </p:cNvPr>
@@ -29932,7 +29660,7 @@
           <a:blip r:embed="rId3">
             <a:extLst>
               <a:ext uri="{28A0092B-C50C-407E-A947-70E740481C1C}">
-                <a14:useLocalDpi xmlns:a14="http://schemas.microsoft.com/office/drawing/2010/main" xmlns="" val="0"/>
+                <a14:useLocalDpi xmlns:a14="http://schemas.microsoft.com/office/drawing/2010/main" val="0"/>
               </a:ext>
             </a:extLst>
           </a:blip>
@@ -29950,7 +29678,7 @@
     </p:spTree>
     <p:extLst>
       <p:ext uri="{BB962C8B-B14F-4D97-AF65-F5344CB8AC3E}">
-        <p14:creationId xmlns:p14="http://schemas.microsoft.com/office/powerpoint/2010/main" xmlns="" val="3101916114"/>
+        <p14:creationId xmlns:p14="http://schemas.microsoft.com/office/powerpoint/2010/main" val="3101916114"/>
       </p:ext>
     </p:extLst>
   </p:cSld>
@@ -29982,7 +29710,7 @@
           <p:cNvPr id="2" name="Titel 1">
             <a:extLst>
               <a:ext uri="{FF2B5EF4-FFF2-40B4-BE49-F238E27FC236}">
-                <a16:creationId xmlns:a16="http://schemas.microsoft.com/office/drawing/2014/main" xmlns="" id="{594F37A0-8FD9-42A4-A80F-4C479182787E}"/>
+                <a16:creationId xmlns:a16="http://schemas.microsoft.com/office/drawing/2014/main" id="{594F37A0-8FD9-42A4-A80F-4C479182787E}"/>
               </a:ext>
             </a:extLst>
           </p:cNvPr>
@@ -30026,7 +29754,7 @@
           <p:cNvPr id="9" name="Pfeil: Chevron 8">
             <a:extLst>
               <a:ext uri="{FF2B5EF4-FFF2-40B4-BE49-F238E27FC236}">
-                <a16:creationId xmlns:a16="http://schemas.microsoft.com/office/drawing/2014/main" xmlns="" id="{3C740F4F-4493-44CF-AD1F-CF31368BB065}"/>
+                <a16:creationId xmlns:a16="http://schemas.microsoft.com/office/drawing/2014/main" id="{3C740F4F-4493-44CF-AD1F-CF31368BB065}"/>
               </a:ext>
             </a:extLst>
           </p:cNvPr>
@@ -30091,7 +29819,7 @@
           <p:cNvPr id="10" name="Pfeil: Chevron 9">
             <a:extLst>
               <a:ext uri="{FF2B5EF4-FFF2-40B4-BE49-F238E27FC236}">
-                <a16:creationId xmlns:a16="http://schemas.microsoft.com/office/drawing/2014/main" xmlns="" id="{C5855BAC-D076-4E8E-A32B-59E7B1C7F8AB}"/>
+                <a16:creationId xmlns:a16="http://schemas.microsoft.com/office/drawing/2014/main" id="{C5855BAC-D076-4E8E-A32B-59E7B1C7F8AB}"/>
               </a:ext>
             </a:extLst>
           </p:cNvPr>
@@ -30156,7 +29884,7 @@
           <p:cNvPr id="11" name="Pfeil: Chevron 10">
             <a:extLst>
               <a:ext uri="{FF2B5EF4-FFF2-40B4-BE49-F238E27FC236}">
-                <a16:creationId xmlns:a16="http://schemas.microsoft.com/office/drawing/2014/main" xmlns="" id="{9EA63425-6DAD-425A-AA32-5EA1C63996B6}"/>
+                <a16:creationId xmlns:a16="http://schemas.microsoft.com/office/drawing/2014/main" id="{9EA63425-6DAD-425A-AA32-5EA1C63996B6}"/>
               </a:ext>
             </a:extLst>
           </p:cNvPr>
@@ -30224,7 +29952,7 @@
           <p:cNvPr id="6" name="Inhaltsplatzhalter 5">
             <a:extLst>
               <a:ext uri="{FF2B5EF4-FFF2-40B4-BE49-F238E27FC236}">
-                <a16:creationId xmlns:a16="http://schemas.microsoft.com/office/drawing/2014/main" xmlns="" id="{3125EF6F-1C8B-41A1-982A-E86DD1DD89BB}"/>
+                <a16:creationId xmlns:a16="http://schemas.microsoft.com/office/drawing/2014/main" id="{3125EF6F-1C8B-41A1-982A-E86DD1DD89BB}"/>
               </a:ext>
             </a:extLst>
           </p:cNvPr>
@@ -30239,7 +29967,7 @@
           <a:blip r:embed="rId3">
             <a:extLst>
               <a:ext uri="{28A0092B-C50C-407E-A947-70E740481C1C}">
-                <a14:useLocalDpi xmlns:a14="http://schemas.microsoft.com/office/drawing/2010/main" xmlns="" val="0"/>
+                <a14:useLocalDpi xmlns:a14="http://schemas.microsoft.com/office/drawing/2010/main" val="0"/>
               </a:ext>
             </a:extLst>
           </a:blip>
@@ -30257,7 +29985,7 @@
     </p:spTree>
     <p:extLst>
       <p:ext uri="{BB962C8B-B14F-4D97-AF65-F5344CB8AC3E}">
-        <p14:creationId xmlns:p14="http://schemas.microsoft.com/office/powerpoint/2010/main" xmlns="" val="2722229048"/>
+        <p14:creationId xmlns:p14="http://schemas.microsoft.com/office/powerpoint/2010/main" val="2722229048"/>
       </p:ext>
     </p:extLst>
   </p:cSld>
@@ -30289,7 +30017,7 @@
           <p:cNvPr id="2" name="Titel 1">
             <a:extLst>
               <a:ext uri="{FF2B5EF4-FFF2-40B4-BE49-F238E27FC236}">
-                <a16:creationId xmlns:a16="http://schemas.microsoft.com/office/drawing/2014/main" xmlns="" id="{594F37A0-8FD9-42A4-A80F-4C479182787E}"/>
+                <a16:creationId xmlns:a16="http://schemas.microsoft.com/office/drawing/2014/main" id="{594F37A0-8FD9-42A4-A80F-4C479182787E}"/>
               </a:ext>
             </a:extLst>
           </p:cNvPr>
@@ -30317,7 +30045,7 @@
           <p:cNvPr id="3" name="Inhaltsplatzhalter 2">
             <a:extLst>
               <a:ext uri="{FF2B5EF4-FFF2-40B4-BE49-F238E27FC236}">
-                <a16:creationId xmlns:a16="http://schemas.microsoft.com/office/drawing/2014/main" xmlns="" id="{B201CE33-F1D7-423B-B373-1D449812B3D5}"/>
+                <a16:creationId xmlns:a16="http://schemas.microsoft.com/office/drawing/2014/main" id="{B201CE33-F1D7-423B-B373-1D449812B3D5}"/>
               </a:ext>
             </a:extLst>
           </p:cNvPr>
@@ -30808,7 +30536,7 @@
           <p:cNvPr id="9" name="Pfeil: Chevron 8">
             <a:extLst>
               <a:ext uri="{FF2B5EF4-FFF2-40B4-BE49-F238E27FC236}">
-                <a16:creationId xmlns:a16="http://schemas.microsoft.com/office/drawing/2014/main" xmlns="" id="{DDE5044C-FB64-4601-8122-66CB869EFAB9}"/>
+                <a16:creationId xmlns:a16="http://schemas.microsoft.com/office/drawing/2014/main" id="{DDE5044C-FB64-4601-8122-66CB869EFAB9}"/>
               </a:ext>
             </a:extLst>
           </p:cNvPr>
@@ -30873,7 +30601,7 @@
           <p:cNvPr id="10" name="Pfeil: Chevron 9">
             <a:extLst>
               <a:ext uri="{FF2B5EF4-FFF2-40B4-BE49-F238E27FC236}">
-                <a16:creationId xmlns:a16="http://schemas.microsoft.com/office/drawing/2014/main" xmlns="" id="{80B83E07-055D-4221-B559-0B05099697E1}"/>
+                <a16:creationId xmlns:a16="http://schemas.microsoft.com/office/drawing/2014/main" id="{80B83E07-055D-4221-B559-0B05099697E1}"/>
               </a:ext>
             </a:extLst>
           </p:cNvPr>
@@ -30938,7 +30666,7 @@
           <p:cNvPr id="11" name="Pfeil: Chevron 10">
             <a:extLst>
               <a:ext uri="{FF2B5EF4-FFF2-40B4-BE49-F238E27FC236}">
-                <a16:creationId xmlns:a16="http://schemas.microsoft.com/office/drawing/2014/main" xmlns="" id="{AB67AE60-B54E-4EC0-AD37-E28D15C0A2C5}"/>
+                <a16:creationId xmlns:a16="http://schemas.microsoft.com/office/drawing/2014/main" id="{AB67AE60-B54E-4EC0-AD37-E28D15C0A2C5}"/>
               </a:ext>
             </a:extLst>
           </p:cNvPr>
@@ -31004,7 +30732,7 @@
     </p:spTree>
     <p:extLst>
       <p:ext uri="{BB962C8B-B14F-4D97-AF65-F5344CB8AC3E}">
-        <p14:creationId xmlns:p14="http://schemas.microsoft.com/office/powerpoint/2010/main" xmlns="" val="1367615360"/>
+        <p14:creationId xmlns:p14="http://schemas.microsoft.com/office/powerpoint/2010/main" val="1367615360"/>
       </p:ext>
     </p:extLst>
   </p:cSld>
@@ -31036,7 +30764,7 @@
           <p:cNvPr id="2" name="Titel 1">
             <a:extLst>
               <a:ext uri="{FF2B5EF4-FFF2-40B4-BE49-F238E27FC236}">
-                <a16:creationId xmlns:a16="http://schemas.microsoft.com/office/drawing/2014/main" xmlns="" id="{594F37A0-8FD9-42A4-A80F-4C479182787E}"/>
+                <a16:creationId xmlns:a16="http://schemas.microsoft.com/office/drawing/2014/main" id="{594F37A0-8FD9-42A4-A80F-4C479182787E}"/>
               </a:ext>
             </a:extLst>
           </p:cNvPr>
@@ -31064,7 +30792,7 @@
           <p:cNvPr id="3" name="Inhaltsplatzhalter 2">
             <a:extLst>
               <a:ext uri="{FF2B5EF4-FFF2-40B4-BE49-F238E27FC236}">
-                <a16:creationId xmlns:a16="http://schemas.microsoft.com/office/drawing/2014/main" xmlns="" id="{B201CE33-F1D7-423B-B373-1D449812B3D5}"/>
+                <a16:creationId xmlns:a16="http://schemas.microsoft.com/office/drawing/2014/main" id="{B201CE33-F1D7-423B-B373-1D449812B3D5}"/>
               </a:ext>
             </a:extLst>
           </p:cNvPr>
@@ -31140,7 +30868,7 @@
           <p:cNvPr id="9" name="Pfeil: Chevron 8">
             <a:extLst>
               <a:ext uri="{FF2B5EF4-FFF2-40B4-BE49-F238E27FC236}">
-                <a16:creationId xmlns:a16="http://schemas.microsoft.com/office/drawing/2014/main" xmlns="" id="{6F7910A6-D450-49A7-BB8B-6580F7ABE218}"/>
+                <a16:creationId xmlns:a16="http://schemas.microsoft.com/office/drawing/2014/main" id="{6F7910A6-D450-49A7-BB8B-6580F7ABE218}"/>
               </a:ext>
             </a:extLst>
           </p:cNvPr>
@@ -31205,7 +30933,7 @@
           <p:cNvPr id="10" name="Pfeil: Chevron 9">
             <a:extLst>
               <a:ext uri="{FF2B5EF4-FFF2-40B4-BE49-F238E27FC236}">
-                <a16:creationId xmlns:a16="http://schemas.microsoft.com/office/drawing/2014/main" xmlns="" id="{C6577884-8690-4463-AD38-441F8CCBB453}"/>
+                <a16:creationId xmlns:a16="http://schemas.microsoft.com/office/drawing/2014/main" id="{C6577884-8690-4463-AD38-441F8CCBB453}"/>
               </a:ext>
             </a:extLst>
           </p:cNvPr>
@@ -31270,7 +30998,7 @@
           <p:cNvPr id="11" name="Pfeil: Chevron 10">
             <a:extLst>
               <a:ext uri="{FF2B5EF4-FFF2-40B4-BE49-F238E27FC236}">
-                <a16:creationId xmlns:a16="http://schemas.microsoft.com/office/drawing/2014/main" xmlns="" id="{4FEB7253-6130-484F-ABFB-431CD21A386D}"/>
+                <a16:creationId xmlns:a16="http://schemas.microsoft.com/office/drawing/2014/main" id="{4FEB7253-6130-484F-ABFB-431CD21A386D}"/>
               </a:ext>
             </a:extLst>
           </p:cNvPr>
@@ -31336,7 +31064,7 @@
     </p:spTree>
     <p:extLst>
       <p:ext uri="{BB962C8B-B14F-4D97-AF65-F5344CB8AC3E}">
-        <p14:creationId xmlns:p14="http://schemas.microsoft.com/office/powerpoint/2010/main" xmlns="" val="3836036945"/>
+        <p14:creationId xmlns:p14="http://schemas.microsoft.com/office/powerpoint/2010/main" val="3836036945"/>
       </p:ext>
     </p:extLst>
   </p:cSld>
@@ -31368,7 +31096,7 @@
           <p:cNvPr id="2" name="Titel 1">
             <a:extLst>
               <a:ext uri="{FF2B5EF4-FFF2-40B4-BE49-F238E27FC236}">
-                <a16:creationId xmlns:a16="http://schemas.microsoft.com/office/drawing/2014/main" xmlns="" id="{ECD13983-53CB-41A8-9897-E4D20881F929}"/>
+                <a16:creationId xmlns:a16="http://schemas.microsoft.com/office/drawing/2014/main" id="{ECD13983-53CB-41A8-9897-E4D20881F929}"/>
               </a:ext>
             </a:extLst>
           </p:cNvPr>
@@ -31396,7 +31124,7 @@
           <p:cNvPr id="3" name="Textplatzhalter 2">
             <a:extLst>
               <a:ext uri="{FF2B5EF4-FFF2-40B4-BE49-F238E27FC236}">
-                <a16:creationId xmlns:a16="http://schemas.microsoft.com/office/drawing/2014/main" xmlns="" id="{8A82E612-E974-4DE0-823F-A661C5C288BB}"/>
+                <a16:creationId xmlns:a16="http://schemas.microsoft.com/office/drawing/2014/main" id="{8A82E612-E974-4DE0-823F-A661C5C288BB}"/>
               </a:ext>
             </a:extLst>
           </p:cNvPr>
@@ -31419,7 +31147,7 @@
     </p:spTree>
     <p:extLst>
       <p:ext uri="{BB962C8B-B14F-4D97-AF65-F5344CB8AC3E}">
-        <p14:creationId xmlns:p14="http://schemas.microsoft.com/office/powerpoint/2010/main" xmlns="" val="1076095784"/>
+        <p14:creationId xmlns:p14="http://schemas.microsoft.com/office/powerpoint/2010/main" val="1076095784"/>
       </p:ext>
     </p:extLst>
   </p:cSld>
@@ -31486,10 +31214,9 @@
           <a:lstStyle/>
           <a:p>
             <a:r>
-              <a:rPr lang="de-DE" b="1" dirty="0" smtClean="0"/>
+              <a:rPr lang="de-DE" b="1" dirty="0"/>
               <a:t>Percentage of Similarity of Hierarchy Trees</a:t>
             </a:r>
-            <a:endParaRPr lang="de-DE" b="1" dirty="0"/>
           </a:p>
         </p:txBody>
       </p:sp>
@@ -31531,7 +31258,7 @@
           <p:cNvPr id="5" name="Titel 1">
             <a:extLst>
               <a:ext uri="{FF2B5EF4-FFF2-40B4-BE49-F238E27FC236}">
-                <a16:creationId xmlns:a16="http://schemas.microsoft.com/office/drawing/2014/main" xmlns="" id="{594F37A0-8FD9-42A4-A80F-4C479182787E}"/>
+                <a16:creationId xmlns:a16="http://schemas.microsoft.com/office/drawing/2014/main" id="{594F37A0-8FD9-42A4-A80F-4C479182787E}"/>
               </a:ext>
             </a:extLst>
           </p:cNvPr>
@@ -31650,7 +31377,7 @@
               <a:defRPr/>
             </a:pPr>
             <a:r>
-              <a:rPr lang="de-DE" sz="1400" kern="0" dirty="0" smtClean="0">
+              <a:rPr lang="de-DE" sz="1400" kern="0" dirty="0">
                 <a:latin typeface="+mn-lt"/>
                 <a:cs typeface="Tahoma" pitchFamily="34" charset="0"/>
               </a:rPr>
@@ -31703,7 +31430,7 @@
           <p:cNvPr id="2" name="Titel 1">
             <a:extLst>
               <a:ext uri="{FF2B5EF4-FFF2-40B4-BE49-F238E27FC236}">
-                <a16:creationId xmlns:a16="http://schemas.microsoft.com/office/drawing/2014/main" xmlns="" id="{594F37A0-8FD9-42A4-A80F-4C479182787E}"/>
+                <a16:creationId xmlns:a16="http://schemas.microsoft.com/office/drawing/2014/main" id="{594F37A0-8FD9-42A4-A80F-4C479182787E}"/>
               </a:ext>
             </a:extLst>
           </p:cNvPr>
@@ -31731,10 +31458,6 @@
               <a:rPr lang="de-DE" dirty="0" err="1"/>
               <a:t>Selection</a:t>
             </a:r>
-            <a:r>
-              <a:rPr lang="de-DE" dirty="0"/>
-              <a:t/>
-            </a:r>
             <a:br>
               <a:rPr lang="de-DE" dirty="0"/>
             </a:br>
@@ -31750,7 +31473,7 @@
           <p:cNvPr id="9" name="Pfeil: Chevron 8">
             <a:extLst>
               <a:ext uri="{FF2B5EF4-FFF2-40B4-BE49-F238E27FC236}">
-                <a16:creationId xmlns:a16="http://schemas.microsoft.com/office/drawing/2014/main" xmlns="" id="{FA5FE26A-6FE2-4F21-AB7E-1100413865AD}"/>
+                <a16:creationId xmlns:a16="http://schemas.microsoft.com/office/drawing/2014/main" id="{FA5FE26A-6FE2-4F21-AB7E-1100413865AD}"/>
               </a:ext>
             </a:extLst>
           </p:cNvPr>
@@ -31815,7 +31538,7 @@
           <p:cNvPr id="10" name="Pfeil: Chevron 9">
             <a:extLst>
               <a:ext uri="{FF2B5EF4-FFF2-40B4-BE49-F238E27FC236}">
-                <a16:creationId xmlns:a16="http://schemas.microsoft.com/office/drawing/2014/main" xmlns="" id="{0A51E448-9102-463C-8518-4996D5A66887}"/>
+                <a16:creationId xmlns:a16="http://schemas.microsoft.com/office/drawing/2014/main" id="{0A51E448-9102-463C-8518-4996D5A66887}"/>
               </a:ext>
             </a:extLst>
           </p:cNvPr>
@@ -31883,7 +31606,7 @@
           <p:cNvPr id="11" name="Pfeil: Chevron 10">
             <a:extLst>
               <a:ext uri="{FF2B5EF4-FFF2-40B4-BE49-F238E27FC236}">
-                <a16:creationId xmlns:a16="http://schemas.microsoft.com/office/drawing/2014/main" xmlns="" id="{D5078BA8-372A-47DD-AA54-DCFA4FE31E97}"/>
+                <a16:creationId xmlns:a16="http://schemas.microsoft.com/office/drawing/2014/main" id="{D5078BA8-372A-47DD-AA54-DCFA4FE31E97}"/>
               </a:ext>
             </a:extLst>
           </p:cNvPr>
@@ -31953,7 +31676,7 @@
           <p:cNvPr id="12" name="Inhaltsplatzhalter 11">
             <a:extLst>
               <a:ext uri="{FF2B5EF4-FFF2-40B4-BE49-F238E27FC236}">
-                <a16:creationId xmlns:a16="http://schemas.microsoft.com/office/drawing/2014/main" xmlns="" id="{DD512F05-C74A-49F8-92B6-BF5EC703CCDF}"/>
+                <a16:creationId xmlns:a16="http://schemas.microsoft.com/office/drawing/2014/main" id="{DD512F05-C74A-49F8-92B6-BF5EC703CCDF}"/>
               </a:ext>
             </a:extLst>
           </p:cNvPr>
@@ -32116,7 +31839,7 @@
     </p:spTree>
     <p:extLst>
       <p:ext uri="{BB962C8B-B14F-4D97-AF65-F5344CB8AC3E}">
-        <p14:creationId xmlns:p14="http://schemas.microsoft.com/office/powerpoint/2010/main" xmlns="" val="2449957204"/>
+        <p14:creationId xmlns:p14="http://schemas.microsoft.com/office/powerpoint/2010/main" val="2449957204"/>
       </p:ext>
     </p:extLst>
   </p:cSld>
@@ -32148,7 +31871,7 @@
           <p:cNvPr id="2" name="Titel 1">
             <a:extLst>
               <a:ext uri="{FF2B5EF4-FFF2-40B4-BE49-F238E27FC236}">
-                <a16:creationId xmlns:a16="http://schemas.microsoft.com/office/drawing/2014/main" xmlns="" id="{594F37A0-8FD9-42A4-A80F-4C479182787E}"/>
+                <a16:creationId xmlns:a16="http://schemas.microsoft.com/office/drawing/2014/main" id="{594F37A0-8FD9-42A4-A80F-4C479182787E}"/>
               </a:ext>
             </a:extLst>
           </p:cNvPr>
@@ -32176,10 +31899,6 @@
               <a:rPr lang="de-DE" dirty="0" err="1"/>
               <a:t>Selection</a:t>
             </a:r>
-            <a:r>
-              <a:rPr lang="de-DE" dirty="0"/>
-              <a:t/>
-            </a:r>
             <a:br>
               <a:rPr lang="de-DE" dirty="0"/>
             </a:br>
@@ -32200,7 +31919,7 @@
           <p:cNvPr id="3" name="Inhaltsplatzhalter 2">
             <a:extLst>
               <a:ext uri="{FF2B5EF4-FFF2-40B4-BE49-F238E27FC236}">
-                <a16:creationId xmlns:a16="http://schemas.microsoft.com/office/drawing/2014/main" xmlns="" id="{B201CE33-F1D7-423B-B373-1D449812B3D5}"/>
+                <a16:creationId xmlns:a16="http://schemas.microsoft.com/office/drawing/2014/main" id="{B201CE33-F1D7-423B-B373-1D449812B3D5}"/>
               </a:ext>
             </a:extLst>
           </p:cNvPr>
@@ -32355,7 +32074,7 @@
           <p:cNvPr id="16" name="Pfeil: Chevron 15">
             <a:extLst>
               <a:ext uri="{FF2B5EF4-FFF2-40B4-BE49-F238E27FC236}">
-                <a16:creationId xmlns:a16="http://schemas.microsoft.com/office/drawing/2014/main" xmlns="" id="{5AC50936-705C-4381-9F88-6F9F1B24AA18}"/>
+                <a16:creationId xmlns:a16="http://schemas.microsoft.com/office/drawing/2014/main" id="{5AC50936-705C-4381-9F88-6F9F1B24AA18}"/>
               </a:ext>
             </a:extLst>
           </p:cNvPr>
@@ -32420,7 +32139,7 @@
           <p:cNvPr id="17" name="Pfeil: Chevron 16">
             <a:extLst>
               <a:ext uri="{FF2B5EF4-FFF2-40B4-BE49-F238E27FC236}">
-                <a16:creationId xmlns:a16="http://schemas.microsoft.com/office/drawing/2014/main" xmlns="" id="{ABB889D1-0802-4E19-858D-2EF69B4565C4}"/>
+                <a16:creationId xmlns:a16="http://schemas.microsoft.com/office/drawing/2014/main" id="{ABB889D1-0802-4E19-858D-2EF69B4565C4}"/>
               </a:ext>
             </a:extLst>
           </p:cNvPr>
@@ -32488,7 +32207,7 @@
           <p:cNvPr id="18" name="Pfeil: Chevron 17">
             <a:extLst>
               <a:ext uri="{FF2B5EF4-FFF2-40B4-BE49-F238E27FC236}">
-                <a16:creationId xmlns:a16="http://schemas.microsoft.com/office/drawing/2014/main" xmlns="" id="{66C7ACE5-7144-4391-A72B-175A310390A3}"/>
+                <a16:creationId xmlns:a16="http://schemas.microsoft.com/office/drawing/2014/main" id="{66C7ACE5-7144-4391-A72B-175A310390A3}"/>
               </a:ext>
             </a:extLst>
           </p:cNvPr>
@@ -32556,7 +32275,7 @@
     </p:spTree>
     <p:extLst>
       <p:ext uri="{BB962C8B-B14F-4D97-AF65-F5344CB8AC3E}">
-        <p14:creationId xmlns:p14="http://schemas.microsoft.com/office/powerpoint/2010/main" xmlns="" val="1783394801"/>
+        <p14:creationId xmlns:p14="http://schemas.microsoft.com/office/powerpoint/2010/main" val="1783394801"/>
       </p:ext>
     </p:extLst>
   </p:cSld>
@@ -32588,7 +32307,7 @@
           <p:cNvPr id="2" name="Titel 1">
             <a:extLst>
               <a:ext uri="{FF2B5EF4-FFF2-40B4-BE49-F238E27FC236}">
-                <a16:creationId xmlns:a16="http://schemas.microsoft.com/office/drawing/2014/main" xmlns="" id="{594F37A0-8FD9-42A4-A80F-4C479182787E}"/>
+                <a16:creationId xmlns:a16="http://schemas.microsoft.com/office/drawing/2014/main" id="{594F37A0-8FD9-42A4-A80F-4C479182787E}"/>
               </a:ext>
             </a:extLst>
           </p:cNvPr>
@@ -32616,10 +32335,6 @@
               <a:rPr lang="de-DE" dirty="0" err="1"/>
               <a:t>Selection</a:t>
             </a:r>
-            <a:r>
-              <a:rPr lang="de-DE" dirty="0"/>
-              <a:t/>
-            </a:r>
             <a:br>
               <a:rPr lang="de-DE" dirty="0"/>
             </a:br>
@@ -32636,7 +32351,7 @@
           <p:cNvPr id="3" name="Inhaltsplatzhalter 2">
             <a:extLst>
               <a:ext uri="{FF2B5EF4-FFF2-40B4-BE49-F238E27FC236}">
-                <a16:creationId xmlns:a16="http://schemas.microsoft.com/office/drawing/2014/main" xmlns="" id="{B201CE33-F1D7-423B-B373-1D449812B3D5}"/>
+                <a16:creationId xmlns:a16="http://schemas.microsoft.com/office/drawing/2014/main" id="{B201CE33-F1D7-423B-B373-1D449812B3D5}"/>
               </a:ext>
             </a:extLst>
           </p:cNvPr>
@@ -32737,7 +32452,7 @@
           <p:cNvPr id="9" name="Pfeil: Chevron 8">
             <a:extLst>
               <a:ext uri="{FF2B5EF4-FFF2-40B4-BE49-F238E27FC236}">
-                <a16:creationId xmlns:a16="http://schemas.microsoft.com/office/drawing/2014/main" xmlns="" id="{C532D9B3-DCE4-4BF1-920A-5B7FC8EF5F97}"/>
+                <a16:creationId xmlns:a16="http://schemas.microsoft.com/office/drawing/2014/main" id="{C532D9B3-DCE4-4BF1-920A-5B7FC8EF5F97}"/>
               </a:ext>
             </a:extLst>
           </p:cNvPr>
@@ -32802,7 +32517,7 @@
           <p:cNvPr id="10" name="Pfeil: Chevron 9">
             <a:extLst>
               <a:ext uri="{FF2B5EF4-FFF2-40B4-BE49-F238E27FC236}">
-                <a16:creationId xmlns:a16="http://schemas.microsoft.com/office/drawing/2014/main" xmlns="" id="{E99ECF81-9260-40D1-BA0D-CA4C802C69EA}"/>
+                <a16:creationId xmlns:a16="http://schemas.microsoft.com/office/drawing/2014/main" id="{E99ECF81-9260-40D1-BA0D-CA4C802C69EA}"/>
               </a:ext>
             </a:extLst>
           </p:cNvPr>
@@ -32870,7 +32585,7 @@
           <p:cNvPr id="11" name="Pfeil: Chevron 10">
             <a:extLst>
               <a:ext uri="{FF2B5EF4-FFF2-40B4-BE49-F238E27FC236}">
-                <a16:creationId xmlns:a16="http://schemas.microsoft.com/office/drawing/2014/main" xmlns="" id="{46BBB43B-724F-4847-8861-A82579FB0042}"/>
+                <a16:creationId xmlns:a16="http://schemas.microsoft.com/office/drawing/2014/main" id="{46BBB43B-724F-4847-8861-A82579FB0042}"/>
               </a:ext>
             </a:extLst>
           </p:cNvPr>
@@ -32938,7 +32653,7 @@
     </p:spTree>
     <p:extLst>
       <p:ext uri="{BB962C8B-B14F-4D97-AF65-F5344CB8AC3E}">
-        <p14:creationId xmlns:p14="http://schemas.microsoft.com/office/powerpoint/2010/main" xmlns="" val="336162044"/>
+        <p14:creationId xmlns:p14="http://schemas.microsoft.com/office/powerpoint/2010/main" val="336162044"/>
       </p:ext>
     </p:extLst>
   </p:cSld>
@@ -32970,7 +32685,7 @@
           <p:cNvPr id="2" name="Titel 1">
             <a:extLst>
               <a:ext uri="{FF2B5EF4-FFF2-40B4-BE49-F238E27FC236}">
-                <a16:creationId xmlns:a16="http://schemas.microsoft.com/office/drawing/2014/main" xmlns="" id="{594F37A0-8FD9-42A4-A80F-4C479182787E}"/>
+                <a16:creationId xmlns:a16="http://schemas.microsoft.com/office/drawing/2014/main" id="{594F37A0-8FD9-42A4-A80F-4C479182787E}"/>
               </a:ext>
             </a:extLst>
           </p:cNvPr>
@@ -32998,10 +32713,6 @@
               <a:rPr lang="de-DE" dirty="0" err="1"/>
               <a:t>Selection</a:t>
             </a:r>
-            <a:r>
-              <a:rPr lang="de-DE" dirty="0"/>
-              <a:t/>
-            </a:r>
             <a:br>
               <a:rPr lang="de-DE" dirty="0"/>
             </a:br>
@@ -33018,7 +32729,7 @@
           <p:cNvPr id="3" name="Inhaltsplatzhalter 2">
             <a:extLst>
               <a:ext uri="{FF2B5EF4-FFF2-40B4-BE49-F238E27FC236}">
-                <a16:creationId xmlns:a16="http://schemas.microsoft.com/office/drawing/2014/main" xmlns="" id="{B201CE33-F1D7-423B-B373-1D449812B3D5}"/>
+                <a16:creationId xmlns:a16="http://schemas.microsoft.com/office/drawing/2014/main" id="{B201CE33-F1D7-423B-B373-1D449812B3D5}"/>
               </a:ext>
             </a:extLst>
           </p:cNvPr>
@@ -33117,7 +32828,7 @@
           <p:cNvPr id="9" name="Pfeil: Chevron 8">
             <a:extLst>
               <a:ext uri="{FF2B5EF4-FFF2-40B4-BE49-F238E27FC236}">
-                <a16:creationId xmlns:a16="http://schemas.microsoft.com/office/drawing/2014/main" xmlns="" id="{17D89CF8-3A87-44B7-9147-E3091A594B03}"/>
+                <a16:creationId xmlns:a16="http://schemas.microsoft.com/office/drawing/2014/main" id="{17D89CF8-3A87-44B7-9147-E3091A594B03}"/>
               </a:ext>
             </a:extLst>
           </p:cNvPr>
@@ -33182,7 +32893,7 @@
           <p:cNvPr id="10" name="Pfeil: Chevron 9">
             <a:extLst>
               <a:ext uri="{FF2B5EF4-FFF2-40B4-BE49-F238E27FC236}">
-                <a16:creationId xmlns:a16="http://schemas.microsoft.com/office/drawing/2014/main" xmlns="" id="{EC21E38E-2ABD-48D3-AE71-80005A169984}"/>
+                <a16:creationId xmlns:a16="http://schemas.microsoft.com/office/drawing/2014/main" id="{EC21E38E-2ABD-48D3-AE71-80005A169984}"/>
               </a:ext>
             </a:extLst>
           </p:cNvPr>
@@ -33250,7 +32961,7 @@
           <p:cNvPr id="11" name="Pfeil: Chevron 10">
             <a:extLst>
               <a:ext uri="{FF2B5EF4-FFF2-40B4-BE49-F238E27FC236}">
-                <a16:creationId xmlns:a16="http://schemas.microsoft.com/office/drawing/2014/main" xmlns="" id="{DF3BC811-5552-43CF-BDC0-88B667B5A6E6}"/>
+                <a16:creationId xmlns:a16="http://schemas.microsoft.com/office/drawing/2014/main" id="{DF3BC811-5552-43CF-BDC0-88B667B5A6E6}"/>
               </a:ext>
             </a:extLst>
           </p:cNvPr>
@@ -33318,7 +33029,7 @@
     </p:spTree>
     <p:extLst>
       <p:ext uri="{BB962C8B-B14F-4D97-AF65-F5344CB8AC3E}">
-        <p14:creationId xmlns:p14="http://schemas.microsoft.com/office/powerpoint/2010/main" xmlns="" val="2840066385"/>
+        <p14:creationId xmlns:p14="http://schemas.microsoft.com/office/powerpoint/2010/main" val="2840066385"/>
       </p:ext>
     </p:extLst>
   </p:cSld>
@@ -33350,7 +33061,7 @@
           <p:cNvPr id="13" name="Inhaltsplatzhalter 12">
             <a:extLst>
               <a:ext uri="{FF2B5EF4-FFF2-40B4-BE49-F238E27FC236}">
-                <a16:creationId xmlns:a16="http://schemas.microsoft.com/office/drawing/2014/main" xmlns="" id="{C4EC4554-79F0-459D-8CA7-AC7AD01489EA}"/>
+                <a16:creationId xmlns:a16="http://schemas.microsoft.com/office/drawing/2014/main" id="{C4EC4554-79F0-459D-8CA7-AC7AD01489EA}"/>
               </a:ext>
             </a:extLst>
           </p:cNvPr>
@@ -33386,10 +33097,6 @@
               <a:rPr lang="de-DE" sz="2200" dirty="0" err="1"/>
               <a:t>preprocess</a:t>
             </a:r>
-            <a:r>
-              <a:rPr lang="de-DE" sz="2200" dirty="0"/>
-              <a:t/>
-            </a:r>
             <a:br>
               <a:rPr lang="de-DE" sz="2200" dirty="0"/>
             </a:br>
@@ -33477,17 +33184,9 @@
             <a:pPr marL="0" lvl="1" indent="-7937">
               <a:buNone/>
             </a:pPr>
-            <a:r>
-              <a:rPr lang="de-DE" sz="2400" dirty="0"/>
-              <a:t/>
-            </a:r>
             <a:br>
               <a:rPr lang="de-DE" sz="2400" dirty="0"/>
             </a:br>
-            <a:r>
-              <a:rPr lang="de-DE" sz="2400" dirty="0"/>
-              <a:t/>
-            </a:r>
             <a:br>
               <a:rPr lang="de-DE" sz="2400" dirty="0"/>
             </a:br>
@@ -33503,7 +33202,7 @@
           <p:cNvPr id="2" name="Titel 1">
             <a:extLst>
               <a:ext uri="{FF2B5EF4-FFF2-40B4-BE49-F238E27FC236}">
-                <a16:creationId xmlns:a16="http://schemas.microsoft.com/office/drawing/2014/main" xmlns="" id="{594F37A0-8FD9-42A4-A80F-4C479182787E}"/>
+                <a16:creationId xmlns:a16="http://schemas.microsoft.com/office/drawing/2014/main" id="{594F37A0-8FD9-42A4-A80F-4C479182787E}"/>
               </a:ext>
             </a:extLst>
           </p:cNvPr>
@@ -33531,10 +33230,6 @@
               <a:rPr lang="de-DE" dirty="0" err="1"/>
               <a:t>Selection</a:t>
             </a:r>
-            <a:r>
-              <a:rPr lang="de-DE" dirty="0"/>
-              <a:t/>
-            </a:r>
             <a:br>
               <a:rPr lang="de-DE" dirty="0"/>
             </a:br>
@@ -33569,7 +33264,7 @@
           <p:nvPr>
             <p:extLst>
               <p:ext uri="{D42A27DB-BD31-4B8C-83A1-F6EECF244321}">
-                <p14:modId xmlns:p14="http://schemas.microsoft.com/office/powerpoint/2010/main" xmlns="" val="627684226"/>
+                <p14:modId xmlns:p14="http://schemas.microsoft.com/office/powerpoint/2010/main" val="627684226"/>
               </p:ext>
             </p:extLst>
           </p:nvPr>
@@ -33589,7 +33284,7 @@
           <p:cNvPr id="9" name="Pfeil: Chevron 8">
             <a:extLst>
               <a:ext uri="{FF2B5EF4-FFF2-40B4-BE49-F238E27FC236}">
-                <a16:creationId xmlns:a16="http://schemas.microsoft.com/office/drawing/2014/main" xmlns="" id="{D0EB61F6-F4F8-40B5-AAA1-B8F9EAA981AA}"/>
+                <a16:creationId xmlns:a16="http://schemas.microsoft.com/office/drawing/2014/main" id="{D0EB61F6-F4F8-40B5-AAA1-B8F9EAA981AA}"/>
               </a:ext>
             </a:extLst>
           </p:cNvPr>
@@ -33654,7 +33349,7 @@
           <p:cNvPr id="10" name="Pfeil: Chevron 9">
             <a:extLst>
               <a:ext uri="{FF2B5EF4-FFF2-40B4-BE49-F238E27FC236}">
-                <a16:creationId xmlns:a16="http://schemas.microsoft.com/office/drawing/2014/main" xmlns="" id="{80E34601-979E-4639-918A-814B7151AB50}"/>
+                <a16:creationId xmlns:a16="http://schemas.microsoft.com/office/drawing/2014/main" id="{80E34601-979E-4639-918A-814B7151AB50}"/>
               </a:ext>
             </a:extLst>
           </p:cNvPr>
@@ -33722,7 +33417,7 @@
           <p:cNvPr id="11" name="Pfeil: Chevron 10">
             <a:extLst>
               <a:ext uri="{FF2B5EF4-FFF2-40B4-BE49-F238E27FC236}">
-                <a16:creationId xmlns:a16="http://schemas.microsoft.com/office/drawing/2014/main" xmlns="" id="{90537AB3-A871-432B-AE01-51C08E0F59A2}"/>
+                <a16:creationId xmlns:a16="http://schemas.microsoft.com/office/drawing/2014/main" id="{90537AB3-A871-432B-AE01-51C08E0F59A2}"/>
               </a:ext>
             </a:extLst>
           </p:cNvPr>
@@ -33790,7 +33485,7 @@
     </p:spTree>
     <p:extLst>
       <p:ext uri="{BB962C8B-B14F-4D97-AF65-F5344CB8AC3E}">
-        <p14:creationId xmlns:p14="http://schemas.microsoft.com/office/powerpoint/2010/main" xmlns="" val="2501750320"/>
+        <p14:creationId xmlns:p14="http://schemas.microsoft.com/office/powerpoint/2010/main" val="2501750320"/>
       </p:ext>
     </p:extLst>
   </p:cSld>
@@ -33822,7 +33517,7 @@
           <p:cNvPr id="2" name="Titel 1">
             <a:extLst>
               <a:ext uri="{FF2B5EF4-FFF2-40B4-BE49-F238E27FC236}">
-                <a16:creationId xmlns:a16="http://schemas.microsoft.com/office/drawing/2014/main" xmlns="" id="{594F37A0-8FD9-42A4-A80F-4C479182787E}"/>
+                <a16:creationId xmlns:a16="http://schemas.microsoft.com/office/drawing/2014/main" id="{594F37A0-8FD9-42A4-A80F-4C479182787E}"/>
               </a:ext>
             </a:extLst>
           </p:cNvPr>
@@ -33850,10 +33545,6 @@
               <a:rPr lang="de-DE" dirty="0" err="1"/>
               <a:t>Selection</a:t>
             </a:r>
-            <a:r>
-              <a:rPr lang="de-DE" dirty="0"/>
-              <a:t/>
-            </a:r>
             <a:br>
               <a:rPr lang="de-DE" dirty="0"/>
             </a:br>
@@ -33881,7 +33572,7 @@
           <p:cNvPr id="3" name="Inhaltsplatzhalter 2">
             <a:extLst>
               <a:ext uri="{FF2B5EF4-FFF2-40B4-BE49-F238E27FC236}">
-                <a16:creationId xmlns:a16="http://schemas.microsoft.com/office/drawing/2014/main" xmlns="" id="{B201CE33-F1D7-423B-B373-1D449812B3D5}"/>
+                <a16:creationId xmlns:a16="http://schemas.microsoft.com/office/drawing/2014/main" id="{B201CE33-F1D7-423B-B373-1D449812B3D5}"/>
               </a:ext>
             </a:extLst>
           </p:cNvPr>
@@ -34074,7 +33765,7 @@
           <p:cNvPr id="9" name="Pfeil: Chevron 8">
             <a:extLst>
               <a:ext uri="{FF2B5EF4-FFF2-40B4-BE49-F238E27FC236}">
-                <a16:creationId xmlns:a16="http://schemas.microsoft.com/office/drawing/2014/main" xmlns="" id="{6F7AF884-21A5-46C0-B540-0CA691642AD2}"/>
+                <a16:creationId xmlns:a16="http://schemas.microsoft.com/office/drawing/2014/main" id="{6F7AF884-21A5-46C0-B540-0CA691642AD2}"/>
               </a:ext>
             </a:extLst>
           </p:cNvPr>
@@ -34139,7 +33830,7 @@
           <p:cNvPr id="10" name="Pfeil: Chevron 9">
             <a:extLst>
               <a:ext uri="{FF2B5EF4-FFF2-40B4-BE49-F238E27FC236}">
-                <a16:creationId xmlns:a16="http://schemas.microsoft.com/office/drawing/2014/main" xmlns="" id="{59BCC53C-4F8F-43DF-92CC-9C07897B4872}"/>
+                <a16:creationId xmlns:a16="http://schemas.microsoft.com/office/drawing/2014/main" id="{59BCC53C-4F8F-43DF-92CC-9C07897B4872}"/>
               </a:ext>
             </a:extLst>
           </p:cNvPr>
@@ -34207,7 +33898,7 @@
           <p:cNvPr id="11" name="Pfeil: Chevron 10">
             <a:extLst>
               <a:ext uri="{FF2B5EF4-FFF2-40B4-BE49-F238E27FC236}">
-                <a16:creationId xmlns:a16="http://schemas.microsoft.com/office/drawing/2014/main" xmlns="" id="{58B41544-D931-4E2A-9D19-547667BE6955}"/>
+                <a16:creationId xmlns:a16="http://schemas.microsoft.com/office/drawing/2014/main" id="{58B41544-D931-4E2A-9D19-547667BE6955}"/>
               </a:ext>
             </a:extLst>
           </p:cNvPr>
@@ -34275,7 +33966,7 @@
     </p:spTree>
     <p:extLst>
       <p:ext uri="{BB962C8B-B14F-4D97-AF65-F5344CB8AC3E}">
-        <p14:creationId xmlns:p14="http://schemas.microsoft.com/office/powerpoint/2010/main" xmlns="" val="1019526638"/>
+        <p14:creationId xmlns:p14="http://schemas.microsoft.com/office/powerpoint/2010/main" val="1019526638"/>
       </p:ext>
     </p:extLst>
   </p:cSld>
